--- a/docs/第8回最大値最小値を求めるアルゴリズム.pptx
+++ b/docs/第8回最大値最小値を求めるアルゴリズム.pptx
@@ -3485,11 +3485,7 @@
             </a:r>
             <a:r>
               <a:rPr lang="ja-JP" altLang="en-US" sz="3600" dirty="0" smtClean="0"/>
-              <a:t>最大値と最小値を求める</a:t>
-            </a:r>
-            <a:r>
-              <a:rPr lang="ja-JP" altLang="en-US" sz="3600" dirty="0" smtClean="0"/>
-              <a:t>アルゴリズム</a:t>
+              <a:t>最大値と最小値を求めるアルゴリズム</a:t>
             </a:r>
             <a:endParaRPr lang="en-US" altLang="ja-JP" sz="3600" dirty="0" smtClean="0"/>
           </a:p>
@@ -3502,7 +3498,6 @@
               <a:rPr kumimoji="1" lang="en-US" altLang="ja-JP" sz="3600" dirty="0" smtClean="0"/>
               <a:t>Training 2-1</a:t>
             </a:r>
-            <a:endParaRPr kumimoji="1" lang="en-US" altLang="ja-JP" sz="3600" dirty="0" smtClean="0"/>
           </a:p>
           <a:p>
             <a:r>
@@ -3756,8 +3751,13 @@
           <a:p>
             <a:r>
               <a:rPr lang="en-US" altLang="ja-JP" dirty="0"/>
-              <a:t>●Max ← T[0] </a:t>
-            </a:r>
+              <a:t>●Max ← </a:t>
+            </a:r>
+            <a:r>
+              <a:rPr lang="en-US" altLang="ja-JP" dirty="0" smtClean="0"/>
+              <a:t>T[1] </a:t>
+            </a:r>
+            <a:endParaRPr lang="en-US" altLang="ja-JP" dirty="0"/>
           </a:p>
           <a:p>
             <a:endParaRPr lang="en-US" altLang="ja-JP" dirty="0"/>
@@ -4427,12 +4427,16 @@
               <a:t>教科書 </a:t>
             </a:r>
             <a:r>
-              <a:rPr lang="en-US" altLang="ja-JP" dirty="0"/>
-              <a:t>52</a:t>
+              <a:rPr lang="en-US" altLang="ja-JP" dirty="0" smtClean="0"/>
+              <a:t>56</a:t>
+            </a:r>
+            <a:r>
+              <a:rPr lang="ja-JP" altLang="en-US" dirty="0" smtClean="0"/>
+              <a:t>ページサンプル </a:t>
             </a:r>
             <a:r>
               <a:rPr lang="ja-JP" altLang="en-US" dirty="0"/>
-              <a:t>ページサンプル *</a:t>
+              <a:t>*</a:t>
             </a:r>
             <a:r>
               <a:rPr lang="en-US" altLang="ja-JP" dirty="0"/>
@@ -4496,12 +4500,17 @@
             </a:r>
             <a:r>
               <a:rPr lang="ja-JP" altLang="en-US" dirty="0"/>
-              <a:t>整数型：</a:t>
-            </a:r>
-            <a:r>
-              <a:rPr lang="en-US" altLang="ja-JP" dirty="0"/>
-              <a:t>Max</a:t>
-            </a:r>
+              <a:t>整数型</a:t>
+            </a:r>
+            <a:r>
+              <a:rPr lang="ja-JP" altLang="en-US" dirty="0" smtClean="0"/>
+              <a:t>：</a:t>
+            </a:r>
+            <a:r>
+              <a:rPr lang="en-US" altLang="ja-JP" dirty="0" smtClean="0"/>
+              <a:t>Min</a:t>
+            </a:r>
+            <a:endParaRPr lang="en-US" altLang="ja-JP" dirty="0"/>
           </a:p>
           <a:p>
             <a:endParaRPr lang="en-US" altLang="ja-JP" dirty="0"/>
@@ -4598,8 +4607,20 @@
           </a:p>
           <a:p>
             <a:r>
+              <a:rPr lang="en-US" altLang="ja-JP" dirty="0" smtClean="0"/>
+              <a:t>●</a:t>
+            </a:r>
+            <a:r>
+              <a:rPr lang="en-US" altLang="ja-JP" dirty="0" smtClean="0"/>
+              <a:t>Mi</a:t>
+            </a:r>
+            <a:r>
               <a:rPr lang="en-US" altLang="ja-JP" dirty="0"/>
-              <a:t>●Max ← </a:t>
+              <a:t>n</a:t>
+            </a:r>
+            <a:r>
+              <a:rPr lang="en-US" altLang="ja-JP" dirty="0" smtClean="0"/>
+              <a:t>← </a:t>
             </a:r>
             <a:r>
               <a:rPr lang="en-US" altLang="ja-JP" dirty="0" smtClean="0"/>
@@ -4632,15 +4653,27 @@
           <a:p>
             <a:r>
               <a:rPr lang="ja-JP" altLang="en-US" dirty="0"/>
-              <a:t>｜■</a:t>
-            </a:r>
-            <a:r>
-              <a:rPr lang="en-US" altLang="ja-JP" dirty="0"/>
-              <a:t>Max </a:t>
+              <a:t>｜</a:t>
+            </a:r>
+            <a:r>
+              <a:rPr lang="ja-JP" altLang="en-US" dirty="0" smtClean="0"/>
+              <a:t>■</a:t>
+            </a:r>
+            <a:r>
+              <a:rPr lang="en-US" altLang="ja-JP" dirty="0" smtClean="0"/>
+              <a:t>Min</a:t>
+            </a:r>
+            <a:r>
+              <a:rPr lang="en-US" altLang="ja-JP" dirty="0" smtClean="0"/>
+              <a:t> </a:t>
             </a:r>
             <a:r>
               <a:rPr lang="ja-JP" altLang="en-US" dirty="0"/>
-              <a:t>＜ </a:t>
+              <a:t>＞</a:t>
+            </a:r>
+            <a:r>
+              <a:rPr lang="ja-JP" altLang="en-US" dirty="0" smtClean="0"/>
+              <a:t> </a:t>
             </a:r>
             <a:r>
               <a:rPr lang="en-US" altLang="ja-JP" dirty="0"/>
@@ -4658,11 +4691,19 @@
           <a:p>
             <a:r>
               <a:rPr lang="ja-JP" altLang="en-US" dirty="0"/>
-              <a:t>｜｜  ●</a:t>
+              <a:t>｜｜  </a:t>
+            </a:r>
+            <a:r>
+              <a:rPr lang="ja-JP" altLang="en-US" dirty="0" smtClean="0"/>
+              <a:t>●</a:t>
+            </a:r>
+            <a:r>
+              <a:rPr lang="en-US" altLang="ja-JP" dirty="0" smtClean="0"/>
+              <a:t>Min </a:t>
             </a:r>
             <a:r>
               <a:rPr lang="en-US" altLang="ja-JP" dirty="0"/>
-              <a:t>Max ← T[</a:t>
+              <a:t>← T[</a:t>
             </a:r>
             <a:r>
               <a:rPr lang="en-US" altLang="ja-JP" dirty="0" err="1"/>
@@ -4694,12 +4735,8 @@
               <a:t>●表示処理</a:t>
             </a:r>
             <a:r>
-              <a:rPr lang="en-US" altLang="ja-JP" dirty="0"/>
-              <a:t>(Max</a:t>
-            </a:r>
-            <a:r>
               <a:rPr lang="en-US" altLang="ja-JP" dirty="0" smtClean="0"/>
-              <a:t>)</a:t>
+              <a:t>(Min)</a:t>
             </a:r>
             <a:endParaRPr lang="en-US" altLang="ja-JP" dirty="0"/>
           </a:p>

--- a/docs/第8回最大値最小値を求めるアルゴリズム.pptx
+++ b/docs/第8回最大値最小値を求めるアルゴリズム.pptx
@@ -247,7 +247,7 @@
           <a:p>
             <a:fld id="{BC217E9B-DFCD-4DFE-B7ED-A5F6001EB7CB}" type="datetimeFigureOut">
               <a:rPr kumimoji="1" lang="ja-JP" altLang="en-US" smtClean="0"/>
-              <a:t>2019/5/12</a:t>
+              <a:t>2019/5/15</a:t>
             </a:fld>
             <a:endParaRPr kumimoji="1" lang="ja-JP" altLang="en-US"/>
           </a:p>
@@ -449,7 +449,7 @@
           <a:p>
             <a:fld id="{BC217E9B-DFCD-4DFE-B7ED-A5F6001EB7CB}" type="datetimeFigureOut">
               <a:rPr kumimoji="1" lang="ja-JP" altLang="en-US" smtClean="0"/>
-              <a:t>2019/5/12</a:t>
+              <a:t>2019/5/15</a:t>
             </a:fld>
             <a:endParaRPr kumimoji="1" lang="ja-JP" altLang="en-US"/>
           </a:p>
@@ -661,7 +661,7 @@
           <a:p>
             <a:fld id="{BC217E9B-DFCD-4DFE-B7ED-A5F6001EB7CB}" type="datetimeFigureOut">
               <a:rPr kumimoji="1" lang="ja-JP" altLang="en-US" smtClean="0"/>
-              <a:t>2019/5/12</a:t>
+              <a:t>2019/5/15</a:t>
             </a:fld>
             <a:endParaRPr kumimoji="1" lang="ja-JP" altLang="en-US"/>
           </a:p>
@@ -863,7 +863,7 @@
           <a:p>
             <a:fld id="{BC217E9B-DFCD-4DFE-B7ED-A5F6001EB7CB}" type="datetimeFigureOut">
               <a:rPr kumimoji="1" lang="ja-JP" altLang="en-US" smtClean="0"/>
-              <a:t>2019/5/12</a:t>
+              <a:t>2019/5/15</a:t>
             </a:fld>
             <a:endParaRPr kumimoji="1" lang="ja-JP" altLang="en-US"/>
           </a:p>
@@ -1109,7 +1109,7 @@
           <a:p>
             <a:fld id="{BC217E9B-DFCD-4DFE-B7ED-A5F6001EB7CB}" type="datetimeFigureOut">
               <a:rPr kumimoji="1" lang="ja-JP" altLang="en-US" smtClean="0"/>
-              <a:t>2019/5/12</a:t>
+              <a:t>2019/5/15</a:t>
             </a:fld>
             <a:endParaRPr kumimoji="1" lang="ja-JP" altLang="en-US"/>
           </a:p>
@@ -1405,7 +1405,7 @@
           <a:p>
             <a:fld id="{BC217E9B-DFCD-4DFE-B7ED-A5F6001EB7CB}" type="datetimeFigureOut">
               <a:rPr kumimoji="1" lang="ja-JP" altLang="en-US" smtClean="0"/>
-              <a:t>2019/5/12</a:t>
+              <a:t>2019/5/15</a:t>
             </a:fld>
             <a:endParaRPr kumimoji="1" lang="ja-JP" altLang="en-US"/>
           </a:p>
@@ -1836,7 +1836,7 @@
           <a:p>
             <a:fld id="{BC217E9B-DFCD-4DFE-B7ED-A5F6001EB7CB}" type="datetimeFigureOut">
               <a:rPr kumimoji="1" lang="ja-JP" altLang="en-US" smtClean="0"/>
-              <a:t>2019/5/12</a:t>
+              <a:t>2019/5/15</a:t>
             </a:fld>
             <a:endParaRPr kumimoji="1" lang="ja-JP" altLang="en-US"/>
           </a:p>
@@ -1954,7 +1954,7 @@
           <a:p>
             <a:fld id="{BC217E9B-DFCD-4DFE-B7ED-A5F6001EB7CB}" type="datetimeFigureOut">
               <a:rPr kumimoji="1" lang="ja-JP" altLang="en-US" smtClean="0"/>
-              <a:t>2019/5/12</a:t>
+              <a:t>2019/5/15</a:t>
             </a:fld>
             <a:endParaRPr kumimoji="1" lang="ja-JP" altLang="en-US"/>
           </a:p>
@@ -2049,7 +2049,7 @@
           <a:p>
             <a:fld id="{BC217E9B-DFCD-4DFE-B7ED-A5F6001EB7CB}" type="datetimeFigureOut">
               <a:rPr kumimoji="1" lang="ja-JP" altLang="en-US" smtClean="0"/>
-              <a:t>2019/5/12</a:t>
+              <a:t>2019/5/15</a:t>
             </a:fld>
             <a:endParaRPr kumimoji="1" lang="ja-JP" altLang="en-US"/>
           </a:p>
@@ -2358,7 +2358,7 @@
           <a:p>
             <a:fld id="{BC217E9B-DFCD-4DFE-B7ED-A5F6001EB7CB}" type="datetimeFigureOut">
               <a:rPr kumimoji="1" lang="ja-JP" altLang="en-US" smtClean="0"/>
-              <a:t>2019/5/12</a:t>
+              <a:t>2019/5/15</a:t>
             </a:fld>
             <a:endParaRPr kumimoji="1" lang="ja-JP" altLang="en-US"/>
           </a:p>
@@ -2611,7 +2611,7 @@
           <a:p>
             <a:fld id="{BC217E9B-DFCD-4DFE-B7ED-A5F6001EB7CB}" type="datetimeFigureOut">
               <a:rPr kumimoji="1" lang="ja-JP" altLang="en-US" smtClean="0"/>
-              <a:t>2019/5/12</a:t>
+              <a:t>2019/5/15</a:t>
             </a:fld>
             <a:endParaRPr kumimoji="1" lang="ja-JP" altLang="en-US"/>
           </a:p>
@@ -2856,7 +2856,7 @@
           <a:p>
             <a:fld id="{BC217E9B-DFCD-4DFE-B7ED-A5F6001EB7CB}" type="datetimeFigureOut">
               <a:rPr kumimoji="1" lang="ja-JP" altLang="en-US" smtClean="0"/>
-              <a:t>2019/5/12</a:t>
+              <a:t>2019/5/15</a:t>
             </a:fld>
             <a:endParaRPr kumimoji="1" lang="ja-JP" altLang="en-US"/>
           </a:p>
@@ -3320,12 +3320,16 @@
               <a:t>“</a:t>
             </a:r>
             <a:r>
-              <a:rPr lang="ja-JP" altLang="en-US" sz="4000" dirty="0" smtClean="0"/>
-              <a:t>引数と返却値</a:t>
+              <a:rPr lang="ja-JP" altLang="en-US" sz="4000" smtClean="0"/>
+              <a:t>最大値最小値</a:t>
+            </a:r>
+            <a:r>
+              <a:rPr lang="en-US" altLang="ja-JP" sz="4000" smtClean="0"/>
+              <a:t>”</a:t>
             </a:r>
             <a:r>
               <a:rPr lang="en-US" altLang="ja-JP" sz="4000" dirty="0" smtClean="0"/>
-              <a:t>”</a:t>
+              <a:t/>
             </a:r>
             <a:br>
               <a:rPr lang="en-US" altLang="ja-JP" sz="4000" dirty="0" smtClean="0"/>
@@ -4608,11 +4612,7 @@
           <a:p>
             <a:r>
               <a:rPr lang="en-US" altLang="ja-JP" dirty="0" smtClean="0"/>
-              <a:t>●</a:t>
-            </a:r>
-            <a:r>
-              <a:rPr lang="en-US" altLang="ja-JP" dirty="0" smtClean="0"/>
-              <a:t>Mi</a:t>
+              <a:t>●Mi</a:t>
             </a:r>
             <a:r>
               <a:rPr lang="en-US" altLang="ja-JP" dirty="0"/>
@@ -4620,11 +4620,7 @@
             </a:r>
             <a:r>
               <a:rPr lang="en-US" altLang="ja-JP" dirty="0" smtClean="0"/>
-              <a:t>← </a:t>
-            </a:r>
-            <a:r>
-              <a:rPr lang="en-US" altLang="ja-JP" dirty="0" smtClean="0"/>
-              <a:t>T[1] </a:t>
+              <a:t>← T[1] </a:t>
             </a:r>
             <a:endParaRPr lang="en-US" altLang="ja-JP" dirty="0"/>
           </a:p>
@@ -4661,11 +4657,7 @@
             </a:r>
             <a:r>
               <a:rPr lang="en-US" altLang="ja-JP" dirty="0" smtClean="0"/>
-              <a:t>Min</a:t>
-            </a:r>
-            <a:r>
-              <a:rPr lang="en-US" altLang="ja-JP" dirty="0" smtClean="0"/>
-              <a:t> </a:t>
+              <a:t>Min </a:t>
             </a:r>
             <a:r>
               <a:rPr lang="ja-JP" altLang="en-US" dirty="0"/>

--- a/docs/第8回最大値最小値を求めるアルゴリズム.pptx
+++ b/docs/第8回最大値最小値を求めるアルゴリズム.pptx
@@ -8,8 +8,10 @@
     <p:sldId id="256" r:id="rId2"/>
     <p:sldId id="257" r:id="rId3"/>
     <p:sldId id="270" r:id="rId4"/>
-    <p:sldId id="271" r:id="rId5"/>
-    <p:sldId id="272" r:id="rId6"/>
+    <p:sldId id="273" r:id="rId5"/>
+    <p:sldId id="271" r:id="rId6"/>
+    <p:sldId id="274" r:id="rId7"/>
+    <p:sldId id="272" r:id="rId8"/>
   </p:sldIdLst>
   <p:sldSz cx="12192000" cy="6858000"/>
   <p:notesSz cx="6858000" cy="9144000"/>
@@ -247,7 +249,7 @@
           <a:p>
             <a:fld id="{BC217E9B-DFCD-4DFE-B7ED-A5F6001EB7CB}" type="datetimeFigureOut">
               <a:rPr kumimoji="1" lang="ja-JP" altLang="en-US" smtClean="0"/>
-              <a:t>2019/5/15</a:t>
+              <a:t>2019/5/28</a:t>
             </a:fld>
             <a:endParaRPr kumimoji="1" lang="ja-JP" altLang="en-US"/>
           </a:p>
@@ -449,7 +451,7 @@
           <a:p>
             <a:fld id="{BC217E9B-DFCD-4DFE-B7ED-A5F6001EB7CB}" type="datetimeFigureOut">
               <a:rPr kumimoji="1" lang="ja-JP" altLang="en-US" smtClean="0"/>
-              <a:t>2019/5/15</a:t>
+              <a:t>2019/5/28</a:t>
             </a:fld>
             <a:endParaRPr kumimoji="1" lang="ja-JP" altLang="en-US"/>
           </a:p>
@@ -661,7 +663,7 @@
           <a:p>
             <a:fld id="{BC217E9B-DFCD-4DFE-B7ED-A5F6001EB7CB}" type="datetimeFigureOut">
               <a:rPr kumimoji="1" lang="ja-JP" altLang="en-US" smtClean="0"/>
-              <a:t>2019/5/15</a:t>
+              <a:t>2019/5/28</a:t>
             </a:fld>
             <a:endParaRPr kumimoji="1" lang="ja-JP" altLang="en-US"/>
           </a:p>
@@ -863,7 +865,7 @@
           <a:p>
             <a:fld id="{BC217E9B-DFCD-4DFE-B7ED-A5F6001EB7CB}" type="datetimeFigureOut">
               <a:rPr kumimoji="1" lang="ja-JP" altLang="en-US" smtClean="0"/>
-              <a:t>2019/5/15</a:t>
+              <a:t>2019/5/28</a:t>
             </a:fld>
             <a:endParaRPr kumimoji="1" lang="ja-JP" altLang="en-US"/>
           </a:p>
@@ -1109,7 +1111,7 @@
           <a:p>
             <a:fld id="{BC217E9B-DFCD-4DFE-B7ED-A5F6001EB7CB}" type="datetimeFigureOut">
               <a:rPr kumimoji="1" lang="ja-JP" altLang="en-US" smtClean="0"/>
-              <a:t>2019/5/15</a:t>
+              <a:t>2019/5/28</a:t>
             </a:fld>
             <a:endParaRPr kumimoji="1" lang="ja-JP" altLang="en-US"/>
           </a:p>
@@ -1405,7 +1407,7 @@
           <a:p>
             <a:fld id="{BC217E9B-DFCD-4DFE-B7ED-A5F6001EB7CB}" type="datetimeFigureOut">
               <a:rPr kumimoji="1" lang="ja-JP" altLang="en-US" smtClean="0"/>
-              <a:t>2019/5/15</a:t>
+              <a:t>2019/5/28</a:t>
             </a:fld>
             <a:endParaRPr kumimoji="1" lang="ja-JP" altLang="en-US"/>
           </a:p>
@@ -1836,7 +1838,7 @@
           <a:p>
             <a:fld id="{BC217E9B-DFCD-4DFE-B7ED-A5F6001EB7CB}" type="datetimeFigureOut">
               <a:rPr kumimoji="1" lang="ja-JP" altLang="en-US" smtClean="0"/>
-              <a:t>2019/5/15</a:t>
+              <a:t>2019/5/28</a:t>
             </a:fld>
             <a:endParaRPr kumimoji="1" lang="ja-JP" altLang="en-US"/>
           </a:p>
@@ -1954,7 +1956,7 @@
           <a:p>
             <a:fld id="{BC217E9B-DFCD-4DFE-B7ED-A5F6001EB7CB}" type="datetimeFigureOut">
               <a:rPr kumimoji="1" lang="ja-JP" altLang="en-US" smtClean="0"/>
-              <a:t>2019/5/15</a:t>
+              <a:t>2019/5/28</a:t>
             </a:fld>
             <a:endParaRPr kumimoji="1" lang="ja-JP" altLang="en-US"/>
           </a:p>
@@ -2049,7 +2051,7 @@
           <a:p>
             <a:fld id="{BC217E9B-DFCD-4DFE-B7ED-A5F6001EB7CB}" type="datetimeFigureOut">
               <a:rPr kumimoji="1" lang="ja-JP" altLang="en-US" smtClean="0"/>
-              <a:t>2019/5/15</a:t>
+              <a:t>2019/5/28</a:t>
             </a:fld>
             <a:endParaRPr kumimoji="1" lang="ja-JP" altLang="en-US"/>
           </a:p>
@@ -2358,7 +2360,7 @@
           <a:p>
             <a:fld id="{BC217E9B-DFCD-4DFE-B7ED-A5F6001EB7CB}" type="datetimeFigureOut">
               <a:rPr kumimoji="1" lang="ja-JP" altLang="en-US" smtClean="0"/>
-              <a:t>2019/5/15</a:t>
+              <a:t>2019/5/28</a:t>
             </a:fld>
             <a:endParaRPr kumimoji="1" lang="ja-JP" altLang="en-US"/>
           </a:p>
@@ -2611,7 +2613,7 @@
           <a:p>
             <a:fld id="{BC217E9B-DFCD-4DFE-B7ED-A5F6001EB7CB}" type="datetimeFigureOut">
               <a:rPr kumimoji="1" lang="ja-JP" altLang="en-US" smtClean="0"/>
-              <a:t>2019/5/15</a:t>
+              <a:t>2019/5/28</a:t>
             </a:fld>
             <a:endParaRPr kumimoji="1" lang="ja-JP" altLang="en-US"/>
           </a:p>
@@ -2856,7 +2858,7 @@
           <a:p>
             <a:fld id="{BC217E9B-DFCD-4DFE-B7ED-A5F6001EB7CB}" type="datetimeFigureOut">
               <a:rPr kumimoji="1" lang="ja-JP" altLang="en-US" smtClean="0"/>
-              <a:t>2019/5/15</a:t>
+              <a:t>2019/5/28</a:t>
             </a:fld>
             <a:endParaRPr kumimoji="1" lang="ja-JP" altLang="en-US"/>
           </a:p>
@@ -4314,6 +4316,442 @@
       </p:grpSpPr>
       <p:sp>
         <p:nvSpPr>
+          <p:cNvPr id="2" name="タイトル 1"/>
+          <p:cNvSpPr>
+            <a:spLocks noGrp="1"/>
+          </p:cNvSpPr>
+          <p:nvPr>
+            <p:ph type="title"/>
+          </p:nvPr>
+        </p:nvSpPr>
+        <p:spPr>
+          <a:xfrm>
+            <a:off x="700414" y="127129"/>
+            <a:ext cx="10836057" cy="799797"/>
+          </a:xfrm>
+        </p:spPr>
+        <p:txBody>
+          <a:bodyPr>
+            <a:normAutofit fontScale="90000"/>
+          </a:bodyPr>
+          <a:lstStyle/>
+          <a:p>
+            <a:r>
+              <a:rPr kumimoji="1" lang="en-US" altLang="ja-JP" dirty="0" smtClean="0"/>
+              <a:t>C#</a:t>
+            </a:r>
+            <a:r>
+              <a:rPr kumimoji="1" lang="ja-JP" altLang="en-US" dirty="0" smtClean="0"/>
+              <a:t>の場合　（配列の中から最大値を求める</a:t>
+            </a:r>
+            <a:r>
+              <a:rPr kumimoji="1" lang="en-US" altLang="ja-JP" dirty="0" smtClean="0"/>
+              <a:t>)</a:t>
+            </a:r>
+            <a:endParaRPr kumimoji="1" lang="ja-JP" altLang="en-US" dirty="0"/>
+          </a:p>
+        </p:txBody>
+      </p:sp>
+      <p:sp>
+        <p:nvSpPr>
+          <p:cNvPr id="3" name="テキスト ボックス 2"/>
+          <p:cNvSpPr txBox="1"/>
+          <p:nvPr/>
+        </p:nvSpPr>
+        <p:spPr>
+          <a:xfrm>
+            <a:off x="964503" y="708655"/>
+            <a:ext cx="4471793" cy="6494085"/>
+          </a:xfrm>
+          <a:prstGeom prst="rect">
+            <a:avLst/>
+          </a:prstGeom>
+          <a:noFill/>
+        </p:spPr>
+        <p:txBody>
+          <a:bodyPr wrap="square" rtlCol="0">
+            <a:spAutoFit/>
+          </a:bodyPr>
+          <a:lstStyle/>
+          <a:p>
+            <a:endParaRPr lang="ja-JP" altLang="en-US" sz="1600" dirty="0"/>
+          </a:p>
+          <a:p>
+            <a:r>
+              <a:rPr lang="en-US" altLang="ja-JP" sz="1600" dirty="0"/>
+              <a:t>namespace ConsoleApp1</a:t>
+            </a:r>
+          </a:p>
+          <a:p>
+            <a:r>
+              <a:rPr lang="en-US" altLang="ja-JP" sz="1600" dirty="0"/>
+              <a:t>{</a:t>
+            </a:r>
+          </a:p>
+          <a:p>
+            <a:r>
+              <a:rPr lang="en-US" altLang="ja-JP" sz="1600" dirty="0"/>
+              <a:t>    class Max</a:t>
+            </a:r>
+          </a:p>
+          <a:p>
+            <a:r>
+              <a:rPr lang="ja-JP" altLang="en-US" sz="1600" dirty="0"/>
+              <a:t>    </a:t>
+            </a:r>
+            <a:r>
+              <a:rPr lang="en-US" altLang="ja-JP" sz="1600" dirty="0"/>
+              <a:t>{</a:t>
+            </a:r>
+          </a:p>
+          <a:p>
+            <a:r>
+              <a:rPr lang="en-US" altLang="ja-JP" sz="1600" dirty="0"/>
+              <a:t>        static void Main(string[] </a:t>
+            </a:r>
+            <a:r>
+              <a:rPr lang="en-US" altLang="ja-JP" sz="1600" dirty="0" err="1"/>
+              <a:t>args</a:t>
+            </a:r>
+            <a:r>
+              <a:rPr lang="en-US" altLang="ja-JP" sz="1600" dirty="0"/>
+              <a:t>)</a:t>
+            </a:r>
+          </a:p>
+          <a:p>
+            <a:r>
+              <a:rPr lang="ja-JP" altLang="en-US" sz="1600" dirty="0"/>
+              <a:t>        </a:t>
+            </a:r>
+            <a:r>
+              <a:rPr lang="en-US" altLang="ja-JP" sz="1600" dirty="0" smtClean="0"/>
+              <a:t>{</a:t>
+            </a:r>
+          </a:p>
+          <a:p>
+            <a:r>
+              <a:rPr lang="en-US" altLang="ja-JP" sz="1600" dirty="0"/>
+              <a:t> </a:t>
+            </a:r>
+            <a:r>
+              <a:rPr lang="en-US" altLang="ja-JP" sz="1600" dirty="0" smtClean="0"/>
+              <a:t>           </a:t>
+            </a:r>
+            <a:r>
+              <a:rPr lang="en-US" altLang="ja-JP" sz="1600" dirty="0" err="1" smtClean="0"/>
+              <a:t>var</a:t>
+            </a:r>
+            <a:r>
+              <a:rPr lang="en-US" altLang="ja-JP" sz="1600" dirty="0" smtClean="0"/>
+              <a:t> </a:t>
+            </a:r>
+            <a:r>
+              <a:rPr lang="en-US" altLang="ja-JP" sz="1600" dirty="0"/>
+              <a:t>T = new </a:t>
+            </a:r>
+            <a:r>
+              <a:rPr lang="en-US" altLang="ja-JP" sz="1600" dirty="0" err="1"/>
+              <a:t>int</a:t>
+            </a:r>
+            <a:r>
+              <a:rPr lang="en-US" altLang="ja-JP" sz="1600" dirty="0"/>
+              <a:t>[] { 1, 3, 3, 6, 4 };</a:t>
+            </a:r>
+          </a:p>
+          <a:p>
+            <a:r>
+              <a:rPr lang="en-US" altLang="ja-JP" sz="1600" dirty="0"/>
+              <a:t>            </a:t>
+            </a:r>
+            <a:r>
+              <a:rPr lang="en-US" altLang="ja-JP" sz="1600" dirty="0" err="1"/>
+              <a:t>int</a:t>
+            </a:r>
+            <a:r>
+              <a:rPr lang="en-US" altLang="ja-JP" sz="1600" dirty="0"/>
+              <a:t> </a:t>
+            </a:r>
+            <a:r>
+              <a:rPr lang="en-US" altLang="ja-JP" sz="1600" dirty="0" err="1"/>
+              <a:t>Idx</a:t>
+            </a:r>
+            <a:r>
+              <a:rPr lang="en-US" altLang="ja-JP" sz="1600" dirty="0"/>
+              <a:t> = 0;</a:t>
+            </a:r>
+          </a:p>
+          <a:p>
+            <a:r>
+              <a:rPr lang="en-US" altLang="ja-JP" sz="1600" dirty="0"/>
+              <a:t>            </a:t>
+            </a:r>
+            <a:r>
+              <a:rPr lang="en-US" altLang="ja-JP" sz="1600" dirty="0" err="1"/>
+              <a:t>int</a:t>
+            </a:r>
+            <a:r>
+              <a:rPr lang="en-US" altLang="ja-JP" sz="1600" dirty="0"/>
+              <a:t> Max = 0;</a:t>
+            </a:r>
+          </a:p>
+          <a:p>
+            <a:endParaRPr lang="ja-JP" altLang="en-US" sz="1600" dirty="0"/>
+          </a:p>
+          <a:p>
+            <a:r>
+              <a:rPr lang="en-US" altLang="ja-JP" sz="1600" dirty="0"/>
+              <a:t>            Max = T[0];</a:t>
+            </a:r>
+          </a:p>
+          <a:p>
+            <a:endParaRPr lang="ja-JP" altLang="en-US" sz="1600" dirty="0"/>
+          </a:p>
+          <a:p>
+            <a:r>
+              <a:rPr lang="en-US" altLang="ja-JP" sz="1600" dirty="0"/>
+              <a:t>            for (</a:t>
+            </a:r>
+            <a:r>
+              <a:rPr lang="en-US" altLang="ja-JP" sz="1600" dirty="0" err="1"/>
+              <a:t>Idx</a:t>
+            </a:r>
+            <a:r>
+              <a:rPr lang="en-US" altLang="ja-JP" sz="1600" dirty="0"/>
+              <a:t> = 0; </a:t>
+            </a:r>
+            <a:r>
+              <a:rPr lang="en-US" altLang="ja-JP" sz="1600" dirty="0" err="1"/>
+              <a:t>Idx</a:t>
+            </a:r>
+            <a:r>
+              <a:rPr lang="en-US" altLang="ja-JP" sz="1600" dirty="0"/>
+              <a:t> &lt; 5; </a:t>
+            </a:r>
+            <a:r>
+              <a:rPr lang="en-US" altLang="ja-JP" sz="1600" dirty="0" err="1"/>
+              <a:t>Idx</a:t>
+            </a:r>
+            <a:r>
+              <a:rPr lang="en-US" altLang="ja-JP" sz="1600" dirty="0"/>
+              <a:t>++)</a:t>
+            </a:r>
+          </a:p>
+          <a:p>
+            <a:r>
+              <a:rPr lang="ja-JP" altLang="en-US" sz="1600" dirty="0"/>
+              <a:t>            </a:t>
+            </a:r>
+            <a:r>
+              <a:rPr lang="en-US" altLang="ja-JP" sz="1600" dirty="0"/>
+              <a:t>{</a:t>
+            </a:r>
+          </a:p>
+          <a:p>
+            <a:r>
+              <a:rPr lang="en-US" altLang="ja-JP" sz="1600" dirty="0"/>
+              <a:t>                while (Max &lt; T[</a:t>
+            </a:r>
+            <a:r>
+              <a:rPr lang="en-US" altLang="ja-JP" sz="1600" dirty="0" err="1"/>
+              <a:t>Idx</a:t>
+            </a:r>
+            <a:r>
+              <a:rPr lang="en-US" altLang="ja-JP" sz="1600" dirty="0"/>
+              <a:t>])</a:t>
+            </a:r>
+          </a:p>
+          <a:p>
+            <a:r>
+              <a:rPr lang="ja-JP" altLang="en-US" sz="1600" dirty="0"/>
+              <a:t>                </a:t>
+            </a:r>
+            <a:r>
+              <a:rPr lang="en-US" altLang="ja-JP" sz="1600" dirty="0"/>
+              <a:t>{</a:t>
+            </a:r>
+          </a:p>
+          <a:p>
+            <a:r>
+              <a:rPr lang="en-US" altLang="ja-JP" sz="1600" dirty="0"/>
+              <a:t>                    Max = T[</a:t>
+            </a:r>
+            <a:r>
+              <a:rPr lang="en-US" altLang="ja-JP" sz="1600" dirty="0" err="1"/>
+              <a:t>Idx</a:t>
+            </a:r>
+            <a:r>
+              <a:rPr lang="en-US" altLang="ja-JP" sz="1600" dirty="0"/>
+              <a:t>];</a:t>
+            </a:r>
+          </a:p>
+          <a:p>
+            <a:r>
+              <a:rPr lang="ja-JP" altLang="en-US" sz="1600" dirty="0"/>
+              <a:t>                </a:t>
+            </a:r>
+            <a:r>
+              <a:rPr lang="en-US" altLang="ja-JP" sz="1600" dirty="0"/>
+              <a:t>}</a:t>
+            </a:r>
+          </a:p>
+          <a:p>
+            <a:r>
+              <a:rPr lang="ja-JP" altLang="en-US" sz="1600" dirty="0"/>
+              <a:t>            </a:t>
+            </a:r>
+            <a:r>
+              <a:rPr lang="en-US" altLang="ja-JP" sz="1600" dirty="0"/>
+              <a:t>}</a:t>
+            </a:r>
+          </a:p>
+          <a:p>
+            <a:r>
+              <a:rPr lang="en-US" altLang="ja-JP" sz="1600" dirty="0" smtClean="0"/>
+              <a:t>            </a:t>
+            </a:r>
+            <a:r>
+              <a:rPr lang="en-US" altLang="ja-JP" sz="1600" dirty="0" err="1" smtClean="0"/>
+              <a:t>Console.WriteLine</a:t>
+            </a:r>
+            <a:r>
+              <a:rPr lang="en-US" altLang="ja-JP" sz="1600" dirty="0" smtClean="0"/>
+              <a:t>(Max</a:t>
+            </a:r>
+            <a:r>
+              <a:rPr lang="en-US" altLang="ja-JP" sz="1600" dirty="0"/>
+              <a:t>);</a:t>
+            </a:r>
+          </a:p>
+          <a:p>
+            <a:r>
+              <a:rPr lang="en-US" altLang="ja-JP" sz="1600" dirty="0"/>
+              <a:t>            </a:t>
+            </a:r>
+            <a:r>
+              <a:rPr lang="en-US" altLang="ja-JP" sz="1600" dirty="0" err="1"/>
+              <a:t>Console.ReadKey</a:t>
+            </a:r>
+            <a:r>
+              <a:rPr lang="en-US" altLang="ja-JP" sz="1600" dirty="0"/>
+              <a:t>();</a:t>
+            </a:r>
+          </a:p>
+          <a:p>
+            <a:r>
+              <a:rPr lang="ja-JP" altLang="en-US" sz="1600" dirty="0"/>
+              <a:t>        </a:t>
+            </a:r>
+            <a:r>
+              <a:rPr lang="en-US" altLang="ja-JP" sz="1600" dirty="0"/>
+              <a:t>}</a:t>
+            </a:r>
+          </a:p>
+          <a:p>
+            <a:r>
+              <a:rPr lang="ja-JP" altLang="en-US" sz="1600" dirty="0"/>
+              <a:t>    </a:t>
+            </a:r>
+            <a:r>
+              <a:rPr lang="en-US" altLang="ja-JP" sz="1600" dirty="0"/>
+              <a:t>}</a:t>
+            </a:r>
+          </a:p>
+          <a:p>
+            <a:r>
+              <a:rPr lang="en-US" altLang="ja-JP" sz="1600" dirty="0"/>
+              <a:t>}</a:t>
+            </a:r>
+          </a:p>
+          <a:p>
+            <a:endParaRPr lang="ja-JP" altLang="en-US" sz="1600" dirty="0"/>
+          </a:p>
+        </p:txBody>
+      </p:sp>
+      <p:sp>
+        <p:nvSpPr>
+          <p:cNvPr id="4" name="テキスト ボックス 3"/>
+          <p:cNvSpPr txBox="1"/>
+          <p:nvPr/>
+        </p:nvSpPr>
+        <p:spPr>
+          <a:xfrm>
+            <a:off x="7077205" y="2242159"/>
+            <a:ext cx="2646878" cy="1077218"/>
+          </a:xfrm>
+          <a:prstGeom prst="rect">
+            <a:avLst/>
+          </a:prstGeom>
+          <a:noFill/>
+        </p:spPr>
+        <p:txBody>
+          <a:bodyPr wrap="none" rtlCol="0">
+            <a:spAutoFit/>
+          </a:bodyPr>
+          <a:lstStyle/>
+          <a:p>
+            <a:r>
+              <a:rPr kumimoji="1" lang="ja-JP" altLang="en-US" sz="3200" dirty="0" smtClean="0">
+                <a:solidFill>
+                  <a:srgbClr val="FF0000"/>
+                </a:solidFill>
+              </a:rPr>
+              <a:t>実行結果　　</a:t>
+            </a:r>
+            <a:endParaRPr kumimoji="1" lang="en-US" altLang="ja-JP" sz="3200" dirty="0" smtClean="0">
+              <a:solidFill>
+                <a:srgbClr val="FF0000"/>
+              </a:solidFill>
+            </a:endParaRPr>
+          </a:p>
+          <a:p>
+            <a:r>
+              <a:rPr lang="ja-JP" altLang="en-US" sz="3200" dirty="0">
+                <a:solidFill>
+                  <a:srgbClr val="FF0000"/>
+                </a:solidFill>
+              </a:rPr>
+              <a:t>６</a:t>
+            </a:r>
+            <a:endParaRPr kumimoji="1" lang="ja-JP" altLang="en-US" sz="3200" dirty="0">
+              <a:solidFill>
+                <a:srgbClr val="FF0000"/>
+              </a:solidFill>
+            </a:endParaRPr>
+          </a:p>
+        </p:txBody>
+      </p:sp>
+    </p:spTree>
+    <p:extLst>
+      <p:ext uri="{BB962C8B-B14F-4D97-AF65-F5344CB8AC3E}">
+        <p14:creationId xmlns:p14="http://schemas.microsoft.com/office/powerpoint/2010/main" val="1790665753"/>
+      </p:ext>
+    </p:extLst>
+  </p:cSld>
+  <p:clrMapOvr>
+    <a:masterClrMapping/>
+  </p:clrMapOvr>
+</p:sld>
+</file>
+
+<file path=ppt/slides/slide5.xml><?xml version="1.0" encoding="utf-8"?>
+<p:sld xmlns:a="http://schemas.openxmlformats.org/drawingml/2006/main" xmlns:r="http://schemas.openxmlformats.org/officeDocument/2006/relationships" xmlns:p="http://schemas.openxmlformats.org/presentationml/2006/main">
+  <p:cSld>
+    <p:spTree>
+      <p:nvGrpSpPr>
+        <p:cNvPr id="1" name=""/>
+        <p:cNvGrpSpPr/>
+        <p:nvPr/>
+      </p:nvGrpSpPr>
+      <p:grpSpPr>
+        <a:xfrm>
+          <a:off x="0" y="0"/>
+          <a:ext cx="0" cy="0"/>
+          <a:chOff x="0" y="0"/>
+          <a:chExt cx="0" cy="0"/>
+        </a:xfrm>
+      </p:grpSpPr>
+      <p:sp>
+        <p:nvSpPr>
           <p:cNvPr id="4" name="テキスト ボックス 3"/>
           <p:cNvSpPr txBox="1"/>
           <p:nvPr/>
@@ -5175,7 +5613,7 @@
 </p:sld>
 </file>
 
-<file path=ppt/slides/slide5.xml><?xml version="1.0" encoding="utf-8"?>
+<file path=ppt/slides/slide6.xml><?xml version="1.0" encoding="utf-8"?>
 <p:sld xmlns:a="http://schemas.openxmlformats.org/drawingml/2006/main" xmlns:r="http://schemas.openxmlformats.org/officeDocument/2006/relationships" xmlns:p="http://schemas.openxmlformats.org/presentationml/2006/main">
   <p:cSld>
     <p:spTree>
@@ -5194,6 +5632,441 @@
       </p:grpSpPr>
       <p:sp>
         <p:nvSpPr>
+          <p:cNvPr id="2" name="タイトル 1"/>
+          <p:cNvSpPr>
+            <a:spLocks noGrp="1"/>
+          </p:cNvSpPr>
+          <p:nvPr>
+            <p:ph type="title"/>
+          </p:nvPr>
+        </p:nvSpPr>
+        <p:spPr>
+          <a:xfrm>
+            <a:off x="700414" y="127129"/>
+            <a:ext cx="10836057" cy="799797"/>
+          </a:xfrm>
+        </p:spPr>
+        <p:txBody>
+          <a:bodyPr>
+            <a:normAutofit fontScale="90000"/>
+          </a:bodyPr>
+          <a:lstStyle/>
+          <a:p>
+            <a:r>
+              <a:rPr kumimoji="1" lang="en-US" altLang="ja-JP" dirty="0" smtClean="0"/>
+              <a:t>C#</a:t>
+            </a:r>
+            <a:r>
+              <a:rPr kumimoji="1" lang="ja-JP" altLang="en-US" dirty="0" smtClean="0"/>
+              <a:t>の場合　（配列の中から</a:t>
+            </a:r>
+            <a:r>
+              <a:rPr lang="ja-JP" altLang="en-US" dirty="0"/>
+              <a:t>最小値</a:t>
+            </a:r>
+            <a:r>
+              <a:rPr kumimoji="1" lang="ja-JP" altLang="en-US" dirty="0" smtClean="0"/>
+              <a:t>を求める</a:t>
+            </a:r>
+            <a:r>
+              <a:rPr kumimoji="1" lang="en-US" altLang="ja-JP" dirty="0" smtClean="0"/>
+              <a:t>)</a:t>
+            </a:r>
+            <a:endParaRPr kumimoji="1" lang="ja-JP" altLang="en-US" dirty="0"/>
+          </a:p>
+        </p:txBody>
+      </p:sp>
+      <p:sp>
+        <p:nvSpPr>
+          <p:cNvPr id="3" name="テキスト ボックス 2"/>
+          <p:cNvSpPr txBox="1"/>
+          <p:nvPr/>
+        </p:nvSpPr>
+        <p:spPr>
+          <a:xfrm>
+            <a:off x="851769" y="721181"/>
+            <a:ext cx="7841294" cy="6001643"/>
+          </a:xfrm>
+          <a:prstGeom prst="rect">
+            <a:avLst/>
+          </a:prstGeom>
+          <a:noFill/>
+        </p:spPr>
+        <p:txBody>
+          <a:bodyPr wrap="square" rtlCol="0">
+            <a:spAutoFit/>
+          </a:bodyPr>
+          <a:lstStyle/>
+          <a:p>
+            <a:r>
+              <a:rPr lang="en-US" altLang="ja-JP" sz="1600" dirty="0"/>
+              <a:t>namespace ConsoleApp1</a:t>
+            </a:r>
+          </a:p>
+          <a:p>
+            <a:r>
+              <a:rPr lang="en-US" altLang="ja-JP" sz="1600" dirty="0"/>
+              <a:t>{</a:t>
+            </a:r>
+          </a:p>
+          <a:p>
+            <a:r>
+              <a:rPr lang="en-US" altLang="ja-JP" sz="1600" dirty="0"/>
+              <a:t>    class Min</a:t>
+            </a:r>
+          </a:p>
+          <a:p>
+            <a:r>
+              <a:rPr lang="ja-JP" altLang="en-US" sz="1600" dirty="0"/>
+              <a:t>    </a:t>
+            </a:r>
+            <a:r>
+              <a:rPr lang="en-US" altLang="ja-JP" sz="1600" dirty="0"/>
+              <a:t>{</a:t>
+            </a:r>
+          </a:p>
+          <a:p>
+            <a:r>
+              <a:rPr lang="en-US" altLang="ja-JP" sz="1600" dirty="0"/>
+              <a:t>        static void Main(string[] </a:t>
+            </a:r>
+            <a:r>
+              <a:rPr lang="en-US" altLang="ja-JP" sz="1600" dirty="0" err="1"/>
+              <a:t>args</a:t>
+            </a:r>
+            <a:r>
+              <a:rPr lang="en-US" altLang="ja-JP" sz="1600" dirty="0"/>
+              <a:t>)</a:t>
+            </a:r>
+          </a:p>
+          <a:p>
+            <a:r>
+              <a:rPr lang="ja-JP" altLang="en-US" sz="1600" dirty="0"/>
+              <a:t>        </a:t>
+            </a:r>
+            <a:r>
+              <a:rPr lang="en-US" altLang="ja-JP" sz="1600" dirty="0"/>
+              <a:t>{</a:t>
+            </a:r>
+          </a:p>
+          <a:p>
+            <a:r>
+              <a:rPr lang="ja-JP" altLang="en-US" sz="1600" dirty="0" smtClean="0"/>
+              <a:t>　　　 </a:t>
+            </a:r>
+            <a:r>
+              <a:rPr lang="en-US" altLang="ja-JP" sz="1600" dirty="0" err="1" smtClean="0"/>
+              <a:t>var</a:t>
+            </a:r>
+            <a:r>
+              <a:rPr lang="en-US" altLang="ja-JP" sz="1600" dirty="0" smtClean="0"/>
+              <a:t> </a:t>
+            </a:r>
+            <a:r>
+              <a:rPr lang="en-US" altLang="ja-JP" sz="1600" dirty="0"/>
+              <a:t>T = new </a:t>
+            </a:r>
+            <a:r>
+              <a:rPr lang="en-US" altLang="ja-JP" sz="1600" dirty="0" err="1"/>
+              <a:t>int</a:t>
+            </a:r>
+            <a:r>
+              <a:rPr lang="en-US" altLang="ja-JP" sz="1600" dirty="0"/>
+              <a:t>[] { 8, 4, 2, 1, 6 };</a:t>
+            </a:r>
+          </a:p>
+          <a:p>
+            <a:r>
+              <a:rPr lang="en-US" altLang="ja-JP" sz="1600" dirty="0"/>
+              <a:t>            </a:t>
+            </a:r>
+            <a:r>
+              <a:rPr lang="en-US" altLang="ja-JP" sz="1600" dirty="0" err="1"/>
+              <a:t>int</a:t>
+            </a:r>
+            <a:r>
+              <a:rPr lang="en-US" altLang="ja-JP" sz="1600" dirty="0"/>
+              <a:t> </a:t>
+            </a:r>
+            <a:r>
+              <a:rPr lang="en-US" altLang="ja-JP" sz="1600" dirty="0" err="1"/>
+              <a:t>Idx</a:t>
+            </a:r>
+            <a:r>
+              <a:rPr lang="en-US" altLang="ja-JP" sz="1600" dirty="0"/>
+              <a:t> = 0;</a:t>
+            </a:r>
+          </a:p>
+          <a:p>
+            <a:r>
+              <a:rPr lang="en-US" altLang="ja-JP" sz="1600" dirty="0"/>
+              <a:t>            </a:t>
+            </a:r>
+            <a:r>
+              <a:rPr lang="en-US" altLang="ja-JP" sz="1600" dirty="0" err="1"/>
+              <a:t>int</a:t>
+            </a:r>
+            <a:r>
+              <a:rPr lang="en-US" altLang="ja-JP" sz="1600" dirty="0"/>
+              <a:t> Min = 0;</a:t>
+            </a:r>
+          </a:p>
+          <a:p>
+            <a:endParaRPr lang="ja-JP" altLang="en-US" sz="1600" dirty="0"/>
+          </a:p>
+          <a:p>
+            <a:r>
+              <a:rPr lang="en-US" altLang="ja-JP" sz="1600" dirty="0"/>
+              <a:t>            Min = T[0];</a:t>
+            </a:r>
+          </a:p>
+          <a:p>
+            <a:endParaRPr lang="ja-JP" altLang="en-US" sz="1600" dirty="0"/>
+          </a:p>
+          <a:p>
+            <a:r>
+              <a:rPr lang="en-US" altLang="ja-JP" sz="1600" dirty="0"/>
+              <a:t>            for (</a:t>
+            </a:r>
+            <a:r>
+              <a:rPr lang="en-US" altLang="ja-JP" sz="1600" dirty="0" err="1"/>
+              <a:t>Idx</a:t>
+            </a:r>
+            <a:r>
+              <a:rPr lang="en-US" altLang="ja-JP" sz="1600" dirty="0"/>
+              <a:t> = 0; </a:t>
+            </a:r>
+            <a:r>
+              <a:rPr lang="en-US" altLang="ja-JP" sz="1600" dirty="0" err="1"/>
+              <a:t>Idx</a:t>
+            </a:r>
+            <a:r>
+              <a:rPr lang="en-US" altLang="ja-JP" sz="1600" dirty="0"/>
+              <a:t> &lt; 5; </a:t>
+            </a:r>
+            <a:r>
+              <a:rPr lang="en-US" altLang="ja-JP" sz="1600" dirty="0" err="1"/>
+              <a:t>Idx</a:t>
+            </a:r>
+            <a:r>
+              <a:rPr lang="en-US" altLang="ja-JP" sz="1600" dirty="0"/>
+              <a:t>++)</a:t>
+            </a:r>
+          </a:p>
+          <a:p>
+            <a:r>
+              <a:rPr lang="ja-JP" altLang="en-US" sz="1600" dirty="0"/>
+              <a:t>            </a:t>
+            </a:r>
+            <a:r>
+              <a:rPr lang="en-US" altLang="ja-JP" sz="1600" dirty="0"/>
+              <a:t>{</a:t>
+            </a:r>
+          </a:p>
+          <a:p>
+            <a:r>
+              <a:rPr lang="en-US" altLang="ja-JP" sz="1600" dirty="0"/>
+              <a:t>                while (Min &gt; T[</a:t>
+            </a:r>
+            <a:r>
+              <a:rPr lang="en-US" altLang="ja-JP" sz="1600" dirty="0" err="1"/>
+              <a:t>Idx</a:t>
+            </a:r>
+            <a:r>
+              <a:rPr lang="en-US" altLang="ja-JP" sz="1600" dirty="0"/>
+              <a:t>])</a:t>
+            </a:r>
+          </a:p>
+          <a:p>
+            <a:r>
+              <a:rPr lang="ja-JP" altLang="en-US" sz="1600" dirty="0"/>
+              <a:t>                </a:t>
+            </a:r>
+            <a:r>
+              <a:rPr lang="en-US" altLang="ja-JP" sz="1600" dirty="0"/>
+              <a:t>{</a:t>
+            </a:r>
+          </a:p>
+          <a:p>
+            <a:r>
+              <a:rPr lang="en-US" altLang="ja-JP" sz="1600" dirty="0"/>
+              <a:t>                    Min = T[</a:t>
+            </a:r>
+            <a:r>
+              <a:rPr lang="en-US" altLang="ja-JP" sz="1600" dirty="0" err="1"/>
+              <a:t>Idx</a:t>
+            </a:r>
+            <a:r>
+              <a:rPr lang="en-US" altLang="ja-JP" sz="1600" dirty="0"/>
+              <a:t>];</a:t>
+            </a:r>
+          </a:p>
+          <a:p>
+            <a:r>
+              <a:rPr lang="ja-JP" altLang="en-US" sz="1600" dirty="0"/>
+              <a:t>                </a:t>
+            </a:r>
+            <a:r>
+              <a:rPr lang="en-US" altLang="ja-JP" sz="1600" dirty="0"/>
+              <a:t>}</a:t>
+            </a:r>
+          </a:p>
+          <a:p>
+            <a:r>
+              <a:rPr lang="ja-JP" altLang="en-US" sz="1600" dirty="0"/>
+              <a:t>            </a:t>
+            </a:r>
+            <a:r>
+              <a:rPr lang="en-US" altLang="ja-JP" sz="1600" dirty="0"/>
+              <a:t>}</a:t>
+            </a:r>
+          </a:p>
+          <a:p>
+            <a:r>
+              <a:rPr lang="en-US" altLang="ja-JP" sz="1600" dirty="0" smtClean="0"/>
+              <a:t>            </a:t>
+            </a:r>
+            <a:r>
+              <a:rPr lang="en-US" altLang="ja-JP" sz="1600" dirty="0" err="1" smtClean="0"/>
+              <a:t>Console.WriteLine</a:t>
+            </a:r>
+            <a:r>
+              <a:rPr lang="en-US" altLang="ja-JP" sz="1600" dirty="0" smtClean="0"/>
+              <a:t>(Min</a:t>
+            </a:r>
+            <a:r>
+              <a:rPr lang="en-US" altLang="ja-JP" sz="1600" dirty="0"/>
+              <a:t>);</a:t>
+            </a:r>
+          </a:p>
+          <a:p>
+            <a:r>
+              <a:rPr lang="en-US" altLang="ja-JP" sz="1600" dirty="0"/>
+              <a:t>            </a:t>
+            </a:r>
+            <a:r>
+              <a:rPr lang="en-US" altLang="ja-JP" sz="1600" dirty="0" err="1"/>
+              <a:t>Console.ReadKey</a:t>
+            </a:r>
+            <a:r>
+              <a:rPr lang="en-US" altLang="ja-JP" sz="1600" dirty="0"/>
+              <a:t>();</a:t>
+            </a:r>
+          </a:p>
+          <a:p>
+            <a:r>
+              <a:rPr lang="ja-JP" altLang="en-US" sz="1600" dirty="0"/>
+              <a:t>        </a:t>
+            </a:r>
+            <a:r>
+              <a:rPr lang="en-US" altLang="ja-JP" sz="1600" dirty="0"/>
+              <a:t>}</a:t>
+            </a:r>
+          </a:p>
+          <a:p>
+            <a:r>
+              <a:rPr lang="ja-JP" altLang="en-US" sz="1600" dirty="0"/>
+              <a:t>    </a:t>
+            </a:r>
+            <a:r>
+              <a:rPr lang="en-US" altLang="ja-JP" sz="1600" dirty="0"/>
+              <a:t>}</a:t>
+            </a:r>
+          </a:p>
+          <a:p>
+            <a:r>
+              <a:rPr lang="en-US" altLang="ja-JP" sz="1600" dirty="0" smtClean="0"/>
+              <a:t>}</a:t>
+            </a:r>
+            <a:endParaRPr lang="en-US" altLang="ja-JP" sz="1600" dirty="0"/>
+          </a:p>
+        </p:txBody>
+      </p:sp>
+      <p:sp>
+        <p:nvSpPr>
+          <p:cNvPr id="4" name="テキスト ボックス 3"/>
+          <p:cNvSpPr txBox="1"/>
+          <p:nvPr/>
+        </p:nvSpPr>
+        <p:spPr>
+          <a:xfrm>
+            <a:off x="7077205" y="2242159"/>
+            <a:ext cx="2646878" cy="1077218"/>
+          </a:xfrm>
+          <a:prstGeom prst="rect">
+            <a:avLst/>
+          </a:prstGeom>
+          <a:noFill/>
+        </p:spPr>
+        <p:txBody>
+          <a:bodyPr wrap="none" rtlCol="0">
+            <a:spAutoFit/>
+          </a:bodyPr>
+          <a:lstStyle/>
+          <a:p>
+            <a:r>
+              <a:rPr kumimoji="1" lang="ja-JP" altLang="en-US" sz="3200" dirty="0" smtClean="0">
+                <a:solidFill>
+                  <a:srgbClr val="FF0000"/>
+                </a:solidFill>
+              </a:rPr>
+              <a:t>実行結果　　</a:t>
+            </a:r>
+            <a:endParaRPr kumimoji="1" lang="en-US" altLang="ja-JP" sz="3200" dirty="0" smtClean="0">
+              <a:solidFill>
+                <a:srgbClr val="FF0000"/>
+              </a:solidFill>
+            </a:endParaRPr>
+          </a:p>
+          <a:p>
+            <a:r>
+              <a:rPr lang="en-US" altLang="ja-JP" sz="3200" dirty="0" smtClean="0">
+                <a:solidFill>
+                  <a:srgbClr val="FF0000"/>
+                </a:solidFill>
+              </a:rPr>
+              <a:t>1</a:t>
+            </a:r>
+            <a:endParaRPr kumimoji="1" lang="ja-JP" altLang="en-US" sz="3200" dirty="0">
+              <a:solidFill>
+                <a:srgbClr val="FF0000"/>
+              </a:solidFill>
+            </a:endParaRPr>
+          </a:p>
+        </p:txBody>
+      </p:sp>
+    </p:spTree>
+    <p:extLst>
+      <p:ext uri="{BB962C8B-B14F-4D97-AF65-F5344CB8AC3E}">
+        <p14:creationId xmlns:p14="http://schemas.microsoft.com/office/powerpoint/2010/main" val="2994760958"/>
+      </p:ext>
+    </p:extLst>
+  </p:cSld>
+  <p:clrMapOvr>
+    <a:masterClrMapping/>
+  </p:clrMapOvr>
+</p:sld>
+</file>
+
+<file path=ppt/slides/slide7.xml><?xml version="1.0" encoding="utf-8"?>
+<p:sld xmlns:a="http://schemas.openxmlformats.org/drawingml/2006/main" xmlns:r="http://schemas.openxmlformats.org/officeDocument/2006/relationships" xmlns:p="http://schemas.openxmlformats.org/presentationml/2006/main">
+  <p:cSld>
+    <p:spTree>
+      <p:nvGrpSpPr>
+        <p:cNvPr id="1" name=""/>
+        <p:cNvGrpSpPr/>
+        <p:nvPr/>
+      </p:nvGrpSpPr>
+      <p:grpSpPr>
+        <a:xfrm>
+          <a:off x="0" y="0"/>
+          <a:ext cx="0" cy="0"/>
+          <a:chOff x="0" y="0"/>
+          <a:chExt cx="0" cy="0"/>
+        </a:xfrm>
+      </p:grpSpPr>
+      <p:sp>
+        <p:nvSpPr>
           <p:cNvPr id="4" name="テキスト ボックス 3"/>
           <p:cNvSpPr txBox="1"/>
           <p:nvPr/>
@@ -5230,8 +6103,8 @@
         </p:nvSpPr>
         <p:spPr>
           <a:xfrm>
-            <a:off x="3241964" y="2435629"/>
-            <a:ext cx="4929555" cy="923330"/>
+            <a:off x="2703344" y="2410577"/>
+            <a:ext cx="6511719" cy="1200329"/>
           </a:xfrm>
           <a:prstGeom prst="rect">
             <a:avLst/>
@@ -5245,40 +6118,40 @@
           <a:lstStyle/>
           <a:p>
             <a:r>
-              <a:rPr lang="ja-JP" altLang="en-US" dirty="0" smtClean="0"/>
+              <a:rPr lang="ja-JP" altLang="en-US" sz="2400" dirty="0" smtClean="0"/>
               <a:t>・</a:t>
             </a:r>
             <a:r>
-              <a:rPr lang="en-US" altLang="ja-JP" dirty="0" smtClean="0"/>
+              <a:rPr lang="en-US" altLang="ja-JP" sz="2400" dirty="0" smtClean="0"/>
               <a:t>Total</a:t>
             </a:r>
             <a:r>
-              <a:rPr lang="ja-JP" altLang="en-US" dirty="0" smtClean="0"/>
+              <a:rPr lang="ja-JP" altLang="en-US" sz="2400" dirty="0" smtClean="0"/>
               <a:t>には、初期値を入れる</a:t>
             </a:r>
-            <a:endParaRPr lang="en-US" altLang="ja-JP" dirty="0" smtClean="0"/>
-          </a:p>
-          <a:p>
-            <a:r>
-              <a:rPr kumimoji="1" lang="ja-JP" altLang="en-US" dirty="0" smtClean="0"/>
+            <a:endParaRPr lang="en-US" altLang="ja-JP" sz="2400" dirty="0" smtClean="0"/>
+          </a:p>
+          <a:p>
+            <a:r>
+              <a:rPr kumimoji="1" lang="ja-JP" altLang="en-US" sz="2400" dirty="0" smtClean="0"/>
               <a:t>・ループは、</a:t>
             </a:r>
             <a:r>
-              <a:rPr kumimoji="1" lang="en-US" altLang="ja-JP" dirty="0" smtClean="0"/>
+              <a:rPr kumimoji="1" lang="en-US" altLang="ja-JP" sz="2400" dirty="0" smtClean="0"/>
               <a:t>1</a:t>
             </a:r>
             <a:r>
-              <a:rPr kumimoji="1" lang="ja-JP" altLang="en-US" dirty="0" smtClean="0"/>
+              <a:rPr kumimoji="1" lang="ja-JP" altLang="en-US" sz="2400" dirty="0" smtClean="0"/>
               <a:t>から始まっている事に注意する</a:t>
             </a:r>
-            <a:endParaRPr kumimoji="1" lang="en-US" altLang="ja-JP" dirty="0" smtClean="0"/>
-          </a:p>
-          <a:p>
-            <a:r>
-              <a:rPr lang="ja-JP" altLang="en-US" dirty="0" smtClean="0"/>
+            <a:endParaRPr kumimoji="1" lang="en-US" altLang="ja-JP" sz="2400" dirty="0" smtClean="0"/>
+          </a:p>
+          <a:p>
+            <a:r>
+              <a:rPr lang="ja-JP" altLang="en-US" sz="2400" dirty="0" smtClean="0"/>
               <a:t>・各値をトレースしていくこと</a:t>
             </a:r>
-            <a:endParaRPr kumimoji="1" lang="ja-JP" altLang="en-US" dirty="0"/>
+            <a:endParaRPr kumimoji="1" lang="ja-JP" altLang="en-US" sz="2400" dirty="0"/>
           </a:p>
         </p:txBody>
       </p:sp>

--- a/docs/第8回最大値最小値を求めるアルゴリズム.pptx
+++ b/docs/第8回最大値最小値を求めるアルゴリズム.pptx
@@ -7,14 +7,17 @@
   <p:sldIdLst>
     <p:sldId id="256" r:id="rId2"/>
     <p:sldId id="257" r:id="rId3"/>
-    <p:sldId id="270" r:id="rId4"/>
-    <p:sldId id="273" r:id="rId5"/>
-    <p:sldId id="271" r:id="rId6"/>
-    <p:sldId id="274" r:id="rId7"/>
-    <p:sldId id="272" r:id="rId8"/>
+    <p:sldId id="273" r:id="rId4"/>
+    <p:sldId id="274" r:id="rId5"/>
+    <p:sldId id="275" r:id="rId6"/>
+    <p:sldId id="270" r:id="rId7"/>
+    <p:sldId id="276" r:id="rId8"/>
+    <p:sldId id="277" r:id="rId9"/>
+    <p:sldId id="271" r:id="rId10"/>
+    <p:sldId id="272" r:id="rId11"/>
   </p:sldIdLst>
   <p:sldSz cx="12192000" cy="6858000"/>
-  <p:notesSz cx="6858000" cy="9144000"/>
+  <p:notesSz cx="6735763" cy="9866313"/>
   <p:defaultTextStyle>
     <a:defPPr>
       <a:defRPr lang="ja-JP"/>
@@ -249,7 +252,7 @@
           <a:p>
             <a:fld id="{BC217E9B-DFCD-4DFE-B7ED-A5F6001EB7CB}" type="datetimeFigureOut">
               <a:rPr kumimoji="1" lang="ja-JP" altLang="en-US" smtClean="0"/>
-              <a:t>2019/5/28</a:t>
+              <a:t>2019/6/9</a:t>
             </a:fld>
             <a:endParaRPr kumimoji="1" lang="ja-JP" altLang="en-US"/>
           </a:p>
@@ -451,7 +454,7 @@
           <a:p>
             <a:fld id="{BC217E9B-DFCD-4DFE-B7ED-A5F6001EB7CB}" type="datetimeFigureOut">
               <a:rPr kumimoji="1" lang="ja-JP" altLang="en-US" smtClean="0"/>
-              <a:t>2019/5/28</a:t>
+              <a:t>2019/6/9</a:t>
             </a:fld>
             <a:endParaRPr kumimoji="1" lang="ja-JP" altLang="en-US"/>
           </a:p>
@@ -663,7 +666,7 @@
           <a:p>
             <a:fld id="{BC217E9B-DFCD-4DFE-B7ED-A5F6001EB7CB}" type="datetimeFigureOut">
               <a:rPr kumimoji="1" lang="ja-JP" altLang="en-US" smtClean="0"/>
-              <a:t>2019/5/28</a:t>
+              <a:t>2019/6/9</a:t>
             </a:fld>
             <a:endParaRPr kumimoji="1" lang="ja-JP" altLang="en-US"/>
           </a:p>
@@ -865,7 +868,7 @@
           <a:p>
             <a:fld id="{BC217E9B-DFCD-4DFE-B7ED-A5F6001EB7CB}" type="datetimeFigureOut">
               <a:rPr kumimoji="1" lang="ja-JP" altLang="en-US" smtClean="0"/>
-              <a:t>2019/5/28</a:t>
+              <a:t>2019/6/9</a:t>
             </a:fld>
             <a:endParaRPr kumimoji="1" lang="ja-JP" altLang="en-US"/>
           </a:p>
@@ -1111,7 +1114,7 @@
           <a:p>
             <a:fld id="{BC217E9B-DFCD-4DFE-B7ED-A5F6001EB7CB}" type="datetimeFigureOut">
               <a:rPr kumimoji="1" lang="ja-JP" altLang="en-US" smtClean="0"/>
-              <a:t>2019/5/28</a:t>
+              <a:t>2019/6/9</a:t>
             </a:fld>
             <a:endParaRPr kumimoji="1" lang="ja-JP" altLang="en-US"/>
           </a:p>
@@ -1407,7 +1410,7 @@
           <a:p>
             <a:fld id="{BC217E9B-DFCD-4DFE-B7ED-A5F6001EB7CB}" type="datetimeFigureOut">
               <a:rPr kumimoji="1" lang="ja-JP" altLang="en-US" smtClean="0"/>
-              <a:t>2019/5/28</a:t>
+              <a:t>2019/6/9</a:t>
             </a:fld>
             <a:endParaRPr kumimoji="1" lang="ja-JP" altLang="en-US"/>
           </a:p>
@@ -1838,7 +1841,7 @@
           <a:p>
             <a:fld id="{BC217E9B-DFCD-4DFE-B7ED-A5F6001EB7CB}" type="datetimeFigureOut">
               <a:rPr kumimoji="1" lang="ja-JP" altLang="en-US" smtClean="0"/>
-              <a:t>2019/5/28</a:t>
+              <a:t>2019/6/9</a:t>
             </a:fld>
             <a:endParaRPr kumimoji="1" lang="ja-JP" altLang="en-US"/>
           </a:p>
@@ -1956,7 +1959,7 @@
           <a:p>
             <a:fld id="{BC217E9B-DFCD-4DFE-B7ED-A5F6001EB7CB}" type="datetimeFigureOut">
               <a:rPr kumimoji="1" lang="ja-JP" altLang="en-US" smtClean="0"/>
-              <a:t>2019/5/28</a:t>
+              <a:t>2019/6/9</a:t>
             </a:fld>
             <a:endParaRPr kumimoji="1" lang="ja-JP" altLang="en-US"/>
           </a:p>
@@ -2051,7 +2054,7 @@
           <a:p>
             <a:fld id="{BC217E9B-DFCD-4DFE-B7ED-A5F6001EB7CB}" type="datetimeFigureOut">
               <a:rPr kumimoji="1" lang="ja-JP" altLang="en-US" smtClean="0"/>
-              <a:t>2019/5/28</a:t>
+              <a:t>2019/6/9</a:t>
             </a:fld>
             <a:endParaRPr kumimoji="1" lang="ja-JP" altLang="en-US"/>
           </a:p>
@@ -2360,7 +2363,7 @@
           <a:p>
             <a:fld id="{BC217E9B-DFCD-4DFE-B7ED-A5F6001EB7CB}" type="datetimeFigureOut">
               <a:rPr kumimoji="1" lang="ja-JP" altLang="en-US" smtClean="0"/>
-              <a:t>2019/5/28</a:t>
+              <a:t>2019/6/9</a:t>
             </a:fld>
             <a:endParaRPr kumimoji="1" lang="ja-JP" altLang="en-US"/>
           </a:p>
@@ -2613,7 +2616,7 @@
           <a:p>
             <a:fld id="{BC217E9B-DFCD-4DFE-B7ED-A5F6001EB7CB}" type="datetimeFigureOut">
               <a:rPr kumimoji="1" lang="ja-JP" altLang="en-US" smtClean="0"/>
-              <a:t>2019/5/28</a:t>
+              <a:t>2019/6/9</a:t>
             </a:fld>
             <a:endParaRPr kumimoji="1" lang="ja-JP" altLang="en-US"/>
           </a:p>
@@ -2858,7 +2861,7 @@
           <a:p>
             <a:fld id="{BC217E9B-DFCD-4DFE-B7ED-A5F6001EB7CB}" type="datetimeFigureOut">
               <a:rPr kumimoji="1" lang="ja-JP" altLang="en-US" smtClean="0"/>
-              <a:t>2019/5/28</a:t>
+              <a:t>2019/6/9</a:t>
             </a:fld>
             <a:endParaRPr kumimoji="1" lang="ja-JP" altLang="en-US"/>
           </a:p>
@@ -3408,6 +3411,126 @@
 </p:sld>
 </file>
 
+<file path=ppt/slides/slide10.xml><?xml version="1.0" encoding="utf-8"?>
+<p:sld xmlns:a="http://schemas.openxmlformats.org/drawingml/2006/main" xmlns:r="http://schemas.openxmlformats.org/officeDocument/2006/relationships" xmlns:p="http://schemas.openxmlformats.org/presentationml/2006/main">
+  <p:cSld>
+    <p:spTree>
+      <p:nvGrpSpPr>
+        <p:cNvPr id="1" name=""/>
+        <p:cNvGrpSpPr/>
+        <p:nvPr/>
+      </p:nvGrpSpPr>
+      <p:grpSpPr>
+        <a:xfrm>
+          <a:off x="0" y="0"/>
+          <a:ext cx="0" cy="0"/>
+          <a:chOff x="0" y="0"/>
+          <a:chExt cx="0" cy="0"/>
+        </a:xfrm>
+      </p:grpSpPr>
+      <p:sp>
+        <p:nvSpPr>
+          <p:cNvPr id="4" name="テキスト ボックス 3"/>
+          <p:cNvSpPr txBox="1"/>
+          <p:nvPr/>
+        </p:nvSpPr>
+        <p:spPr>
+          <a:xfrm>
+            <a:off x="4175267" y="646229"/>
+            <a:ext cx="2778325" cy="646331"/>
+          </a:xfrm>
+          <a:prstGeom prst="rect">
+            <a:avLst/>
+          </a:prstGeom>
+          <a:noFill/>
+        </p:spPr>
+        <p:txBody>
+          <a:bodyPr wrap="none" rtlCol="0">
+            <a:spAutoFit/>
+          </a:bodyPr>
+          <a:lstStyle/>
+          <a:p>
+            <a:r>
+              <a:rPr kumimoji="1" lang="en-US" altLang="ja-JP" sz="3600" dirty="0" smtClean="0"/>
+              <a:t>Training 2-1</a:t>
+            </a:r>
+            <a:endParaRPr kumimoji="1" lang="ja-JP" altLang="en-US" sz="3600" dirty="0"/>
+          </a:p>
+        </p:txBody>
+      </p:sp>
+      <p:sp>
+        <p:nvSpPr>
+          <p:cNvPr id="3" name="テキスト ボックス 2"/>
+          <p:cNvSpPr txBox="1"/>
+          <p:nvPr/>
+        </p:nvSpPr>
+        <p:spPr>
+          <a:xfrm>
+            <a:off x="1254595" y="2435629"/>
+            <a:ext cx="8619667" cy="1569660"/>
+          </a:xfrm>
+          <a:prstGeom prst="rect">
+            <a:avLst/>
+          </a:prstGeom>
+          <a:noFill/>
+        </p:spPr>
+        <p:txBody>
+          <a:bodyPr wrap="none" rtlCol="0">
+            <a:spAutoFit/>
+          </a:bodyPr>
+          <a:lstStyle/>
+          <a:p>
+            <a:r>
+              <a:rPr lang="ja-JP" altLang="en-US" sz="3200" dirty="0" smtClean="0"/>
+              <a:t>・</a:t>
+            </a:r>
+            <a:r>
+              <a:rPr lang="en-US" altLang="ja-JP" sz="3200" dirty="0" smtClean="0"/>
+              <a:t>Total</a:t>
+            </a:r>
+            <a:r>
+              <a:rPr lang="ja-JP" altLang="en-US" sz="3200" dirty="0" smtClean="0"/>
+              <a:t>には、初期値を入れる</a:t>
+            </a:r>
+            <a:endParaRPr lang="en-US" altLang="ja-JP" sz="3200" dirty="0" smtClean="0"/>
+          </a:p>
+          <a:p>
+            <a:r>
+              <a:rPr kumimoji="1" lang="ja-JP" altLang="en-US" sz="3200" dirty="0" smtClean="0"/>
+              <a:t>・ループは、</a:t>
+            </a:r>
+            <a:r>
+              <a:rPr kumimoji="1" lang="en-US" altLang="ja-JP" sz="3200" dirty="0" smtClean="0"/>
+              <a:t>1</a:t>
+            </a:r>
+            <a:r>
+              <a:rPr kumimoji="1" lang="ja-JP" altLang="en-US" sz="3200" dirty="0" smtClean="0"/>
+              <a:t>から始まっている事に注意する</a:t>
+            </a:r>
+            <a:endParaRPr kumimoji="1" lang="en-US" altLang="ja-JP" sz="3200" dirty="0" smtClean="0"/>
+          </a:p>
+          <a:p>
+            <a:r>
+              <a:rPr lang="ja-JP" altLang="en-US" sz="3200" dirty="0" smtClean="0"/>
+              <a:t>・各値をトレースしていくこと</a:t>
+            </a:r>
+            <a:endParaRPr kumimoji="1" lang="ja-JP" altLang="en-US" sz="3200" dirty="0"/>
+          </a:p>
+        </p:txBody>
+      </p:sp>
+    </p:spTree>
+    <p:extLst>
+      <p:ext uri="{BB962C8B-B14F-4D97-AF65-F5344CB8AC3E}">
+        <p14:creationId xmlns:p14="http://schemas.microsoft.com/office/powerpoint/2010/main" val="2843200714"/>
+      </p:ext>
+    </p:extLst>
+  </p:cSld>
+  <p:clrMapOvr>
+    <a:masterClrMapping/>
+  </p:clrMapOvr>
+</p:sld>
+</file>
+
 <file path=ppt/slides/slide2.xml><?xml version="1.0" encoding="utf-8"?>
 <p:sld xmlns:a="http://schemas.openxmlformats.org/drawingml/2006/main" xmlns:r="http://schemas.openxmlformats.org/officeDocument/2006/relationships" xmlns:p="http://schemas.openxmlformats.org/presentationml/2006/main">
   <p:cSld>
@@ -3528,6 +3651,1935 @@
 </file>
 
 <file path=ppt/slides/slide3.xml><?xml version="1.0" encoding="utf-8"?>
+<p:sld xmlns:a="http://schemas.openxmlformats.org/drawingml/2006/main" xmlns:r="http://schemas.openxmlformats.org/officeDocument/2006/relationships" xmlns:p="http://schemas.openxmlformats.org/presentationml/2006/main">
+  <p:cSld>
+    <p:spTree>
+      <p:nvGrpSpPr>
+        <p:cNvPr id="1" name=""/>
+        <p:cNvGrpSpPr/>
+        <p:nvPr/>
+      </p:nvGrpSpPr>
+      <p:grpSpPr>
+        <a:xfrm>
+          <a:off x="0" y="0"/>
+          <a:ext cx="0" cy="0"/>
+          <a:chOff x="0" y="0"/>
+          <a:chExt cx="0" cy="0"/>
+        </a:xfrm>
+      </p:grpSpPr>
+      <p:sp>
+        <p:nvSpPr>
+          <p:cNvPr id="2" name="タイトル 1"/>
+          <p:cNvSpPr>
+            <a:spLocks noGrp="1"/>
+          </p:cNvSpPr>
+          <p:nvPr>
+            <p:ph type="title"/>
+          </p:nvPr>
+        </p:nvSpPr>
+        <p:spPr>
+          <a:xfrm>
+            <a:off x="925882" y="65867"/>
+            <a:ext cx="10515600" cy="1325563"/>
+          </a:xfrm>
+        </p:spPr>
+        <p:txBody>
+          <a:bodyPr/>
+          <a:lstStyle/>
+          <a:p>
+            <a:r>
+              <a:rPr lang="ja-JP" altLang="en-US" dirty="0" smtClean="0"/>
+              <a:t>前回のおさらい（</a:t>
+            </a:r>
+            <a:r>
+              <a:rPr lang="en-US" altLang="ja-JP" dirty="0" smtClean="0"/>
+              <a:t>2</a:t>
+            </a:r>
+            <a:r>
+              <a:rPr lang="ja-JP" altLang="en-US" dirty="0" smtClean="0"/>
+              <a:t>次元配列）</a:t>
+            </a:r>
+            <a:r>
+              <a:rPr lang="en-US" altLang="ja-JP" dirty="0" smtClean="0"/>
+              <a:t/>
+            </a:r>
+            <a:br>
+              <a:rPr lang="en-US" altLang="ja-JP" dirty="0" smtClean="0"/>
+            </a:br>
+            <a:r>
+              <a:rPr lang="ja-JP" altLang="en-US" dirty="0" smtClean="0"/>
+              <a:t>名前　　　　クラス番号</a:t>
+            </a:r>
+            <a:endParaRPr kumimoji="1" lang="ja-JP" altLang="en-US" dirty="0"/>
+          </a:p>
+        </p:txBody>
+      </p:sp>
+      <p:sp>
+        <p:nvSpPr>
+          <p:cNvPr id="3" name="テキスト ボックス 2"/>
+          <p:cNvSpPr txBox="1"/>
+          <p:nvPr/>
+        </p:nvSpPr>
+        <p:spPr>
+          <a:xfrm>
+            <a:off x="267469" y="1391430"/>
+            <a:ext cx="6346159" cy="4832092"/>
+          </a:xfrm>
+          <a:prstGeom prst="rect">
+            <a:avLst/>
+          </a:prstGeom>
+          <a:noFill/>
+        </p:spPr>
+        <p:txBody>
+          <a:bodyPr wrap="square" rtlCol="0">
+            <a:spAutoFit/>
+          </a:bodyPr>
+          <a:lstStyle/>
+          <a:p>
+            <a:r>
+              <a:rPr lang="ja-JP" altLang="en-US" sz="2800" dirty="0"/>
+              <a:t>○プログラム名：</a:t>
+            </a:r>
+            <a:r>
+              <a:rPr lang="en-US" altLang="ja-JP" sz="2800" dirty="0"/>
+              <a:t>9</a:t>
+            </a:r>
+            <a:r>
+              <a:rPr lang="ja-JP" altLang="en-US" sz="2800" dirty="0"/>
+              <a:t>列</a:t>
+            </a:r>
+            <a:r>
+              <a:rPr lang="en-US" altLang="ja-JP" sz="2800" dirty="0"/>
+              <a:t>9</a:t>
+            </a:r>
+            <a:r>
+              <a:rPr lang="ja-JP" altLang="en-US" sz="2800" dirty="0"/>
+              <a:t>行の九九の</a:t>
+            </a:r>
+            <a:r>
+              <a:rPr lang="ja-JP" altLang="en-US" sz="2800" dirty="0" smtClean="0"/>
+              <a:t>表</a:t>
+            </a:r>
+            <a:endParaRPr lang="en-US" altLang="ja-JP" sz="2800" dirty="0"/>
+          </a:p>
+          <a:p>
+            <a:r>
+              <a:rPr lang="en-US" altLang="ja-JP" sz="2800" dirty="0"/>
+              <a:t>○</a:t>
+            </a:r>
+            <a:r>
+              <a:rPr lang="ja-JP" altLang="en-US" sz="2800" dirty="0"/>
+              <a:t>整数型：</a:t>
+            </a:r>
+            <a:r>
+              <a:rPr lang="en-US" altLang="ja-JP" sz="2800" dirty="0"/>
+              <a:t>Kuku[9,9]</a:t>
+            </a:r>
+          </a:p>
+          <a:p>
+            <a:r>
+              <a:rPr lang="en-US" altLang="ja-JP" sz="2800" dirty="0"/>
+              <a:t>○</a:t>
+            </a:r>
+            <a:r>
+              <a:rPr lang="ja-JP" altLang="en-US" sz="2800" dirty="0"/>
+              <a:t>整数型：</a:t>
+            </a:r>
+            <a:r>
+              <a:rPr lang="en-US" altLang="ja-JP" sz="2800" dirty="0" err="1"/>
+              <a:t>Lidx</a:t>
+            </a:r>
+            <a:r>
+              <a:rPr lang="en-US" altLang="ja-JP" sz="2800" dirty="0"/>
+              <a:t> </a:t>
+            </a:r>
+          </a:p>
+          <a:p>
+            <a:r>
+              <a:rPr lang="en-US" altLang="ja-JP" sz="2800" dirty="0"/>
+              <a:t>○</a:t>
+            </a:r>
+            <a:r>
+              <a:rPr lang="ja-JP" altLang="en-US" sz="2800" dirty="0"/>
+              <a:t>整数型：</a:t>
+            </a:r>
+            <a:r>
+              <a:rPr lang="en-US" altLang="ja-JP" sz="2800" dirty="0" err="1"/>
+              <a:t>Cidx</a:t>
+            </a:r>
+            <a:endParaRPr lang="en-US" altLang="ja-JP" sz="2800" dirty="0"/>
+          </a:p>
+          <a:p>
+            <a:endParaRPr lang="en-US" altLang="ja-JP" sz="2800" dirty="0"/>
+          </a:p>
+          <a:p>
+            <a:r>
+              <a:rPr lang="en-US" altLang="ja-JP" sz="2800" dirty="0" smtClean="0"/>
+              <a:t>■</a:t>
+            </a:r>
+            <a:endParaRPr lang="en-US" altLang="ja-JP" sz="2800" dirty="0"/>
+          </a:p>
+          <a:p>
+            <a:r>
+              <a:rPr lang="ja-JP" altLang="en-US" sz="2800" dirty="0"/>
+              <a:t>｜</a:t>
+            </a:r>
+            <a:r>
+              <a:rPr lang="ja-JP" altLang="en-US" sz="2800" dirty="0" smtClean="0"/>
+              <a:t>■</a:t>
+            </a:r>
+            <a:endParaRPr lang="en-US" altLang="ja-JP" sz="2800" dirty="0"/>
+          </a:p>
+          <a:p>
+            <a:r>
+              <a:rPr lang="ja-JP" altLang="en-US" sz="2800" dirty="0"/>
+              <a:t>｜｜  </a:t>
+            </a:r>
+            <a:r>
+              <a:rPr lang="ja-JP" altLang="en-US" sz="2800" dirty="0" smtClean="0"/>
+              <a:t>●</a:t>
+            </a:r>
+            <a:endParaRPr lang="en-US" altLang="ja-JP" sz="2800" dirty="0"/>
+          </a:p>
+          <a:p>
+            <a:r>
+              <a:rPr lang="ja-JP" altLang="en-US" sz="2800" dirty="0"/>
+              <a:t>｜□</a:t>
+            </a:r>
+          </a:p>
+          <a:p>
+            <a:r>
+              <a:rPr lang="ja-JP" altLang="en-US" sz="2800" dirty="0"/>
+              <a:t>□</a:t>
+            </a:r>
+          </a:p>
+          <a:p>
+            <a:endParaRPr lang="ja-JP" altLang="en-US" sz="2800" dirty="0"/>
+          </a:p>
+        </p:txBody>
+      </p:sp>
+      <p:graphicFrame>
+        <p:nvGraphicFramePr>
+          <p:cNvPr id="4" name="表 3"/>
+          <p:cNvGraphicFramePr>
+            <a:graphicFrameLocks noGrp="1"/>
+          </p:cNvGraphicFramePr>
+          <p:nvPr>
+            <p:extLst/>
+          </p:nvPr>
+        </p:nvGraphicFramePr>
+        <p:xfrm>
+          <a:off x="6986380" y="1690688"/>
+          <a:ext cx="4568310" cy="4379384"/>
+        </p:xfrm>
+        <a:graphic>
+          <a:graphicData uri="http://schemas.openxmlformats.org/drawingml/2006/table">
+            <a:tbl>
+              <a:tblPr firstRow="1" bandRow="1">
+                <a:tableStyleId>{5C22544A-7EE6-4342-B048-85BDC9FD1C3A}</a:tableStyleId>
+              </a:tblPr>
+              <a:tblGrid>
+                <a:gridCol w="456831">
+                  <a:extLst>
+                    <a:ext uri="{9D8B030D-6E8A-4147-A177-3AD203B41FA5}">
+                      <a16:colId xmlns:a16="http://schemas.microsoft.com/office/drawing/2014/main" val="1240129027"/>
+                    </a:ext>
+                  </a:extLst>
+                </a:gridCol>
+                <a:gridCol w="456831">
+                  <a:extLst>
+                    <a:ext uri="{9D8B030D-6E8A-4147-A177-3AD203B41FA5}">
+                      <a16:colId xmlns:a16="http://schemas.microsoft.com/office/drawing/2014/main" val="2451552992"/>
+                    </a:ext>
+                  </a:extLst>
+                </a:gridCol>
+                <a:gridCol w="456831">
+                  <a:extLst>
+                    <a:ext uri="{9D8B030D-6E8A-4147-A177-3AD203B41FA5}">
+                      <a16:colId xmlns:a16="http://schemas.microsoft.com/office/drawing/2014/main" val="2739210031"/>
+                    </a:ext>
+                  </a:extLst>
+                </a:gridCol>
+                <a:gridCol w="456831">
+                  <a:extLst>
+                    <a:ext uri="{9D8B030D-6E8A-4147-A177-3AD203B41FA5}">
+                      <a16:colId xmlns:a16="http://schemas.microsoft.com/office/drawing/2014/main" val="888220599"/>
+                    </a:ext>
+                  </a:extLst>
+                </a:gridCol>
+                <a:gridCol w="456831">
+                  <a:extLst>
+                    <a:ext uri="{9D8B030D-6E8A-4147-A177-3AD203B41FA5}">
+                      <a16:colId xmlns:a16="http://schemas.microsoft.com/office/drawing/2014/main" val="3038972249"/>
+                    </a:ext>
+                  </a:extLst>
+                </a:gridCol>
+                <a:gridCol w="456831">
+                  <a:extLst>
+                    <a:ext uri="{9D8B030D-6E8A-4147-A177-3AD203B41FA5}">
+                      <a16:colId xmlns:a16="http://schemas.microsoft.com/office/drawing/2014/main" val="2632154284"/>
+                    </a:ext>
+                  </a:extLst>
+                </a:gridCol>
+                <a:gridCol w="456831">
+                  <a:extLst>
+                    <a:ext uri="{9D8B030D-6E8A-4147-A177-3AD203B41FA5}">
+                      <a16:colId xmlns:a16="http://schemas.microsoft.com/office/drawing/2014/main" val="4141155187"/>
+                    </a:ext>
+                  </a:extLst>
+                </a:gridCol>
+                <a:gridCol w="456831">
+                  <a:extLst>
+                    <a:ext uri="{9D8B030D-6E8A-4147-A177-3AD203B41FA5}">
+                      <a16:colId xmlns:a16="http://schemas.microsoft.com/office/drawing/2014/main" val="4070583178"/>
+                    </a:ext>
+                  </a:extLst>
+                </a:gridCol>
+                <a:gridCol w="456831">
+                  <a:extLst>
+                    <a:ext uri="{9D8B030D-6E8A-4147-A177-3AD203B41FA5}">
+                      <a16:colId xmlns:a16="http://schemas.microsoft.com/office/drawing/2014/main" val="3011869103"/>
+                    </a:ext>
+                  </a:extLst>
+                </a:gridCol>
+                <a:gridCol w="456831">
+                  <a:extLst>
+                    <a:ext uri="{9D8B030D-6E8A-4147-A177-3AD203B41FA5}">
+                      <a16:colId xmlns:a16="http://schemas.microsoft.com/office/drawing/2014/main" val="578234544"/>
+                    </a:ext>
+                  </a:extLst>
+                </a:gridCol>
+              </a:tblGrid>
+              <a:tr h="440829">
+                <a:tc>
+                  <a:txBody>
+                    <a:bodyPr/>
+                    <a:lstStyle/>
+                    <a:p>
+                      <a:endParaRPr kumimoji="1" lang="ja-JP" altLang="en-US" dirty="0"/>
+                    </a:p>
+                  </a:txBody>
+                  <a:tcPr/>
+                </a:tc>
+                <a:tc>
+                  <a:txBody>
+                    <a:bodyPr/>
+                    <a:lstStyle/>
+                    <a:p>
+                      <a:r>
+                        <a:rPr kumimoji="1" lang="en-US" altLang="ja-JP" dirty="0" smtClean="0"/>
+                        <a:t>0</a:t>
+                      </a:r>
+                      <a:endParaRPr kumimoji="1" lang="ja-JP" altLang="en-US" dirty="0"/>
+                    </a:p>
+                  </a:txBody>
+                  <a:tcPr/>
+                </a:tc>
+                <a:tc>
+                  <a:txBody>
+                    <a:bodyPr/>
+                    <a:lstStyle/>
+                    <a:p>
+                      <a:r>
+                        <a:rPr kumimoji="1" lang="en-US" altLang="ja-JP" dirty="0" smtClean="0"/>
+                        <a:t>1</a:t>
+                      </a:r>
+                      <a:endParaRPr kumimoji="1" lang="ja-JP" altLang="en-US" dirty="0"/>
+                    </a:p>
+                  </a:txBody>
+                  <a:tcPr/>
+                </a:tc>
+                <a:tc>
+                  <a:txBody>
+                    <a:bodyPr/>
+                    <a:lstStyle/>
+                    <a:p>
+                      <a:r>
+                        <a:rPr kumimoji="1" lang="en-US" altLang="ja-JP" dirty="0" smtClean="0"/>
+                        <a:t>2</a:t>
+                      </a:r>
+                      <a:endParaRPr kumimoji="1" lang="ja-JP" altLang="en-US" dirty="0"/>
+                    </a:p>
+                  </a:txBody>
+                  <a:tcPr/>
+                </a:tc>
+                <a:tc>
+                  <a:txBody>
+                    <a:bodyPr/>
+                    <a:lstStyle/>
+                    <a:p>
+                      <a:r>
+                        <a:rPr kumimoji="1" lang="en-US" altLang="ja-JP" dirty="0" smtClean="0"/>
+                        <a:t>3</a:t>
+                      </a:r>
+                    </a:p>
+                  </a:txBody>
+                  <a:tcPr/>
+                </a:tc>
+                <a:tc>
+                  <a:txBody>
+                    <a:bodyPr/>
+                    <a:lstStyle/>
+                    <a:p>
+                      <a:r>
+                        <a:rPr kumimoji="1" lang="en-US" altLang="ja-JP" dirty="0" smtClean="0"/>
+                        <a:t>4</a:t>
+                      </a:r>
+                      <a:endParaRPr kumimoji="1" lang="ja-JP" altLang="en-US" dirty="0"/>
+                    </a:p>
+                  </a:txBody>
+                  <a:tcPr/>
+                </a:tc>
+                <a:tc>
+                  <a:txBody>
+                    <a:bodyPr/>
+                    <a:lstStyle/>
+                    <a:p>
+                      <a:r>
+                        <a:rPr kumimoji="1" lang="en-US" altLang="ja-JP" dirty="0" smtClean="0"/>
+                        <a:t>5</a:t>
+                      </a:r>
+                      <a:endParaRPr kumimoji="1" lang="ja-JP" altLang="en-US" dirty="0"/>
+                    </a:p>
+                  </a:txBody>
+                  <a:tcPr/>
+                </a:tc>
+                <a:tc>
+                  <a:txBody>
+                    <a:bodyPr/>
+                    <a:lstStyle/>
+                    <a:p>
+                      <a:r>
+                        <a:rPr kumimoji="1" lang="en-US" altLang="ja-JP" dirty="0" smtClean="0"/>
+                        <a:t>6</a:t>
+                      </a:r>
+                      <a:endParaRPr kumimoji="1" lang="ja-JP" altLang="en-US" dirty="0"/>
+                    </a:p>
+                  </a:txBody>
+                  <a:tcPr/>
+                </a:tc>
+                <a:tc>
+                  <a:txBody>
+                    <a:bodyPr/>
+                    <a:lstStyle/>
+                    <a:p>
+                      <a:r>
+                        <a:rPr kumimoji="1" lang="en-US" altLang="ja-JP" dirty="0" smtClean="0"/>
+                        <a:t>7</a:t>
+                      </a:r>
+                      <a:endParaRPr kumimoji="1" lang="ja-JP" altLang="en-US" dirty="0"/>
+                    </a:p>
+                  </a:txBody>
+                  <a:tcPr/>
+                </a:tc>
+                <a:tc>
+                  <a:txBody>
+                    <a:bodyPr/>
+                    <a:lstStyle/>
+                    <a:p>
+                      <a:r>
+                        <a:rPr kumimoji="1" lang="en-US" altLang="ja-JP" dirty="0" smtClean="0"/>
+                        <a:t>8</a:t>
+                      </a:r>
+                      <a:endParaRPr kumimoji="1" lang="ja-JP" altLang="en-US" dirty="0"/>
+                    </a:p>
+                  </a:txBody>
+                  <a:tcPr/>
+                </a:tc>
+                <a:extLst>
+                  <a:ext uri="{0D108BD9-81ED-4DB2-BD59-A6C34878D82A}">
+                    <a16:rowId xmlns:a16="http://schemas.microsoft.com/office/drawing/2014/main" val="3145418299"/>
+                  </a:ext>
+                </a:extLst>
+              </a:tr>
+              <a:tr h="440829">
+                <a:tc>
+                  <a:txBody>
+                    <a:bodyPr/>
+                    <a:lstStyle/>
+                    <a:p>
+                      <a:r>
+                        <a:rPr kumimoji="1" lang="en-US" altLang="ja-JP" dirty="0" smtClean="0"/>
+                        <a:t>0</a:t>
+                      </a:r>
+                      <a:endParaRPr kumimoji="1" lang="ja-JP" altLang="en-US" dirty="0"/>
+                    </a:p>
+                  </a:txBody>
+                  <a:tcPr/>
+                </a:tc>
+                <a:tc>
+                  <a:txBody>
+                    <a:bodyPr/>
+                    <a:lstStyle/>
+                    <a:p>
+                      <a:r>
+                        <a:rPr kumimoji="1" lang="en-US" altLang="ja-JP" dirty="0" smtClean="0"/>
+                        <a:t>1</a:t>
+                      </a:r>
+                      <a:endParaRPr kumimoji="1" lang="ja-JP" altLang="en-US" dirty="0"/>
+                    </a:p>
+                  </a:txBody>
+                  <a:tcPr/>
+                </a:tc>
+                <a:tc>
+                  <a:txBody>
+                    <a:bodyPr/>
+                    <a:lstStyle/>
+                    <a:p>
+                      <a:r>
+                        <a:rPr kumimoji="1" lang="en-US" altLang="ja-JP" dirty="0" smtClean="0"/>
+                        <a:t>2</a:t>
+                      </a:r>
+                      <a:endParaRPr kumimoji="1" lang="ja-JP" altLang="en-US" dirty="0"/>
+                    </a:p>
+                  </a:txBody>
+                  <a:tcPr/>
+                </a:tc>
+                <a:tc>
+                  <a:txBody>
+                    <a:bodyPr/>
+                    <a:lstStyle/>
+                    <a:p>
+                      <a:r>
+                        <a:rPr kumimoji="1" lang="en-US" altLang="ja-JP" dirty="0" smtClean="0"/>
+                        <a:t>3</a:t>
+                      </a:r>
+                      <a:endParaRPr kumimoji="1" lang="ja-JP" altLang="en-US" dirty="0"/>
+                    </a:p>
+                  </a:txBody>
+                  <a:tcPr/>
+                </a:tc>
+                <a:tc>
+                  <a:txBody>
+                    <a:bodyPr/>
+                    <a:lstStyle/>
+                    <a:p>
+                      <a:r>
+                        <a:rPr kumimoji="1" lang="en-US" altLang="ja-JP" dirty="0" smtClean="0"/>
+                        <a:t>4</a:t>
+                      </a:r>
+                      <a:endParaRPr kumimoji="1" lang="ja-JP" altLang="en-US" dirty="0"/>
+                    </a:p>
+                  </a:txBody>
+                  <a:tcPr/>
+                </a:tc>
+                <a:tc>
+                  <a:txBody>
+                    <a:bodyPr/>
+                    <a:lstStyle/>
+                    <a:p>
+                      <a:r>
+                        <a:rPr kumimoji="1" lang="en-US" altLang="ja-JP" dirty="0" smtClean="0"/>
+                        <a:t>5</a:t>
+                      </a:r>
+                      <a:endParaRPr kumimoji="1" lang="ja-JP" altLang="en-US" dirty="0"/>
+                    </a:p>
+                  </a:txBody>
+                  <a:tcPr/>
+                </a:tc>
+                <a:tc>
+                  <a:txBody>
+                    <a:bodyPr/>
+                    <a:lstStyle/>
+                    <a:p>
+                      <a:r>
+                        <a:rPr kumimoji="1" lang="en-US" altLang="ja-JP" dirty="0" smtClean="0"/>
+                        <a:t>6</a:t>
+                      </a:r>
+                      <a:endParaRPr kumimoji="1" lang="ja-JP" altLang="en-US" dirty="0"/>
+                    </a:p>
+                  </a:txBody>
+                  <a:tcPr/>
+                </a:tc>
+                <a:tc>
+                  <a:txBody>
+                    <a:bodyPr/>
+                    <a:lstStyle/>
+                    <a:p>
+                      <a:r>
+                        <a:rPr kumimoji="1" lang="en-US" altLang="ja-JP" dirty="0" smtClean="0"/>
+                        <a:t>7</a:t>
+                      </a:r>
+                      <a:endParaRPr kumimoji="1" lang="ja-JP" altLang="en-US" dirty="0"/>
+                    </a:p>
+                  </a:txBody>
+                  <a:tcPr/>
+                </a:tc>
+                <a:tc>
+                  <a:txBody>
+                    <a:bodyPr/>
+                    <a:lstStyle/>
+                    <a:p>
+                      <a:r>
+                        <a:rPr kumimoji="1" lang="en-US" altLang="ja-JP" dirty="0" smtClean="0"/>
+                        <a:t>8</a:t>
+                      </a:r>
+                      <a:endParaRPr kumimoji="1" lang="ja-JP" altLang="en-US" dirty="0"/>
+                    </a:p>
+                  </a:txBody>
+                  <a:tcPr/>
+                </a:tc>
+                <a:tc>
+                  <a:txBody>
+                    <a:bodyPr/>
+                    <a:lstStyle/>
+                    <a:p>
+                      <a:r>
+                        <a:rPr kumimoji="1" lang="en-US" altLang="ja-JP" dirty="0" smtClean="0"/>
+                        <a:t>9</a:t>
+                      </a:r>
+                      <a:endParaRPr kumimoji="1" lang="ja-JP" altLang="en-US" dirty="0"/>
+                    </a:p>
+                  </a:txBody>
+                  <a:tcPr/>
+                </a:tc>
+                <a:extLst>
+                  <a:ext uri="{0D108BD9-81ED-4DB2-BD59-A6C34878D82A}">
+                    <a16:rowId xmlns:a16="http://schemas.microsoft.com/office/drawing/2014/main" val="3773258018"/>
+                  </a:ext>
+                </a:extLst>
+              </a:tr>
+              <a:tr h="411923">
+                <a:tc>
+                  <a:txBody>
+                    <a:bodyPr/>
+                    <a:lstStyle/>
+                    <a:p>
+                      <a:r>
+                        <a:rPr kumimoji="1" lang="en-US" altLang="ja-JP" dirty="0" smtClean="0"/>
+                        <a:t>1</a:t>
+                      </a:r>
+                    </a:p>
+                  </a:txBody>
+                  <a:tcPr/>
+                </a:tc>
+                <a:tc>
+                  <a:txBody>
+                    <a:bodyPr/>
+                    <a:lstStyle/>
+                    <a:p>
+                      <a:r>
+                        <a:rPr kumimoji="1" lang="en-US" altLang="ja-JP" dirty="0" smtClean="0"/>
+                        <a:t>2</a:t>
+                      </a:r>
+                      <a:endParaRPr kumimoji="1" lang="ja-JP" altLang="en-US" dirty="0"/>
+                    </a:p>
+                  </a:txBody>
+                  <a:tcPr/>
+                </a:tc>
+                <a:tc>
+                  <a:txBody>
+                    <a:bodyPr/>
+                    <a:lstStyle/>
+                    <a:p>
+                      <a:r>
+                        <a:rPr kumimoji="1" lang="en-US" altLang="ja-JP" dirty="0" smtClean="0"/>
+                        <a:t>4</a:t>
+                      </a:r>
+                      <a:endParaRPr kumimoji="1" lang="ja-JP" altLang="en-US" dirty="0"/>
+                    </a:p>
+                  </a:txBody>
+                  <a:tcPr/>
+                </a:tc>
+                <a:tc>
+                  <a:txBody>
+                    <a:bodyPr/>
+                    <a:lstStyle/>
+                    <a:p>
+                      <a:r>
+                        <a:rPr kumimoji="1" lang="en-US" altLang="ja-JP" dirty="0" smtClean="0"/>
+                        <a:t>6</a:t>
+                      </a:r>
+                      <a:endParaRPr kumimoji="1" lang="ja-JP" altLang="en-US" dirty="0"/>
+                    </a:p>
+                  </a:txBody>
+                  <a:tcPr/>
+                </a:tc>
+                <a:tc>
+                  <a:txBody>
+                    <a:bodyPr/>
+                    <a:lstStyle/>
+                    <a:p>
+                      <a:r>
+                        <a:rPr kumimoji="1" lang="en-US" altLang="ja-JP" dirty="0" smtClean="0"/>
+                        <a:t>8</a:t>
+                      </a:r>
+                      <a:endParaRPr kumimoji="1" lang="ja-JP" altLang="en-US" dirty="0"/>
+                    </a:p>
+                  </a:txBody>
+                  <a:tcPr/>
+                </a:tc>
+                <a:tc>
+                  <a:txBody>
+                    <a:bodyPr/>
+                    <a:lstStyle/>
+                    <a:p>
+                      <a:r>
+                        <a:rPr kumimoji="1" lang="en-US" altLang="ja-JP" dirty="0" smtClean="0"/>
+                        <a:t>10</a:t>
+                      </a:r>
+                      <a:endParaRPr kumimoji="1" lang="ja-JP" altLang="en-US" dirty="0"/>
+                    </a:p>
+                  </a:txBody>
+                  <a:tcPr/>
+                </a:tc>
+                <a:tc>
+                  <a:txBody>
+                    <a:bodyPr/>
+                    <a:lstStyle/>
+                    <a:p>
+                      <a:r>
+                        <a:rPr kumimoji="1" lang="en-US" altLang="ja-JP" dirty="0" smtClean="0"/>
+                        <a:t>12</a:t>
+                      </a:r>
+                      <a:endParaRPr kumimoji="1" lang="ja-JP" altLang="en-US" dirty="0"/>
+                    </a:p>
+                  </a:txBody>
+                  <a:tcPr/>
+                </a:tc>
+                <a:tc>
+                  <a:txBody>
+                    <a:bodyPr/>
+                    <a:lstStyle/>
+                    <a:p>
+                      <a:r>
+                        <a:rPr kumimoji="1" lang="en-US" altLang="ja-JP" dirty="0" smtClean="0"/>
+                        <a:t>14</a:t>
+                      </a:r>
+                      <a:endParaRPr kumimoji="1" lang="ja-JP" altLang="en-US" dirty="0"/>
+                    </a:p>
+                  </a:txBody>
+                  <a:tcPr/>
+                </a:tc>
+                <a:tc>
+                  <a:txBody>
+                    <a:bodyPr/>
+                    <a:lstStyle/>
+                    <a:p>
+                      <a:r>
+                        <a:rPr kumimoji="1" lang="en-US" altLang="ja-JP" dirty="0" smtClean="0"/>
+                        <a:t>16</a:t>
+                      </a:r>
+                      <a:endParaRPr kumimoji="1" lang="ja-JP" altLang="en-US" dirty="0"/>
+                    </a:p>
+                  </a:txBody>
+                  <a:tcPr/>
+                </a:tc>
+                <a:tc>
+                  <a:txBody>
+                    <a:bodyPr/>
+                    <a:lstStyle/>
+                    <a:p>
+                      <a:r>
+                        <a:rPr kumimoji="1" lang="en-US" altLang="ja-JP" dirty="0" smtClean="0"/>
+                        <a:t>18</a:t>
+                      </a:r>
+                      <a:endParaRPr kumimoji="1" lang="ja-JP" altLang="en-US" dirty="0"/>
+                    </a:p>
+                  </a:txBody>
+                  <a:tcPr/>
+                </a:tc>
+                <a:extLst>
+                  <a:ext uri="{0D108BD9-81ED-4DB2-BD59-A6C34878D82A}">
+                    <a16:rowId xmlns:a16="http://schemas.microsoft.com/office/drawing/2014/main" val="1175599228"/>
+                  </a:ext>
+                </a:extLst>
+              </a:tr>
+              <a:tr h="440829">
+                <a:tc>
+                  <a:txBody>
+                    <a:bodyPr/>
+                    <a:lstStyle/>
+                    <a:p>
+                      <a:r>
+                        <a:rPr kumimoji="1" lang="en-US" altLang="ja-JP" dirty="0" smtClean="0"/>
+                        <a:t>2</a:t>
+                      </a:r>
+                      <a:endParaRPr kumimoji="1" lang="ja-JP" altLang="en-US" dirty="0"/>
+                    </a:p>
+                  </a:txBody>
+                  <a:tcPr/>
+                </a:tc>
+                <a:tc>
+                  <a:txBody>
+                    <a:bodyPr/>
+                    <a:lstStyle/>
+                    <a:p>
+                      <a:r>
+                        <a:rPr kumimoji="1" lang="en-US" altLang="ja-JP" dirty="0" smtClean="0"/>
+                        <a:t>3</a:t>
+                      </a:r>
+                      <a:endParaRPr kumimoji="1" lang="ja-JP" altLang="en-US" dirty="0"/>
+                    </a:p>
+                  </a:txBody>
+                  <a:tcPr/>
+                </a:tc>
+                <a:tc>
+                  <a:txBody>
+                    <a:bodyPr/>
+                    <a:lstStyle/>
+                    <a:p>
+                      <a:r>
+                        <a:rPr kumimoji="1" lang="en-US" altLang="ja-JP" dirty="0" smtClean="0"/>
+                        <a:t>6</a:t>
+                      </a:r>
+                      <a:endParaRPr kumimoji="1" lang="ja-JP" altLang="en-US" dirty="0"/>
+                    </a:p>
+                  </a:txBody>
+                  <a:tcPr/>
+                </a:tc>
+                <a:tc>
+                  <a:txBody>
+                    <a:bodyPr/>
+                    <a:lstStyle/>
+                    <a:p>
+                      <a:r>
+                        <a:rPr kumimoji="1" lang="en-US" altLang="ja-JP" dirty="0" smtClean="0"/>
+                        <a:t>9</a:t>
+                      </a:r>
+                      <a:endParaRPr kumimoji="1" lang="ja-JP" altLang="en-US" dirty="0"/>
+                    </a:p>
+                  </a:txBody>
+                  <a:tcPr/>
+                </a:tc>
+                <a:tc>
+                  <a:txBody>
+                    <a:bodyPr/>
+                    <a:lstStyle/>
+                    <a:p>
+                      <a:r>
+                        <a:rPr kumimoji="1" lang="en-US" altLang="ja-JP" dirty="0" smtClean="0"/>
+                        <a:t>12</a:t>
+                      </a:r>
+                      <a:endParaRPr kumimoji="1" lang="ja-JP" altLang="en-US" dirty="0"/>
+                    </a:p>
+                  </a:txBody>
+                  <a:tcPr/>
+                </a:tc>
+                <a:tc>
+                  <a:txBody>
+                    <a:bodyPr/>
+                    <a:lstStyle/>
+                    <a:p>
+                      <a:r>
+                        <a:rPr kumimoji="1" lang="en-US" altLang="ja-JP" dirty="0" smtClean="0"/>
+                        <a:t>15</a:t>
+                      </a:r>
+                      <a:endParaRPr kumimoji="1" lang="ja-JP" altLang="en-US" dirty="0"/>
+                    </a:p>
+                  </a:txBody>
+                  <a:tcPr/>
+                </a:tc>
+                <a:tc>
+                  <a:txBody>
+                    <a:bodyPr/>
+                    <a:lstStyle/>
+                    <a:p>
+                      <a:r>
+                        <a:rPr kumimoji="1" lang="en-US" altLang="ja-JP" dirty="0" smtClean="0"/>
+                        <a:t>18</a:t>
+                      </a:r>
+                      <a:endParaRPr kumimoji="1" lang="ja-JP" altLang="en-US" dirty="0"/>
+                    </a:p>
+                  </a:txBody>
+                  <a:tcPr/>
+                </a:tc>
+                <a:tc>
+                  <a:txBody>
+                    <a:bodyPr/>
+                    <a:lstStyle/>
+                    <a:p>
+                      <a:r>
+                        <a:rPr kumimoji="1" lang="en-US" altLang="ja-JP" dirty="0" smtClean="0"/>
+                        <a:t>21</a:t>
+                      </a:r>
+                      <a:endParaRPr kumimoji="1" lang="ja-JP" altLang="en-US" dirty="0"/>
+                    </a:p>
+                  </a:txBody>
+                  <a:tcPr/>
+                </a:tc>
+                <a:tc>
+                  <a:txBody>
+                    <a:bodyPr/>
+                    <a:lstStyle/>
+                    <a:p>
+                      <a:r>
+                        <a:rPr kumimoji="1" lang="en-US" altLang="ja-JP" dirty="0" smtClean="0"/>
+                        <a:t>24</a:t>
+                      </a:r>
+                      <a:endParaRPr kumimoji="1" lang="ja-JP" altLang="en-US" dirty="0"/>
+                    </a:p>
+                  </a:txBody>
+                  <a:tcPr/>
+                </a:tc>
+                <a:tc>
+                  <a:txBody>
+                    <a:bodyPr/>
+                    <a:lstStyle/>
+                    <a:p>
+                      <a:r>
+                        <a:rPr kumimoji="1" lang="en-US" altLang="ja-JP" dirty="0" smtClean="0"/>
+                        <a:t>27</a:t>
+                      </a:r>
+                      <a:endParaRPr kumimoji="1" lang="ja-JP" altLang="en-US" dirty="0"/>
+                    </a:p>
+                  </a:txBody>
+                  <a:tcPr/>
+                </a:tc>
+                <a:extLst>
+                  <a:ext uri="{0D108BD9-81ED-4DB2-BD59-A6C34878D82A}">
+                    <a16:rowId xmlns:a16="http://schemas.microsoft.com/office/drawing/2014/main" val="3879255272"/>
+                  </a:ext>
+                </a:extLst>
+              </a:tr>
+              <a:tr h="440829">
+                <a:tc>
+                  <a:txBody>
+                    <a:bodyPr/>
+                    <a:lstStyle/>
+                    <a:p>
+                      <a:r>
+                        <a:rPr kumimoji="1" lang="en-US" altLang="ja-JP" dirty="0" smtClean="0"/>
+                        <a:t>3</a:t>
+                      </a:r>
+                      <a:endParaRPr kumimoji="1" lang="ja-JP" altLang="en-US" dirty="0"/>
+                    </a:p>
+                  </a:txBody>
+                  <a:tcPr/>
+                </a:tc>
+                <a:tc>
+                  <a:txBody>
+                    <a:bodyPr/>
+                    <a:lstStyle/>
+                    <a:p>
+                      <a:r>
+                        <a:rPr kumimoji="1" lang="en-US" altLang="ja-JP" dirty="0" smtClean="0"/>
+                        <a:t>4</a:t>
+                      </a:r>
+                      <a:endParaRPr kumimoji="1" lang="ja-JP" altLang="en-US" dirty="0"/>
+                    </a:p>
+                  </a:txBody>
+                  <a:tcPr/>
+                </a:tc>
+                <a:tc>
+                  <a:txBody>
+                    <a:bodyPr/>
+                    <a:lstStyle/>
+                    <a:p>
+                      <a:r>
+                        <a:rPr kumimoji="1" lang="en-US" altLang="ja-JP" dirty="0" smtClean="0"/>
+                        <a:t>8</a:t>
+                      </a:r>
+                      <a:endParaRPr kumimoji="1" lang="ja-JP" altLang="en-US" dirty="0"/>
+                    </a:p>
+                  </a:txBody>
+                  <a:tcPr/>
+                </a:tc>
+                <a:tc>
+                  <a:txBody>
+                    <a:bodyPr/>
+                    <a:lstStyle/>
+                    <a:p>
+                      <a:r>
+                        <a:rPr kumimoji="1" lang="en-US" altLang="ja-JP" dirty="0" smtClean="0"/>
+                        <a:t>12</a:t>
+                      </a:r>
+                      <a:endParaRPr kumimoji="1" lang="ja-JP" altLang="en-US" dirty="0"/>
+                    </a:p>
+                  </a:txBody>
+                  <a:tcPr/>
+                </a:tc>
+                <a:tc>
+                  <a:txBody>
+                    <a:bodyPr/>
+                    <a:lstStyle/>
+                    <a:p>
+                      <a:r>
+                        <a:rPr kumimoji="1" lang="en-US" altLang="ja-JP" dirty="0" smtClean="0"/>
+                        <a:t>16</a:t>
+                      </a:r>
+                      <a:endParaRPr kumimoji="1" lang="ja-JP" altLang="en-US" dirty="0"/>
+                    </a:p>
+                  </a:txBody>
+                  <a:tcPr/>
+                </a:tc>
+                <a:tc>
+                  <a:txBody>
+                    <a:bodyPr/>
+                    <a:lstStyle/>
+                    <a:p>
+                      <a:r>
+                        <a:rPr kumimoji="1" lang="en-US" altLang="ja-JP" dirty="0" smtClean="0"/>
+                        <a:t>20</a:t>
+                      </a:r>
+                      <a:endParaRPr kumimoji="1" lang="ja-JP" altLang="en-US" dirty="0"/>
+                    </a:p>
+                  </a:txBody>
+                  <a:tcPr/>
+                </a:tc>
+                <a:tc>
+                  <a:txBody>
+                    <a:bodyPr/>
+                    <a:lstStyle/>
+                    <a:p>
+                      <a:r>
+                        <a:rPr kumimoji="1" lang="en-US" altLang="ja-JP" dirty="0" smtClean="0"/>
+                        <a:t>24</a:t>
+                      </a:r>
+                      <a:endParaRPr kumimoji="1" lang="ja-JP" altLang="en-US" dirty="0"/>
+                    </a:p>
+                  </a:txBody>
+                  <a:tcPr/>
+                </a:tc>
+                <a:tc>
+                  <a:txBody>
+                    <a:bodyPr/>
+                    <a:lstStyle/>
+                    <a:p>
+                      <a:r>
+                        <a:rPr kumimoji="1" lang="en-US" altLang="ja-JP" dirty="0" smtClean="0"/>
+                        <a:t>28</a:t>
+                      </a:r>
+                      <a:endParaRPr kumimoji="1" lang="ja-JP" altLang="en-US" dirty="0"/>
+                    </a:p>
+                  </a:txBody>
+                  <a:tcPr/>
+                </a:tc>
+                <a:tc>
+                  <a:txBody>
+                    <a:bodyPr/>
+                    <a:lstStyle/>
+                    <a:p>
+                      <a:r>
+                        <a:rPr kumimoji="1" lang="en-US" altLang="ja-JP" dirty="0" smtClean="0"/>
+                        <a:t>32</a:t>
+                      </a:r>
+                      <a:endParaRPr kumimoji="1" lang="ja-JP" altLang="en-US" dirty="0"/>
+                    </a:p>
+                  </a:txBody>
+                  <a:tcPr/>
+                </a:tc>
+                <a:tc>
+                  <a:txBody>
+                    <a:bodyPr/>
+                    <a:lstStyle/>
+                    <a:p>
+                      <a:r>
+                        <a:rPr kumimoji="1" lang="en-US" altLang="ja-JP" dirty="0" smtClean="0"/>
+                        <a:t>36</a:t>
+                      </a:r>
+                      <a:endParaRPr kumimoji="1" lang="ja-JP" altLang="en-US" dirty="0"/>
+                    </a:p>
+                  </a:txBody>
+                  <a:tcPr/>
+                </a:tc>
+                <a:extLst>
+                  <a:ext uri="{0D108BD9-81ED-4DB2-BD59-A6C34878D82A}">
+                    <a16:rowId xmlns:a16="http://schemas.microsoft.com/office/drawing/2014/main" val="1137607565"/>
+                  </a:ext>
+                </a:extLst>
+              </a:tr>
+              <a:tr h="440829">
+                <a:tc>
+                  <a:txBody>
+                    <a:bodyPr/>
+                    <a:lstStyle/>
+                    <a:p>
+                      <a:r>
+                        <a:rPr kumimoji="1" lang="en-US" altLang="ja-JP" dirty="0" smtClean="0"/>
+                        <a:t>4</a:t>
+                      </a:r>
+                      <a:endParaRPr kumimoji="1" lang="ja-JP" altLang="en-US" dirty="0"/>
+                    </a:p>
+                  </a:txBody>
+                  <a:tcPr/>
+                </a:tc>
+                <a:tc>
+                  <a:txBody>
+                    <a:bodyPr/>
+                    <a:lstStyle/>
+                    <a:p>
+                      <a:r>
+                        <a:rPr kumimoji="1" lang="en-US" altLang="ja-JP" dirty="0" smtClean="0"/>
+                        <a:t>5</a:t>
+                      </a:r>
+                      <a:endParaRPr kumimoji="1" lang="ja-JP" altLang="en-US" dirty="0"/>
+                    </a:p>
+                  </a:txBody>
+                  <a:tcPr/>
+                </a:tc>
+                <a:tc>
+                  <a:txBody>
+                    <a:bodyPr/>
+                    <a:lstStyle/>
+                    <a:p>
+                      <a:r>
+                        <a:rPr kumimoji="1" lang="en-US" altLang="ja-JP" dirty="0" smtClean="0"/>
+                        <a:t>10</a:t>
+                      </a:r>
+                      <a:endParaRPr kumimoji="1" lang="ja-JP" altLang="en-US" dirty="0"/>
+                    </a:p>
+                  </a:txBody>
+                  <a:tcPr/>
+                </a:tc>
+                <a:tc>
+                  <a:txBody>
+                    <a:bodyPr/>
+                    <a:lstStyle/>
+                    <a:p>
+                      <a:r>
+                        <a:rPr kumimoji="1" lang="en-US" altLang="ja-JP" dirty="0" smtClean="0"/>
+                        <a:t>15</a:t>
+                      </a:r>
+                      <a:endParaRPr kumimoji="1" lang="ja-JP" altLang="en-US" dirty="0"/>
+                    </a:p>
+                  </a:txBody>
+                  <a:tcPr/>
+                </a:tc>
+                <a:tc>
+                  <a:txBody>
+                    <a:bodyPr/>
+                    <a:lstStyle/>
+                    <a:p>
+                      <a:r>
+                        <a:rPr kumimoji="1" lang="en-US" altLang="ja-JP" dirty="0" smtClean="0"/>
+                        <a:t>20</a:t>
+                      </a:r>
+                      <a:endParaRPr kumimoji="1" lang="ja-JP" altLang="en-US" dirty="0"/>
+                    </a:p>
+                  </a:txBody>
+                  <a:tcPr/>
+                </a:tc>
+                <a:tc>
+                  <a:txBody>
+                    <a:bodyPr/>
+                    <a:lstStyle/>
+                    <a:p>
+                      <a:r>
+                        <a:rPr kumimoji="1" lang="en-US" altLang="ja-JP" dirty="0" smtClean="0"/>
+                        <a:t>25</a:t>
+                      </a:r>
+                      <a:endParaRPr kumimoji="1" lang="ja-JP" altLang="en-US" dirty="0"/>
+                    </a:p>
+                  </a:txBody>
+                  <a:tcPr/>
+                </a:tc>
+                <a:tc>
+                  <a:txBody>
+                    <a:bodyPr/>
+                    <a:lstStyle/>
+                    <a:p>
+                      <a:r>
+                        <a:rPr kumimoji="1" lang="en-US" altLang="ja-JP" dirty="0" smtClean="0"/>
+                        <a:t>30</a:t>
+                      </a:r>
+                      <a:endParaRPr kumimoji="1" lang="ja-JP" altLang="en-US" dirty="0"/>
+                    </a:p>
+                  </a:txBody>
+                  <a:tcPr/>
+                </a:tc>
+                <a:tc>
+                  <a:txBody>
+                    <a:bodyPr/>
+                    <a:lstStyle/>
+                    <a:p>
+                      <a:r>
+                        <a:rPr kumimoji="1" lang="en-US" altLang="ja-JP" dirty="0" smtClean="0"/>
+                        <a:t>35</a:t>
+                      </a:r>
+                      <a:endParaRPr kumimoji="1" lang="ja-JP" altLang="en-US" dirty="0"/>
+                    </a:p>
+                  </a:txBody>
+                  <a:tcPr/>
+                </a:tc>
+                <a:tc>
+                  <a:txBody>
+                    <a:bodyPr/>
+                    <a:lstStyle/>
+                    <a:p>
+                      <a:r>
+                        <a:rPr kumimoji="1" lang="en-US" altLang="ja-JP" dirty="0" smtClean="0"/>
+                        <a:t>40</a:t>
+                      </a:r>
+                      <a:endParaRPr kumimoji="1" lang="ja-JP" altLang="en-US" dirty="0"/>
+                    </a:p>
+                  </a:txBody>
+                  <a:tcPr/>
+                </a:tc>
+                <a:tc>
+                  <a:txBody>
+                    <a:bodyPr/>
+                    <a:lstStyle/>
+                    <a:p>
+                      <a:r>
+                        <a:rPr kumimoji="1" lang="en-US" altLang="ja-JP" dirty="0" smtClean="0"/>
+                        <a:t>45</a:t>
+                      </a:r>
+                      <a:endParaRPr kumimoji="1" lang="ja-JP" altLang="en-US" dirty="0"/>
+                    </a:p>
+                  </a:txBody>
+                  <a:tcPr/>
+                </a:tc>
+                <a:extLst>
+                  <a:ext uri="{0D108BD9-81ED-4DB2-BD59-A6C34878D82A}">
+                    <a16:rowId xmlns:a16="http://schemas.microsoft.com/office/drawing/2014/main" val="2833447361"/>
+                  </a:ext>
+                </a:extLst>
+              </a:tr>
+              <a:tr h="440829">
+                <a:tc>
+                  <a:txBody>
+                    <a:bodyPr/>
+                    <a:lstStyle/>
+                    <a:p>
+                      <a:r>
+                        <a:rPr kumimoji="1" lang="en-US" altLang="ja-JP" dirty="0" smtClean="0"/>
+                        <a:t>5</a:t>
+                      </a:r>
+                      <a:endParaRPr kumimoji="1" lang="ja-JP" altLang="en-US" dirty="0"/>
+                    </a:p>
+                  </a:txBody>
+                  <a:tcPr/>
+                </a:tc>
+                <a:tc>
+                  <a:txBody>
+                    <a:bodyPr/>
+                    <a:lstStyle/>
+                    <a:p>
+                      <a:r>
+                        <a:rPr kumimoji="1" lang="en-US" altLang="ja-JP" dirty="0" smtClean="0"/>
+                        <a:t>6</a:t>
+                      </a:r>
+                      <a:endParaRPr kumimoji="1" lang="ja-JP" altLang="en-US" dirty="0"/>
+                    </a:p>
+                  </a:txBody>
+                  <a:tcPr/>
+                </a:tc>
+                <a:tc>
+                  <a:txBody>
+                    <a:bodyPr/>
+                    <a:lstStyle/>
+                    <a:p>
+                      <a:r>
+                        <a:rPr kumimoji="1" lang="en-US" altLang="ja-JP" dirty="0" smtClean="0"/>
+                        <a:t>12</a:t>
+                      </a:r>
+                      <a:endParaRPr kumimoji="1" lang="ja-JP" altLang="en-US" dirty="0"/>
+                    </a:p>
+                  </a:txBody>
+                  <a:tcPr/>
+                </a:tc>
+                <a:tc>
+                  <a:txBody>
+                    <a:bodyPr/>
+                    <a:lstStyle/>
+                    <a:p>
+                      <a:r>
+                        <a:rPr kumimoji="1" lang="en-US" altLang="ja-JP" dirty="0" smtClean="0"/>
+                        <a:t>18</a:t>
+                      </a:r>
+                      <a:endParaRPr kumimoji="1" lang="ja-JP" altLang="en-US" dirty="0"/>
+                    </a:p>
+                  </a:txBody>
+                  <a:tcPr/>
+                </a:tc>
+                <a:tc>
+                  <a:txBody>
+                    <a:bodyPr/>
+                    <a:lstStyle/>
+                    <a:p>
+                      <a:r>
+                        <a:rPr kumimoji="1" lang="en-US" altLang="ja-JP" dirty="0" smtClean="0"/>
+                        <a:t>24</a:t>
+                      </a:r>
+                      <a:endParaRPr kumimoji="1" lang="ja-JP" altLang="en-US" dirty="0"/>
+                    </a:p>
+                  </a:txBody>
+                  <a:tcPr/>
+                </a:tc>
+                <a:tc>
+                  <a:txBody>
+                    <a:bodyPr/>
+                    <a:lstStyle/>
+                    <a:p>
+                      <a:r>
+                        <a:rPr kumimoji="1" lang="en-US" altLang="ja-JP" dirty="0" smtClean="0"/>
+                        <a:t>30</a:t>
+                      </a:r>
+                      <a:endParaRPr kumimoji="1" lang="ja-JP" altLang="en-US" dirty="0"/>
+                    </a:p>
+                  </a:txBody>
+                  <a:tcPr/>
+                </a:tc>
+                <a:tc>
+                  <a:txBody>
+                    <a:bodyPr/>
+                    <a:lstStyle/>
+                    <a:p>
+                      <a:r>
+                        <a:rPr kumimoji="1" lang="en-US" altLang="ja-JP" dirty="0" smtClean="0"/>
+                        <a:t>36</a:t>
+                      </a:r>
+                      <a:endParaRPr kumimoji="1" lang="ja-JP" altLang="en-US" dirty="0"/>
+                    </a:p>
+                  </a:txBody>
+                  <a:tcPr/>
+                </a:tc>
+                <a:tc>
+                  <a:txBody>
+                    <a:bodyPr/>
+                    <a:lstStyle/>
+                    <a:p>
+                      <a:r>
+                        <a:rPr kumimoji="1" lang="en-US" altLang="ja-JP" dirty="0" smtClean="0"/>
+                        <a:t>42</a:t>
+                      </a:r>
+                      <a:endParaRPr kumimoji="1" lang="ja-JP" altLang="en-US" dirty="0"/>
+                    </a:p>
+                  </a:txBody>
+                  <a:tcPr/>
+                </a:tc>
+                <a:tc>
+                  <a:txBody>
+                    <a:bodyPr/>
+                    <a:lstStyle/>
+                    <a:p>
+                      <a:r>
+                        <a:rPr kumimoji="1" lang="en-US" altLang="ja-JP" dirty="0" smtClean="0"/>
+                        <a:t>48</a:t>
+                      </a:r>
+                      <a:endParaRPr kumimoji="1" lang="ja-JP" altLang="en-US" dirty="0"/>
+                    </a:p>
+                  </a:txBody>
+                  <a:tcPr/>
+                </a:tc>
+                <a:tc>
+                  <a:txBody>
+                    <a:bodyPr/>
+                    <a:lstStyle/>
+                    <a:p>
+                      <a:r>
+                        <a:rPr kumimoji="1" lang="en-US" altLang="ja-JP" dirty="0" smtClean="0"/>
+                        <a:t>54</a:t>
+                      </a:r>
+                      <a:endParaRPr kumimoji="1" lang="ja-JP" altLang="en-US" dirty="0"/>
+                    </a:p>
+                  </a:txBody>
+                  <a:tcPr/>
+                </a:tc>
+                <a:extLst>
+                  <a:ext uri="{0D108BD9-81ED-4DB2-BD59-A6C34878D82A}">
+                    <a16:rowId xmlns:a16="http://schemas.microsoft.com/office/drawing/2014/main" val="1936529578"/>
+                  </a:ext>
+                </a:extLst>
+              </a:tr>
+              <a:tr h="440829">
+                <a:tc>
+                  <a:txBody>
+                    <a:bodyPr/>
+                    <a:lstStyle/>
+                    <a:p>
+                      <a:r>
+                        <a:rPr kumimoji="1" lang="en-US" altLang="ja-JP" dirty="0" smtClean="0"/>
+                        <a:t>6</a:t>
+                      </a:r>
+                    </a:p>
+                  </a:txBody>
+                  <a:tcPr/>
+                </a:tc>
+                <a:tc>
+                  <a:txBody>
+                    <a:bodyPr/>
+                    <a:lstStyle/>
+                    <a:p>
+                      <a:r>
+                        <a:rPr kumimoji="1" lang="en-US" altLang="ja-JP" dirty="0" smtClean="0"/>
+                        <a:t>7</a:t>
+                      </a:r>
+                      <a:endParaRPr kumimoji="1" lang="ja-JP" altLang="en-US" dirty="0"/>
+                    </a:p>
+                  </a:txBody>
+                  <a:tcPr/>
+                </a:tc>
+                <a:tc>
+                  <a:txBody>
+                    <a:bodyPr/>
+                    <a:lstStyle/>
+                    <a:p>
+                      <a:r>
+                        <a:rPr kumimoji="1" lang="en-US" altLang="ja-JP" dirty="0" smtClean="0"/>
+                        <a:t>14</a:t>
+                      </a:r>
+                      <a:endParaRPr kumimoji="1" lang="ja-JP" altLang="en-US" dirty="0"/>
+                    </a:p>
+                  </a:txBody>
+                  <a:tcPr/>
+                </a:tc>
+                <a:tc>
+                  <a:txBody>
+                    <a:bodyPr/>
+                    <a:lstStyle/>
+                    <a:p>
+                      <a:r>
+                        <a:rPr kumimoji="1" lang="en-US" altLang="ja-JP" dirty="0" smtClean="0"/>
+                        <a:t>21</a:t>
+                      </a:r>
+                      <a:endParaRPr kumimoji="1" lang="ja-JP" altLang="en-US" dirty="0"/>
+                    </a:p>
+                  </a:txBody>
+                  <a:tcPr/>
+                </a:tc>
+                <a:tc>
+                  <a:txBody>
+                    <a:bodyPr/>
+                    <a:lstStyle/>
+                    <a:p>
+                      <a:r>
+                        <a:rPr kumimoji="1" lang="en-US" altLang="ja-JP" dirty="0" smtClean="0"/>
+                        <a:t>28</a:t>
+                      </a:r>
+                      <a:endParaRPr kumimoji="1" lang="ja-JP" altLang="en-US" dirty="0"/>
+                    </a:p>
+                  </a:txBody>
+                  <a:tcPr/>
+                </a:tc>
+                <a:tc>
+                  <a:txBody>
+                    <a:bodyPr/>
+                    <a:lstStyle/>
+                    <a:p>
+                      <a:r>
+                        <a:rPr kumimoji="1" lang="en-US" altLang="ja-JP" dirty="0" smtClean="0"/>
+                        <a:t>35</a:t>
+                      </a:r>
+                      <a:endParaRPr kumimoji="1" lang="ja-JP" altLang="en-US" dirty="0"/>
+                    </a:p>
+                  </a:txBody>
+                  <a:tcPr/>
+                </a:tc>
+                <a:tc>
+                  <a:txBody>
+                    <a:bodyPr/>
+                    <a:lstStyle/>
+                    <a:p>
+                      <a:r>
+                        <a:rPr kumimoji="1" lang="en-US" altLang="ja-JP" dirty="0" smtClean="0"/>
+                        <a:t>42</a:t>
+                      </a:r>
+                      <a:endParaRPr kumimoji="1" lang="ja-JP" altLang="en-US" dirty="0"/>
+                    </a:p>
+                  </a:txBody>
+                  <a:tcPr/>
+                </a:tc>
+                <a:tc>
+                  <a:txBody>
+                    <a:bodyPr/>
+                    <a:lstStyle/>
+                    <a:p>
+                      <a:r>
+                        <a:rPr kumimoji="1" lang="en-US" altLang="ja-JP" dirty="0" smtClean="0"/>
+                        <a:t>49</a:t>
+                      </a:r>
+                      <a:endParaRPr kumimoji="1" lang="ja-JP" altLang="en-US" dirty="0"/>
+                    </a:p>
+                  </a:txBody>
+                  <a:tcPr/>
+                </a:tc>
+                <a:tc>
+                  <a:txBody>
+                    <a:bodyPr/>
+                    <a:lstStyle/>
+                    <a:p>
+                      <a:r>
+                        <a:rPr kumimoji="1" lang="en-US" altLang="ja-JP" dirty="0" smtClean="0"/>
+                        <a:t>56</a:t>
+                      </a:r>
+                      <a:endParaRPr kumimoji="1" lang="ja-JP" altLang="en-US" dirty="0"/>
+                    </a:p>
+                  </a:txBody>
+                  <a:tcPr/>
+                </a:tc>
+                <a:tc>
+                  <a:txBody>
+                    <a:bodyPr/>
+                    <a:lstStyle/>
+                    <a:p>
+                      <a:r>
+                        <a:rPr kumimoji="1" lang="en-US" altLang="ja-JP" dirty="0" smtClean="0"/>
+                        <a:t>63</a:t>
+                      </a:r>
+                      <a:endParaRPr kumimoji="1" lang="ja-JP" altLang="en-US" dirty="0"/>
+                    </a:p>
+                  </a:txBody>
+                  <a:tcPr/>
+                </a:tc>
+                <a:extLst>
+                  <a:ext uri="{0D108BD9-81ED-4DB2-BD59-A6C34878D82A}">
+                    <a16:rowId xmlns:a16="http://schemas.microsoft.com/office/drawing/2014/main" val="913339994"/>
+                  </a:ext>
+                </a:extLst>
+              </a:tr>
+              <a:tr h="440829">
+                <a:tc>
+                  <a:txBody>
+                    <a:bodyPr/>
+                    <a:lstStyle/>
+                    <a:p>
+                      <a:r>
+                        <a:rPr kumimoji="1" lang="en-US" altLang="ja-JP" dirty="0" smtClean="0"/>
+                        <a:t>7</a:t>
+                      </a:r>
+                      <a:endParaRPr kumimoji="1" lang="ja-JP" altLang="en-US" dirty="0"/>
+                    </a:p>
+                  </a:txBody>
+                  <a:tcPr/>
+                </a:tc>
+                <a:tc>
+                  <a:txBody>
+                    <a:bodyPr/>
+                    <a:lstStyle/>
+                    <a:p>
+                      <a:r>
+                        <a:rPr kumimoji="1" lang="en-US" altLang="ja-JP" dirty="0" smtClean="0"/>
+                        <a:t>8</a:t>
+                      </a:r>
+                      <a:endParaRPr kumimoji="1" lang="ja-JP" altLang="en-US" dirty="0"/>
+                    </a:p>
+                  </a:txBody>
+                  <a:tcPr/>
+                </a:tc>
+                <a:tc>
+                  <a:txBody>
+                    <a:bodyPr/>
+                    <a:lstStyle/>
+                    <a:p>
+                      <a:r>
+                        <a:rPr kumimoji="1" lang="en-US" altLang="ja-JP" dirty="0" smtClean="0"/>
+                        <a:t>16</a:t>
+                      </a:r>
+                      <a:endParaRPr kumimoji="1" lang="ja-JP" altLang="en-US" dirty="0"/>
+                    </a:p>
+                  </a:txBody>
+                  <a:tcPr/>
+                </a:tc>
+                <a:tc>
+                  <a:txBody>
+                    <a:bodyPr/>
+                    <a:lstStyle/>
+                    <a:p>
+                      <a:r>
+                        <a:rPr kumimoji="1" lang="en-US" altLang="ja-JP" dirty="0" smtClean="0"/>
+                        <a:t>24</a:t>
+                      </a:r>
+                      <a:endParaRPr kumimoji="1" lang="ja-JP" altLang="en-US" dirty="0"/>
+                    </a:p>
+                  </a:txBody>
+                  <a:tcPr/>
+                </a:tc>
+                <a:tc>
+                  <a:txBody>
+                    <a:bodyPr/>
+                    <a:lstStyle/>
+                    <a:p>
+                      <a:r>
+                        <a:rPr kumimoji="1" lang="en-US" altLang="ja-JP" dirty="0" smtClean="0"/>
+                        <a:t>32</a:t>
+                      </a:r>
+                      <a:endParaRPr kumimoji="1" lang="ja-JP" altLang="en-US" dirty="0"/>
+                    </a:p>
+                  </a:txBody>
+                  <a:tcPr/>
+                </a:tc>
+                <a:tc>
+                  <a:txBody>
+                    <a:bodyPr/>
+                    <a:lstStyle/>
+                    <a:p>
+                      <a:r>
+                        <a:rPr kumimoji="1" lang="en-US" altLang="ja-JP" dirty="0" smtClean="0"/>
+                        <a:t>40</a:t>
+                      </a:r>
+                      <a:endParaRPr kumimoji="1" lang="ja-JP" altLang="en-US" dirty="0"/>
+                    </a:p>
+                  </a:txBody>
+                  <a:tcPr/>
+                </a:tc>
+                <a:tc>
+                  <a:txBody>
+                    <a:bodyPr/>
+                    <a:lstStyle/>
+                    <a:p>
+                      <a:r>
+                        <a:rPr kumimoji="1" lang="en-US" altLang="ja-JP" dirty="0" smtClean="0"/>
+                        <a:t>48</a:t>
+                      </a:r>
+                      <a:endParaRPr kumimoji="1" lang="ja-JP" altLang="en-US" dirty="0"/>
+                    </a:p>
+                  </a:txBody>
+                  <a:tcPr/>
+                </a:tc>
+                <a:tc>
+                  <a:txBody>
+                    <a:bodyPr/>
+                    <a:lstStyle/>
+                    <a:p>
+                      <a:r>
+                        <a:rPr kumimoji="1" lang="en-US" altLang="ja-JP" dirty="0" smtClean="0"/>
+                        <a:t>56</a:t>
+                      </a:r>
+                      <a:endParaRPr kumimoji="1" lang="ja-JP" altLang="en-US" dirty="0"/>
+                    </a:p>
+                  </a:txBody>
+                  <a:tcPr/>
+                </a:tc>
+                <a:tc>
+                  <a:txBody>
+                    <a:bodyPr/>
+                    <a:lstStyle/>
+                    <a:p>
+                      <a:r>
+                        <a:rPr kumimoji="1" lang="en-US" altLang="ja-JP" dirty="0" smtClean="0"/>
+                        <a:t>64</a:t>
+                      </a:r>
+                      <a:endParaRPr kumimoji="1" lang="ja-JP" altLang="en-US" dirty="0"/>
+                    </a:p>
+                  </a:txBody>
+                  <a:tcPr/>
+                </a:tc>
+                <a:tc>
+                  <a:txBody>
+                    <a:bodyPr/>
+                    <a:lstStyle/>
+                    <a:p>
+                      <a:r>
+                        <a:rPr kumimoji="1" lang="en-US" altLang="ja-JP" dirty="0" smtClean="0"/>
+                        <a:t>72</a:t>
+                      </a:r>
+                      <a:endParaRPr kumimoji="1" lang="ja-JP" altLang="en-US" dirty="0"/>
+                    </a:p>
+                  </a:txBody>
+                  <a:tcPr/>
+                </a:tc>
+                <a:extLst>
+                  <a:ext uri="{0D108BD9-81ED-4DB2-BD59-A6C34878D82A}">
+                    <a16:rowId xmlns:a16="http://schemas.microsoft.com/office/drawing/2014/main" val="3232697963"/>
+                  </a:ext>
+                </a:extLst>
+              </a:tr>
+              <a:tr h="440829">
+                <a:tc>
+                  <a:txBody>
+                    <a:bodyPr/>
+                    <a:lstStyle/>
+                    <a:p>
+                      <a:r>
+                        <a:rPr kumimoji="1" lang="en-US" altLang="ja-JP" dirty="0" smtClean="0"/>
+                        <a:t>8</a:t>
+                      </a:r>
+                      <a:endParaRPr kumimoji="1" lang="ja-JP" altLang="en-US" dirty="0"/>
+                    </a:p>
+                  </a:txBody>
+                  <a:tcPr/>
+                </a:tc>
+                <a:tc>
+                  <a:txBody>
+                    <a:bodyPr/>
+                    <a:lstStyle/>
+                    <a:p>
+                      <a:r>
+                        <a:rPr kumimoji="1" lang="en-US" altLang="ja-JP" dirty="0" smtClean="0"/>
+                        <a:t>9</a:t>
+                      </a:r>
+                      <a:endParaRPr kumimoji="1" lang="ja-JP" altLang="en-US" dirty="0"/>
+                    </a:p>
+                  </a:txBody>
+                  <a:tcPr/>
+                </a:tc>
+                <a:tc>
+                  <a:txBody>
+                    <a:bodyPr/>
+                    <a:lstStyle/>
+                    <a:p>
+                      <a:r>
+                        <a:rPr kumimoji="1" lang="en-US" altLang="ja-JP" dirty="0" smtClean="0"/>
+                        <a:t>18</a:t>
+                      </a:r>
+                      <a:endParaRPr kumimoji="1" lang="ja-JP" altLang="en-US" dirty="0"/>
+                    </a:p>
+                  </a:txBody>
+                  <a:tcPr/>
+                </a:tc>
+                <a:tc>
+                  <a:txBody>
+                    <a:bodyPr/>
+                    <a:lstStyle/>
+                    <a:p>
+                      <a:r>
+                        <a:rPr kumimoji="1" lang="en-US" altLang="ja-JP" dirty="0" smtClean="0"/>
+                        <a:t>27</a:t>
+                      </a:r>
+                      <a:endParaRPr kumimoji="1" lang="ja-JP" altLang="en-US" dirty="0"/>
+                    </a:p>
+                  </a:txBody>
+                  <a:tcPr/>
+                </a:tc>
+                <a:tc>
+                  <a:txBody>
+                    <a:bodyPr/>
+                    <a:lstStyle/>
+                    <a:p>
+                      <a:r>
+                        <a:rPr kumimoji="1" lang="en-US" altLang="ja-JP" dirty="0" smtClean="0"/>
+                        <a:t>36</a:t>
+                      </a:r>
+                      <a:endParaRPr kumimoji="1" lang="ja-JP" altLang="en-US" dirty="0"/>
+                    </a:p>
+                  </a:txBody>
+                  <a:tcPr/>
+                </a:tc>
+                <a:tc>
+                  <a:txBody>
+                    <a:bodyPr/>
+                    <a:lstStyle/>
+                    <a:p>
+                      <a:r>
+                        <a:rPr kumimoji="1" lang="en-US" altLang="ja-JP" dirty="0" smtClean="0"/>
+                        <a:t>45</a:t>
+                      </a:r>
+                      <a:endParaRPr kumimoji="1" lang="ja-JP" altLang="en-US" dirty="0"/>
+                    </a:p>
+                  </a:txBody>
+                  <a:tcPr/>
+                </a:tc>
+                <a:tc>
+                  <a:txBody>
+                    <a:bodyPr/>
+                    <a:lstStyle/>
+                    <a:p>
+                      <a:r>
+                        <a:rPr kumimoji="1" lang="en-US" altLang="ja-JP" dirty="0" smtClean="0"/>
+                        <a:t>54</a:t>
+                      </a:r>
+                      <a:endParaRPr kumimoji="1" lang="ja-JP" altLang="en-US" dirty="0"/>
+                    </a:p>
+                  </a:txBody>
+                  <a:tcPr/>
+                </a:tc>
+                <a:tc>
+                  <a:txBody>
+                    <a:bodyPr/>
+                    <a:lstStyle/>
+                    <a:p>
+                      <a:r>
+                        <a:rPr kumimoji="1" lang="en-US" altLang="ja-JP" dirty="0" smtClean="0"/>
+                        <a:t>53</a:t>
+                      </a:r>
+                      <a:endParaRPr kumimoji="1" lang="ja-JP" altLang="en-US" dirty="0"/>
+                    </a:p>
+                  </a:txBody>
+                  <a:tcPr/>
+                </a:tc>
+                <a:tc>
+                  <a:txBody>
+                    <a:bodyPr/>
+                    <a:lstStyle/>
+                    <a:p>
+                      <a:r>
+                        <a:rPr kumimoji="1" lang="en-US" altLang="ja-JP" dirty="0" smtClean="0"/>
+                        <a:t>72</a:t>
+                      </a:r>
+                      <a:endParaRPr kumimoji="1" lang="ja-JP" altLang="en-US" dirty="0"/>
+                    </a:p>
+                  </a:txBody>
+                  <a:tcPr/>
+                </a:tc>
+                <a:tc>
+                  <a:txBody>
+                    <a:bodyPr/>
+                    <a:lstStyle/>
+                    <a:p>
+                      <a:r>
+                        <a:rPr kumimoji="1" lang="en-US" altLang="ja-JP" dirty="0" smtClean="0"/>
+                        <a:t>81</a:t>
+                      </a:r>
+                      <a:endParaRPr kumimoji="1" lang="ja-JP" altLang="en-US" dirty="0"/>
+                    </a:p>
+                  </a:txBody>
+                  <a:tcPr/>
+                </a:tc>
+                <a:extLst>
+                  <a:ext uri="{0D108BD9-81ED-4DB2-BD59-A6C34878D82A}">
+                    <a16:rowId xmlns:a16="http://schemas.microsoft.com/office/drawing/2014/main" val="1134031415"/>
+                  </a:ext>
+                </a:extLst>
+              </a:tr>
+            </a:tbl>
+          </a:graphicData>
+        </a:graphic>
+      </p:graphicFrame>
+    </p:spTree>
+    <p:extLst>
+      <p:ext uri="{BB962C8B-B14F-4D97-AF65-F5344CB8AC3E}">
+        <p14:creationId xmlns:p14="http://schemas.microsoft.com/office/powerpoint/2010/main" val="2639983120"/>
+      </p:ext>
+    </p:extLst>
+  </p:cSld>
+  <p:clrMapOvr>
+    <a:masterClrMapping/>
+  </p:clrMapOvr>
+</p:sld>
+</file>
+
+<file path=ppt/slides/slide4.xml><?xml version="1.0" encoding="utf-8"?>
+<p:sld xmlns:a="http://schemas.openxmlformats.org/drawingml/2006/main" xmlns:r="http://schemas.openxmlformats.org/officeDocument/2006/relationships" xmlns:p="http://schemas.openxmlformats.org/presentationml/2006/main">
+  <p:cSld>
+    <p:spTree>
+      <p:nvGrpSpPr>
+        <p:cNvPr id="1" name=""/>
+        <p:cNvGrpSpPr/>
+        <p:nvPr/>
+      </p:nvGrpSpPr>
+      <p:grpSpPr>
+        <a:xfrm>
+          <a:off x="0" y="0"/>
+          <a:ext cx="0" cy="0"/>
+          <a:chOff x="0" y="0"/>
+          <a:chExt cx="0" cy="0"/>
+        </a:xfrm>
+      </p:grpSpPr>
+      <p:pic>
+        <p:nvPicPr>
+          <p:cNvPr id="2" name="図 1"/>
+          <p:cNvPicPr>
+            <a:picLocks noChangeAspect="1"/>
+          </p:cNvPicPr>
+          <p:nvPr/>
+        </p:nvPicPr>
+        <p:blipFill>
+          <a:blip r:embed="rId2"/>
+          <a:stretch>
+            <a:fillRect/>
+          </a:stretch>
+        </p:blipFill>
+        <p:spPr>
+          <a:xfrm>
+            <a:off x="1010891" y="1835519"/>
+            <a:ext cx="9994090" cy="3237522"/>
+          </a:xfrm>
+          <a:prstGeom prst="rect">
+            <a:avLst/>
+          </a:prstGeom>
+        </p:spPr>
+      </p:pic>
+      <p:sp>
+        <p:nvSpPr>
+          <p:cNvPr id="3" name="テキスト ボックス 2"/>
+          <p:cNvSpPr txBox="1"/>
+          <p:nvPr/>
+        </p:nvSpPr>
+        <p:spPr>
+          <a:xfrm>
+            <a:off x="2016690" y="526093"/>
+            <a:ext cx="8289449" cy="1200329"/>
+          </a:xfrm>
+          <a:prstGeom prst="rect">
+            <a:avLst/>
+          </a:prstGeom>
+          <a:noFill/>
+        </p:spPr>
+        <p:txBody>
+          <a:bodyPr wrap="none" rtlCol="0">
+            <a:spAutoFit/>
+          </a:bodyPr>
+          <a:lstStyle/>
+          <a:p>
+            <a:r>
+              <a:rPr lang="en-US" altLang="ja-JP" sz="3600" dirty="0" smtClean="0"/>
+              <a:t>5</a:t>
+            </a:r>
+            <a:r>
+              <a:rPr lang="ja-JP" altLang="en-US" sz="3600" dirty="0" smtClean="0"/>
+              <a:t>要素からなる配列の最大値の求めかた</a:t>
+            </a:r>
+            <a:endParaRPr lang="en-US" altLang="ja-JP" sz="3600" dirty="0" smtClean="0"/>
+          </a:p>
+          <a:p>
+            <a:r>
+              <a:rPr kumimoji="1" lang="ja-JP" altLang="en-US" sz="3600" dirty="0" smtClean="0"/>
+              <a:t>トナーメント方式</a:t>
+            </a:r>
+            <a:endParaRPr kumimoji="1" lang="ja-JP" altLang="en-US" sz="3600" dirty="0"/>
+          </a:p>
+        </p:txBody>
+      </p:sp>
+    </p:spTree>
+    <p:extLst>
+      <p:ext uri="{BB962C8B-B14F-4D97-AF65-F5344CB8AC3E}">
+        <p14:creationId xmlns:p14="http://schemas.microsoft.com/office/powerpoint/2010/main" val="104381611"/>
+      </p:ext>
+    </p:extLst>
+  </p:cSld>
+  <p:clrMapOvr>
+    <a:masterClrMapping/>
+  </p:clrMapOvr>
+</p:sld>
+</file>
+
+<file path=ppt/slides/slide5.xml><?xml version="1.0" encoding="utf-8"?>
+<p:sld xmlns:a="http://schemas.openxmlformats.org/drawingml/2006/main" xmlns:r="http://schemas.openxmlformats.org/officeDocument/2006/relationships" xmlns:p="http://schemas.openxmlformats.org/presentationml/2006/main">
+  <p:cSld>
+    <p:spTree>
+      <p:nvGrpSpPr>
+        <p:cNvPr id="1" name=""/>
+        <p:cNvGrpSpPr/>
+        <p:nvPr/>
+      </p:nvGrpSpPr>
+      <p:grpSpPr>
+        <a:xfrm>
+          <a:off x="0" y="0"/>
+          <a:ext cx="0" cy="0"/>
+          <a:chOff x="0" y="0"/>
+          <a:chExt cx="0" cy="0"/>
+        </a:xfrm>
+      </p:grpSpPr>
+      <p:pic>
+        <p:nvPicPr>
+          <p:cNvPr id="2" name="図 1"/>
+          <p:cNvPicPr>
+            <a:picLocks noChangeAspect="1"/>
+          </p:cNvPicPr>
+          <p:nvPr/>
+        </p:nvPicPr>
+        <p:blipFill>
+          <a:blip r:embed="rId2"/>
+          <a:stretch>
+            <a:fillRect/>
+          </a:stretch>
+        </p:blipFill>
+        <p:spPr>
+          <a:xfrm>
+            <a:off x="4114016" y="132046"/>
+            <a:ext cx="3500132" cy="6494222"/>
+          </a:xfrm>
+          <a:prstGeom prst="rect">
+            <a:avLst/>
+          </a:prstGeom>
+        </p:spPr>
+      </p:pic>
+    </p:spTree>
+    <p:extLst>
+      <p:ext uri="{BB962C8B-B14F-4D97-AF65-F5344CB8AC3E}">
+        <p14:creationId xmlns:p14="http://schemas.microsoft.com/office/powerpoint/2010/main" val="3882291875"/>
+      </p:ext>
+    </p:extLst>
+  </p:cSld>
+  <p:clrMapOvr>
+    <a:masterClrMapping/>
+  </p:clrMapOvr>
+</p:sld>
+</file>
+
+<file path=ppt/slides/slide6.xml><?xml version="1.0" encoding="utf-8"?>
 <p:sld xmlns:a="http://schemas.openxmlformats.org/drawingml/2006/main" xmlns:r="http://schemas.openxmlformats.org/officeDocument/2006/relationships" xmlns:p="http://schemas.openxmlformats.org/presentationml/2006/main">
   <p:cSld>
     <p:spTree>
@@ -4297,7 +6349,7 @@
 </p:sld>
 </file>
 
-<file path=ppt/slides/slide4.xml><?xml version="1.0" encoding="utf-8"?>
+<file path=ppt/slides/slide7.xml><?xml version="1.0" encoding="utf-8"?>
 <p:sld xmlns:a="http://schemas.openxmlformats.org/drawingml/2006/main" xmlns:r="http://schemas.openxmlformats.org/officeDocument/2006/relationships" xmlns:p="http://schemas.openxmlformats.org/presentationml/2006/main">
   <p:cSld>
     <p:spTree>
@@ -4314,416 +6366,34 @@
           <a:chExt cx="0" cy="0"/>
         </a:xfrm>
       </p:grpSpPr>
-      <p:sp>
-        <p:nvSpPr>
-          <p:cNvPr id="2" name="タイトル 1"/>
-          <p:cNvSpPr>
-            <a:spLocks noGrp="1"/>
-          </p:cNvSpPr>
-          <p:nvPr>
-            <p:ph type="title"/>
-          </p:nvPr>
-        </p:nvSpPr>
+      <p:pic>
+        <p:nvPicPr>
+          <p:cNvPr id="2" name="図 1"/>
+          <p:cNvPicPr>
+            <a:picLocks noChangeAspect="1"/>
+          </p:cNvPicPr>
+          <p:nvPr/>
+        </p:nvPicPr>
+        <p:blipFill>
+          <a:blip r:embed="rId2"/>
+          <a:stretch>
+            <a:fillRect/>
+          </a:stretch>
+        </p:blipFill>
         <p:spPr>
           <a:xfrm>
-            <a:off x="700414" y="127129"/>
-            <a:ext cx="10836057" cy="799797"/>
-          </a:xfrm>
-        </p:spPr>
-        <p:txBody>
-          <a:bodyPr>
-            <a:normAutofit fontScale="90000"/>
-          </a:bodyPr>
-          <a:lstStyle/>
-          <a:p>
-            <a:r>
-              <a:rPr kumimoji="1" lang="en-US" altLang="ja-JP" dirty="0" smtClean="0"/>
-              <a:t>C#</a:t>
-            </a:r>
-            <a:r>
-              <a:rPr kumimoji="1" lang="ja-JP" altLang="en-US" dirty="0" smtClean="0"/>
-              <a:t>の場合　（配列の中から最大値を求める</a:t>
-            </a:r>
-            <a:r>
-              <a:rPr kumimoji="1" lang="en-US" altLang="ja-JP" dirty="0" smtClean="0"/>
-              <a:t>)</a:t>
-            </a:r>
-            <a:endParaRPr kumimoji="1" lang="ja-JP" altLang="en-US" dirty="0"/>
-          </a:p>
-        </p:txBody>
-      </p:sp>
-      <p:sp>
-        <p:nvSpPr>
-          <p:cNvPr id="3" name="テキスト ボックス 2"/>
-          <p:cNvSpPr txBox="1"/>
-          <p:nvPr/>
-        </p:nvSpPr>
-        <p:spPr>
-          <a:xfrm>
-            <a:off x="964503" y="708655"/>
-            <a:ext cx="4471793" cy="6494085"/>
+            <a:off x="2596868" y="304408"/>
+            <a:ext cx="6359242" cy="6284778"/>
           </a:xfrm>
           <a:prstGeom prst="rect">
             <a:avLst/>
           </a:prstGeom>
-          <a:noFill/>
         </p:spPr>
-        <p:txBody>
-          <a:bodyPr wrap="square" rtlCol="0">
-            <a:spAutoFit/>
-          </a:bodyPr>
-          <a:lstStyle/>
-          <a:p>
-            <a:endParaRPr lang="ja-JP" altLang="en-US" sz="1600" dirty="0"/>
-          </a:p>
-          <a:p>
-            <a:r>
-              <a:rPr lang="en-US" altLang="ja-JP" sz="1600" dirty="0"/>
-              <a:t>namespace ConsoleApp1</a:t>
-            </a:r>
-          </a:p>
-          <a:p>
-            <a:r>
-              <a:rPr lang="en-US" altLang="ja-JP" sz="1600" dirty="0"/>
-              <a:t>{</a:t>
-            </a:r>
-          </a:p>
-          <a:p>
-            <a:r>
-              <a:rPr lang="en-US" altLang="ja-JP" sz="1600" dirty="0"/>
-              <a:t>    class Max</a:t>
-            </a:r>
-          </a:p>
-          <a:p>
-            <a:r>
-              <a:rPr lang="ja-JP" altLang="en-US" sz="1600" dirty="0"/>
-              <a:t>    </a:t>
-            </a:r>
-            <a:r>
-              <a:rPr lang="en-US" altLang="ja-JP" sz="1600" dirty="0"/>
-              <a:t>{</a:t>
-            </a:r>
-          </a:p>
-          <a:p>
-            <a:r>
-              <a:rPr lang="en-US" altLang="ja-JP" sz="1600" dirty="0"/>
-              <a:t>        static void Main(string[] </a:t>
-            </a:r>
-            <a:r>
-              <a:rPr lang="en-US" altLang="ja-JP" sz="1600" dirty="0" err="1"/>
-              <a:t>args</a:t>
-            </a:r>
-            <a:r>
-              <a:rPr lang="en-US" altLang="ja-JP" sz="1600" dirty="0"/>
-              <a:t>)</a:t>
-            </a:r>
-          </a:p>
-          <a:p>
-            <a:r>
-              <a:rPr lang="ja-JP" altLang="en-US" sz="1600" dirty="0"/>
-              <a:t>        </a:t>
-            </a:r>
-            <a:r>
-              <a:rPr lang="en-US" altLang="ja-JP" sz="1600" dirty="0" smtClean="0"/>
-              <a:t>{</a:t>
-            </a:r>
-          </a:p>
-          <a:p>
-            <a:r>
-              <a:rPr lang="en-US" altLang="ja-JP" sz="1600" dirty="0"/>
-              <a:t> </a:t>
-            </a:r>
-            <a:r>
-              <a:rPr lang="en-US" altLang="ja-JP" sz="1600" dirty="0" smtClean="0"/>
-              <a:t>           </a:t>
-            </a:r>
-            <a:r>
-              <a:rPr lang="en-US" altLang="ja-JP" sz="1600" dirty="0" err="1" smtClean="0"/>
-              <a:t>var</a:t>
-            </a:r>
-            <a:r>
-              <a:rPr lang="en-US" altLang="ja-JP" sz="1600" dirty="0" smtClean="0"/>
-              <a:t> </a:t>
-            </a:r>
-            <a:r>
-              <a:rPr lang="en-US" altLang="ja-JP" sz="1600" dirty="0"/>
-              <a:t>T = new </a:t>
-            </a:r>
-            <a:r>
-              <a:rPr lang="en-US" altLang="ja-JP" sz="1600" dirty="0" err="1"/>
-              <a:t>int</a:t>
-            </a:r>
-            <a:r>
-              <a:rPr lang="en-US" altLang="ja-JP" sz="1600" dirty="0"/>
-              <a:t>[] { 1, 3, 3, 6, 4 };</a:t>
-            </a:r>
-          </a:p>
-          <a:p>
-            <a:r>
-              <a:rPr lang="en-US" altLang="ja-JP" sz="1600" dirty="0"/>
-              <a:t>            </a:t>
-            </a:r>
-            <a:r>
-              <a:rPr lang="en-US" altLang="ja-JP" sz="1600" dirty="0" err="1"/>
-              <a:t>int</a:t>
-            </a:r>
-            <a:r>
-              <a:rPr lang="en-US" altLang="ja-JP" sz="1600" dirty="0"/>
-              <a:t> </a:t>
-            </a:r>
-            <a:r>
-              <a:rPr lang="en-US" altLang="ja-JP" sz="1600" dirty="0" err="1"/>
-              <a:t>Idx</a:t>
-            </a:r>
-            <a:r>
-              <a:rPr lang="en-US" altLang="ja-JP" sz="1600" dirty="0"/>
-              <a:t> = 0;</a:t>
-            </a:r>
-          </a:p>
-          <a:p>
-            <a:r>
-              <a:rPr lang="en-US" altLang="ja-JP" sz="1600" dirty="0"/>
-              <a:t>            </a:t>
-            </a:r>
-            <a:r>
-              <a:rPr lang="en-US" altLang="ja-JP" sz="1600" dirty="0" err="1"/>
-              <a:t>int</a:t>
-            </a:r>
-            <a:r>
-              <a:rPr lang="en-US" altLang="ja-JP" sz="1600" dirty="0"/>
-              <a:t> Max = 0;</a:t>
-            </a:r>
-          </a:p>
-          <a:p>
-            <a:endParaRPr lang="ja-JP" altLang="en-US" sz="1600" dirty="0"/>
-          </a:p>
-          <a:p>
-            <a:r>
-              <a:rPr lang="en-US" altLang="ja-JP" sz="1600" dirty="0"/>
-              <a:t>            Max = T[0];</a:t>
-            </a:r>
-          </a:p>
-          <a:p>
-            <a:endParaRPr lang="ja-JP" altLang="en-US" sz="1600" dirty="0"/>
-          </a:p>
-          <a:p>
-            <a:r>
-              <a:rPr lang="en-US" altLang="ja-JP" sz="1600" dirty="0"/>
-              <a:t>            for (</a:t>
-            </a:r>
-            <a:r>
-              <a:rPr lang="en-US" altLang="ja-JP" sz="1600" dirty="0" err="1"/>
-              <a:t>Idx</a:t>
-            </a:r>
-            <a:r>
-              <a:rPr lang="en-US" altLang="ja-JP" sz="1600" dirty="0"/>
-              <a:t> = 0; </a:t>
-            </a:r>
-            <a:r>
-              <a:rPr lang="en-US" altLang="ja-JP" sz="1600" dirty="0" err="1"/>
-              <a:t>Idx</a:t>
-            </a:r>
-            <a:r>
-              <a:rPr lang="en-US" altLang="ja-JP" sz="1600" dirty="0"/>
-              <a:t> &lt; 5; </a:t>
-            </a:r>
-            <a:r>
-              <a:rPr lang="en-US" altLang="ja-JP" sz="1600" dirty="0" err="1"/>
-              <a:t>Idx</a:t>
-            </a:r>
-            <a:r>
-              <a:rPr lang="en-US" altLang="ja-JP" sz="1600" dirty="0"/>
-              <a:t>++)</a:t>
-            </a:r>
-          </a:p>
-          <a:p>
-            <a:r>
-              <a:rPr lang="ja-JP" altLang="en-US" sz="1600" dirty="0"/>
-              <a:t>            </a:t>
-            </a:r>
-            <a:r>
-              <a:rPr lang="en-US" altLang="ja-JP" sz="1600" dirty="0"/>
-              <a:t>{</a:t>
-            </a:r>
-          </a:p>
-          <a:p>
-            <a:r>
-              <a:rPr lang="en-US" altLang="ja-JP" sz="1600" dirty="0"/>
-              <a:t>                while (Max &lt; T[</a:t>
-            </a:r>
-            <a:r>
-              <a:rPr lang="en-US" altLang="ja-JP" sz="1600" dirty="0" err="1"/>
-              <a:t>Idx</a:t>
-            </a:r>
-            <a:r>
-              <a:rPr lang="en-US" altLang="ja-JP" sz="1600" dirty="0"/>
-              <a:t>])</a:t>
-            </a:r>
-          </a:p>
-          <a:p>
-            <a:r>
-              <a:rPr lang="ja-JP" altLang="en-US" sz="1600" dirty="0"/>
-              <a:t>                </a:t>
-            </a:r>
-            <a:r>
-              <a:rPr lang="en-US" altLang="ja-JP" sz="1600" dirty="0"/>
-              <a:t>{</a:t>
-            </a:r>
-          </a:p>
-          <a:p>
-            <a:r>
-              <a:rPr lang="en-US" altLang="ja-JP" sz="1600" dirty="0"/>
-              <a:t>                    Max = T[</a:t>
-            </a:r>
-            <a:r>
-              <a:rPr lang="en-US" altLang="ja-JP" sz="1600" dirty="0" err="1"/>
-              <a:t>Idx</a:t>
-            </a:r>
-            <a:r>
-              <a:rPr lang="en-US" altLang="ja-JP" sz="1600" dirty="0"/>
-              <a:t>];</a:t>
-            </a:r>
-          </a:p>
-          <a:p>
-            <a:r>
-              <a:rPr lang="ja-JP" altLang="en-US" sz="1600" dirty="0"/>
-              <a:t>                </a:t>
-            </a:r>
-            <a:r>
-              <a:rPr lang="en-US" altLang="ja-JP" sz="1600" dirty="0"/>
-              <a:t>}</a:t>
-            </a:r>
-          </a:p>
-          <a:p>
-            <a:r>
-              <a:rPr lang="ja-JP" altLang="en-US" sz="1600" dirty="0"/>
-              <a:t>            </a:t>
-            </a:r>
-            <a:r>
-              <a:rPr lang="en-US" altLang="ja-JP" sz="1600" dirty="0"/>
-              <a:t>}</a:t>
-            </a:r>
-          </a:p>
-          <a:p>
-            <a:r>
-              <a:rPr lang="en-US" altLang="ja-JP" sz="1600" dirty="0" smtClean="0"/>
-              <a:t>            </a:t>
-            </a:r>
-            <a:r>
-              <a:rPr lang="en-US" altLang="ja-JP" sz="1600" dirty="0" err="1" smtClean="0"/>
-              <a:t>Console.WriteLine</a:t>
-            </a:r>
-            <a:r>
-              <a:rPr lang="en-US" altLang="ja-JP" sz="1600" dirty="0" smtClean="0"/>
-              <a:t>(Max</a:t>
-            </a:r>
-            <a:r>
-              <a:rPr lang="en-US" altLang="ja-JP" sz="1600" dirty="0"/>
-              <a:t>);</a:t>
-            </a:r>
-          </a:p>
-          <a:p>
-            <a:r>
-              <a:rPr lang="en-US" altLang="ja-JP" sz="1600" dirty="0"/>
-              <a:t>            </a:t>
-            </a:r>
-            <a:r>
-              <a:rPr lang="en-US" altLang="ja-JP" sz="1600" dirty="0" err="1"/>
-              <a:t>Console.ReadKey</a:t>
-            </a:r>
-            <a:r>
-              <a:rPr lang="en-US" altLang="ja-JP" sz="1600" dirty="0"/>
-              <a:t>();</a:t>
-            </a:r>
-          </a:p>
-          <a:p>
-            <a:r>
-              <a:rPr lang="ja-JP" altLang="en-US" sz="1600" dirty="0"/>
-              <a:t>        </a:t>
-            </a:r>
-            <a:r>
-              <a:rPr lang="en-US" altLang="ja-JP" sz="1600" dirty="0"/>
-              <a:t>}</a:t>
-            </a:r>
-          </a:p>
-          <a:p>
-            <a:r>
-              <a:rPr lang="ja-JP" altLang="en-US" sz="1600" dirty="0"/>
-              <a:t>    </a:t>
-            </a:r>
-            <a:r>
-              <a:rPr lang="en-US" altLang="ja-JP" sz="1600" dirty="0"/>
-              <a:t>}</a:t>
-            </a:r>
-          </a:p>
-          <a:p>
-            <a:r>
-              <a:rPr lang="en-US" altLang="ja-JP" sz="1600" dirty="0"/>
-              <a:t>}</a:t>
-            </a:r>
-          </a:p>
-          <a:p>
-            <a:endParaRPr lang="ja-JP" altLang="en-US" sz="1600" dirty="0"/>
-          </a:p>
-        </p:txBody>
-      </p:sp>
-      <p:sp>
-        <p:nvSpPr>
-          <p:cNvPr id="4" name="テキスト ボックス 3"/>
-          <p:cNvSpPr txBox="1"/>
-          <p:nvPr/>
-        </p:nvSpPr>
-        <p:spPr>
-          <a:xfrm>
-            <a:off x="7077205" y="2242159"/>
-            <a:ext cx="2646878" cy="1077218"/>
-          </a:xfrm>
-          <a:prstGeom prst="rect">
-            <a:avLst/>
-          </a:prstGeom>
-          <a:noFill/>
-        </p:spPr>
-        <p:txBody>
-          <a:bodyPr wrap="none" rtlCol="0">
-            <a:spAutoFit/>
-          </a:bodyPr>
-          <a:lstStyle/>
-          <a:p>
-            <a:r>
-              <a:rPr kumimoji="1" lang="ja-JP" altLang="en-US" sz="3200" dirty="0" smtClean="0">
-                <a:solidFill>
-                  <a:srgbClr val="FF0000"/>
-                </a:solidFill>
-              </a:rPr>
-              <a:t>実行結果　　</a:t>
-            </a:r>
-            <a:endParaRPr kumimoji="1" lang="en-US" altLang="ja-JP" sz="3200" dirty="0" smtClean="0">
-              <a:solidFill>
-                <a:srgbClr val="FF0000"/>
-              </a:solidFill>
-            </a:endParaRPr>
-          </a:p>
-          <a:p>
-            <a:r>
-              <a:rPr lang="ja-JP" altLang="en-US" sz="3200" dirty="0">
-                <a:solidFill>
-                  <a:srgbClr val="FF0000"/>
-                </a:solidFill>
-              </a:rPr>
-              <a:t>６</a:t>
-            </a:r>
-            <a:endParaRPr kumimoji="1" lang="ja-JP" altLang="en-US" sz="3200" dirty="0">
-              <a:solidFill>
-                <a:srgbClr val="FF0000"/>
-              </a:solidFill>
-            </a:endParaRPr>
-          </a:p>
-        </p:txBody>
-      </p:sp>
+      </p:pic>
     </p:spTree>
     <p:extLst>
       <p:ext uri="{BB962C8B-B14F-4D97-AF65-F5344CB8AC3E}">
-        <p14:creationId xmlns:p14="http://schemas.microsoft.com/office/powerpoint/2010/main" val="1790665753"/>
+        <p14:creationId xmlns:p14="http://schemas.microsoft.com/office/powerpoint/2010/main" val="3547408737"/>
       </p:ext>
     </p:extLst>
   </p:cSld>
@@ -4733,7 +6403,397 @@
 </p:sld>
 </file>
 
-<file path=ppt/slides/slide5.xml><?xml version="1.0" encoding="utf-8"?>
+<file path=ppt/slides/slide8.xml><?xml version="1.0" encoding="utf-8"?>
+<p:sld xmlns:a="http://schemas.openxmlformats.org/drawingml/2006/main" xmlns:r="http://schemas.openxmlformats.org/officeDocument/2006/relationships" xmlns:p="http://schemas.openxmlformats.org/presentationml/2006/main">
+  <p:cSld>
+    <p:spTree>
+      <p:nvGrpSpPr>
+        <p:cNvPr id="1" name=""/>
+        <p:cNvGrpSpPr/>
+        <p:nvPr/>
+      </p:nvGrpSpPr>
+      <p:grpSpPr>
+        <a:xfrm>
+          <a:off x="0" y="0"/>
+          <a:ext cx="0" cy="0"/>
+          <a:chOff x="0" y="0"/>
+          <a:chExt cx="0" cy="0"/>
+        </a:xfrm>
+      </p:grpSpPr>
+      <p:sp>
+        <p:nvSpPr>
+          <p:cNvPr id="3" name="テキスト ボックス 2"/>
+          <p:cNvSpPr txBox="1"/>
+          <p:nvPr/>
+        </p:nvSpPr>
+        <p:spPr>
+          <a:xfrm>
+            <a:off x="2036617" y="199506"/>
+            <a:ext cx="7764087" cy="6555641"/>
+          </a:xfrm>
+          <a:prstGeom prst="rect">
+            <a:avLst/>
+          </a:prstGeom>
+          <a:noFill/>
+        </p:spPr>
+        <p:txBody>
+          <a:bodyPr wrap="square" rtlCol="0">
+            <a:spAutoFit/>
+          </a:bodyPr>
+          <a:lstStyle/>
+          <a:p>
+            <a:r>
+              <a:rPr lang="en-US" altLang="ja-JP" sz="1400" dirty="0"/>
+              <a:t>using System</a:t>
+            </a:r>
+            <a:r>
+              <a:rPr lang="en-US" altLang="ja-JP" sz="1400" dirty="0" smtClean="0"/>
+              <a:t>;</a:t>
+            </a:r>
+            <a:r>
+              <a:rPr lang="ja-JP" altLang="en-US" sz="1400" dirty="0" smtClean="0"/>
+              <a:t>　　</a:t>
+            </a:r>
+            <a:r>
+              <a:rPr lang="en-US" altLang="ja-JP" sz="1400" dirty="0" smtClean="0"/>
+              <a:t>//</a:t>
+            </a:r>
+            <a:r>
+              <a:rPr lang="ja-JP" altLang="en-US" sz="1400" dirty="0" smtClean="0"/>
+              <a:t>　最大値を求める　</a:t>
+            </a:r>
+            <a:r>
+              <a:rPr lang="en-US" altLang="ja-JP" sz="1400" dirty="0" smtClean="0"/>
+              <a:t>C#</a:t>
+            </a:r>
+            <a:r>
+              <a:rPr lang="ja-JP" altLang="en-US" sz="1400" dirty="0" err="1" smtClean="0"/>
+              <a:t>での</a:t>
+            </a:r>
+            <a:r>
+              <a:rPr lang="ja-JP" altLang="en-US" sz="1400" dirty="0" smtClean="0"/>
+              <a:t>サンプルプログラム</a:t>
+            </a:r>
+            <a:endParaRPr lang="en-US" altLang="ja-JP" sz="1400" dirty="0"/>
+          </a:p>
+          <a:p>
+            <a:r>
+              <a:rPr lang="en-US" altLang="ja-JP" sz="1400" dirty="0"/>
+              <a:t>using </a:t>
+            </a:r>
+            <a:r>
+              <a:rPr lang="en-US" altLang="ja-JP" sz="1400" dirty="0" err="1"/>
+              <a:t>System.Collections.Generic</a:t>
+            </a:r>
+            <a:r>
+              <a:rPr lang="en-US" altLang="ja-JP" sz="1400" dirty="0"/>
+              <a:t>;</a:t>
+            </a:r>
+          </a:p>
+          <a:p>
+            <a:r>
+              <a:rPr lang="en-US" altLang="ja-JP" sz="1400" dirty="0"/>
+              <a:t>using </a:t>
+            </a:r>
+            <a:r>
+              <a:rPr lang="en-US" altLang="ja-JP" sz="1400" dirty="0" err="1"/>
+              <a:t>System.Linq</a:t>
+            </a:r>
+            <a:r>
+              <a:rPr lang="en-US" altLang="ja-JP" sz="1400" dirty="0"/>
+              <a:t>;</a:t>
+            </a:r>
+          </a:p>
+          <a:p>
+            <a:r>
+              <a:rPr lang="en-US" altLang="ja-JP" sz="1400" dirty="0"/>
+              <a:t>using </a:t>
+            </a:r>
+            <a:r>
+              <a:rPr lang="en-US" altLang="ja-JP" sz="1400" dirty="0" err="1"/>
+              <a:t>System.Text</a:t>
+            </a:r>
+            <a:r>
+              <a:rPr lang="en-US" altLang="ja-JP" sz="1400" dirty="0"/>
+              <a:t>;</a:t>
+            </a:r>
+          </a:p>
+          <a:p>
+            <a:r>
+              <a:rPr lang="en-US" altLang="ja-JP" sz="1400" dirty="0"/>
+              <a:t>using </a:t>
+            </a:r>
+            <a:r>
+              <a:rPr lang="en-US" altLang="ja-JP" sz="1400" dirty="0" err="1"/>
+              <a:t>System.Threading.Tasks</a:t>
+            </a:r>
+            <a:r>
+              <a:rPr lang="en-US" altLang="ja-JP" sz="1400" dirty="0"/>
+              <a:t>;</a:t>
+            </a:r>
+          </a:p>
+          <a:p>
+            <a:endParaRPr lang="en-US" altLang="ja-JP" sz="1400" dirty="0"/>
+          </a:p>
+          <a:p>
+            <a:r>
+              <a:rPr lang="en-US" altLang="ja-JP" sz="1400" dirty="0"/>
+              <a:t>namespace ConsoleApp1</a:t>
+            </a:r>
+          </a:p>
+          <a:p>
+            <a:r>
+              <a:rPr lang="en-US" altLang="ja-JP" sz="1400" dirty="0"/>
+              <a:t>{</a:t>
+            </a:r>
+          </a:p>
+          <a:p>
+            <a:r>
+              <a:rPr lang="en-US" altLang="ja-JP" sz="1400" dirty="0"/>
+              <a:t>    class Max</a:t>
+            </a:r>
+          </a:p>
+          <a:p>
+            <a:r>
+              <a:rPr lang="en-US" altLang="ja-JP" sz="1400" dirty="0"/>
+              <a:t>    {</a:t>
+            </a:r>
+          </a:p>
+          <a:p>
+            <a:r>
+              <a:rPr lang="en-US" altLang="ja-JP" sz="1400" dirty="0"/>
+              <a:t>        static void Main(string[] </a:t>
+            </a:r>
+            <a:r>
+              <a:rPr lang="en-US" altLang="ja-JP" sz="1400" dirty="0" err="1"/>
+              <a:t>args</a:t>
+            </a:r>
+            <a:r>
+              <a:rPr lang="en-US" altLang="ja-JP" sz="1400" dirty="0"/>
+              <a:t>)</a:t>
+            </a:r>
+          </a:p>
+          <a:p>
+            <a:r>
+              <a:rPr lang="en-US" altLang="ja-JP" sz="1400" dirty="0"/>
+              <a:t>        {</a:t>
+            </a:r>
+          </a:p>
+          <a:p>
+            <a:r>
+              <a:rPr lang="en-US" altLang="ja-JP" sz="1400" dirty="0"/>
+              <a:t>            </a:t>
+            </a:r>
+            <a:r>
+              <a:rPr lang="en-US" altLang="ja-JP" sz="1400" dirty="0" err="1"/>
+              <a:t>var</a:t>
+            </a:r>
+            <a:r>
+              <a:rPr lang="en-US" altLang="ja-JP" sz="1400" dirty="0"/>
+              <a:t> T = new </a:t>
+            </a:r>
+            <a:r>
+              <a:rPr lang="en-US" altLang="ja-JP" sz="1400" dirty="0" err="1"/>
+              <a:t>int</a:t>
+            </a:r>
+            <a:r>
+              <a:rPr lang="en-US" altLang="ja-JP" sz="1400" dirty="0"/>
+              <a:t>[] { 1, 3, 3, 6, 4 };</a:t>
+            </a:r>
+          </a:p>
+          <a:p>
+            <a:r>
+              <a:rPr lang="en-US" altLang="ja-JP" sz="1400" dirty="0"/>
+              <a:t>            </a:t>
+            </a:r>
+            <a:r>
+              <a:rPr lang="en-US" altLang="ja-JP" sz="1400" dirty="0" err="1"/>
+              <a:t>int</a:t>
+            </a:r>
+            <a:r>
+              <a:rPr lang="en-US" altLang="ja-JP" sz="1400" dirty="0"/>
+              <a:t> </a:t>
+            </a:r>
+            <a:r>
+              <a:rPr lang="en-US" altLang="ja-JP" sz="1400" dirty="0" err="1"/>
+              <a:t>Idx</a:t>
+            </a:r>
+            <a:r>
+              <a:rPr lang="en-US" altLang="ja-JP" sz="1400" dirty="0"/>
+              <a:t> = 0;</a:t>
+            </a:r>
+          </a:p>
+          <a:p>
+            <a:r>
+              <a:rPr lang="en-US" altLang="ja-JP" sz="1400" dirty="0"/>
+              <a:t>            </a:t>
+            </a:r>
+            <a:r>
+              <a:rPr lang="en-US" altLang="ja-JP" sz="1400" dirty="0" err="1"/>
+              <a:t>int</a:t>
+            </a:r>
+            <a:r>
+              <a:rPr lang="en-US" altLang="ja-JP" sz="1400" dirty="0"/>
+              <a:t> Max = 0;</a:t>
+            </a:r>
+          </a:p>
+          <a:p>
+            <a:endParaRPr lang="en-US" altLang="ja-JP" sz="1400" dirty="0"/>
+          </a:p>
+          <a:p>
+            <a:r>
+              <a:rPr lang="en-US" altLang="ja-JP" sz="1400" dirty="0"/>
+              <a:t>            Max = T[0];</a:t>
+            </a:r>
+          </a:p>
+          <a:p>
+            <a:endParaRPr lang="en-US" altLang="ja-JP" sz="1400" dirty="0"/>
+          </a:p>
+          <a:p>
+            <a:r>
+              <a:rPr lang="en-US" altLang="ja-JP" sz="1400" dirty="0"/>
+              <a:t>            for (</a:t>
+            </a:r>
+            <a:r>
+              <a:rPr lang="en-US" altLang="ja-JP" sz="1400" dirty="0" err="1"/>
+              <a:t>Idx</a:t>
+            </a:r>
+            <a:r>
+              <a:rPr lang="en-US" altLang="ja-JP" sz="1400" dirty="0"/>
+              <a:t> = 0; </a:t>
+            </a:r>
+            <a:r>
+              <a:rPr lang="en-US" altLang="ja-JP" sz="1400" dirty="0" err="1"/>
+              <a:t>Idx</a:t>
+            </a:r>
+            <a:r>
+              <a:rPr lang="en-US" altLang="ja-JP" sz="1400" dirty="0"/>
+              <a:t> &lt; 5; </a:t>
+            </a:r>
+            <a:r>
+              <a:rPr lang="en-US" altLang="ja-JP" sz="1400" dirty="0" err="1"/>
+              <a:t>Idx</a:t>
+            </a:r>
+            <a:r>
+              <a:rPr lang="en-US" altLang="ja-JP" sz="1400" dirty="0"/>
+              <a:t>++)</a:t>
+            </a:r>
+          </a:p>
+          <a:p>
+            <a:r>
+              <a:rPr lang="en-US" altLang="ja-JP" sz="1400" dirty="0"/>
+              <a:t>            {</a:t>
+            </a:r>
+          </a:p>
+          <a:p>
+            <a:r>
+              <a:rPr lang="en-US" altLang="ja-JP" sz="1400" dirty="0"/>
+              <a:t>                while (Max &lt; T[</a:t>
+            </a:r>
+            <a:r>
+              <a:rPr lang="en-US" altLang="ja-JP" sz="1400" dirty="0" err="1"/>
+              <a:t>Idx</a:t>
+            </a:r>
+            <a:r>
+              <a:rPr lang="en-US" altLang="ja-JP" sz="1400" dirty="0"/>
+              <a:t>])</a:t>
+            </a:r>
+          </a:p>
+          <a:p>
+            <a:r>
+              <a:rPr lang="en-US" altLang="ja-JP" sz="1400" dirty="0"/>
+              <a:t>                {</a:t>
+            </a:r>
+          </a:p>
+          <a:p>
+            <a:r>
+              <a:rPr lang="en-US" altLang="ja-JP" sz="1400" dirty="0"/>
+              <a:t>                    Max = T[</a:t>
+            </a:r>
+            <a:r>
+              <a:rPr lang="en-US" altLang="ja-JP" sz="1400" dirty="0" err="1"/>
+              <a:t>Idx</a:t>
+            </a:r>
+            <a:r>
+              <a:rPr lang="en-US" altLang="ja-JP" sz="1400" dirty="0"/>
+              <a:t>];</a:t>
+            </a:r>
+          </a:p>
+          <a:p>
+            <a:r>
+              <a:rPr lang="en-US" altLang="ja-JP" sz="1400" dirty="0"/>
+              <a:t>                }</a:t>
+            </a:r>
+          </a:p>
+          <a:p>
+            <a:r>
+              <a:rPr lang="en-US" altLang="ja-JP" sz="1400" dirty="0"/>
+              <a:t>            }</a:t>
+            </a:r>
+          </a:p>
+          <a:p>
+            <a:r>
+              <a:rPr lang="en-US" altLang="ja-JP" sz="1400" dirty="0"/>
+              <a:t>            </a:t>
+            </a:r>
+            <a:r>
+              <a:rPr lang="en-US" altLang="ja-JP" sz="1400" dirty="0" err="1"/>
+              <a:t>Console.WriteLine</a:t>
+            </a:r>
+            <a:r>
+              <a:rPr lang="en-US" altLang="ja-JP" sz="1400" dirty="0"/>
+              <a:t>(Max);</a:t>
+            </a:r>
+          </a:p>
+          <a:p>
+            <a:r>
+              <a:rPr lang="en-US" altLang="ja-JP" sz="1400" dirty="0"/>
+              <a:t>            </a:t>
+            </a:r>
+            <a:r>
+              <a:rPr lang="en-US" altLang="ja-JP" sz="1400" dirty="0" err="1"/>
+              <a:t>Console.ReadKey</a:t>
+            </a:r>
+            <a:r>
+              <a:rPr lang="en-US" altLang="ja-JP" sz="1400" dirty="0"/>
+              <a:t>();</a:t>
+            </a:r>
+          </a:p>
+          <a:p>
+            <a:r>
+              <a:rPr lang="en-US" altLang="ja-JP" sz="1400" dirty="0"/>
+              <a:t>        }</a:t>
+            </a:r>
+          </a:p>
+          <a:p>
+            <a:r>
+              <a:rPr lang="en-US" altLang="ja-JP" sz="1400" dirty="0"/>
+              <a:t>    }</a:t>
+            </a:r>
+          </a:p>
+          <a:p>
+            <a:r>
+              <a:rPr lang="en-US" altLang="ja-JP" sz="1400" dirty="0"/>
+              <a:t>}</a:t>
+            </a:r>
+            <a:endParaRPr kumimoji="1" lang="ja-JP" altLang="en-US" sz="1400" dirty="0"/>
+          </a:p>
+        </p:txBody>
+      </p:sp>
+    </p:spTree>
+    <p:extLst>
+      <p:ext uri="{BB962C8B-B14F-4D97-AF65-F5344CB8AC3E}">
+        <p14:creationId xmlns:p14="http://schemas.microsoft.com/office/powerpoint/2010/main" val="3280212194"/>
+      </p:ext>
+    </p:extLst>
+  </p:cSld>
+  <p:clrMapOvr>
+    <a:masterClrMapping/>
+  </p:clrMapOvr>
+</p:sld>
+</file>
+
+<file path=ppt/slides/slide9.xml><?xml version="1.0" encoding="utf-8"?>
 <p:sld xmlns:a="http://schemas.openxmlformats.org/drawingml/2006/main" xmlns:r="http://schemas.openxmlformats.org/officeDocument/2006/relationships" xmlns:p="http://schemas.openxmlformats.org/presentationml/2006/main">
   <p:cSld>
     <p:spTree>
@@ -5604,561 +7664,6 @@
     <p:extLst>
       <p:ext uri="{BB962C8B-B14F-4D97-AF65-F5344CB8AC3E}">
         <p14:creationId xmlns:p14="http://schemas.microsoft.com/office/powerpoint/2010/main" val="4264454112"/>
-      </p:ext>
-    </p:extLst>
-  </p:cSld>
-  <p:clrMapOvr>
-    <a:masterClrMapping/>
-  </p:clrMapOvr>
-</p:sld>
-</file>
-
-<file path=ppt/slides/slide6.xml><?xml version="1.0" encoding="utf-8"?>
-<p:sld xmlns:a="http://schemas.openxmlformats.org/drawingml/2006/main" xmlns:r="http://schemas.openxmlformats.org/officeDocument/2006/relationships" xmlns:p="http://schemas.openxmlformats.org/presentationml/2006/main">
-  <p:cSld>
-    <p:spTree>
-      <p:nvGrpSpPr>
-        <p:cNvPr id="1" name=""/>
-        <p:cNvGrpSpPr/>
-        <p:nvPr/>
-      </p:nvGrpSpPr>
-      <p:grpSpPr>
-        <a:xfrm>
-          <a:off x="0" y="0"/>
-          <a:ext cx="0" cy="0"/>
-          <a:chOff x="0" y="0"/>
-          <a:chExt cx="0" cy="0"/>
-        </a:xfrm>
-      </p:grpSpPr>
-      <p:sp>
-        <p:nvSpPr>
-          <p:cNvPr id="2" name="タイトル 1"/>
-          <p:cNvSpPr>
-            <a:spLocks noGrp="1"/>
-          </p:cNvSpPr>
-          <p:nvPr>
-            <p:ph type="title"/>
-          </p:nvPr>
-        </p:nvSpPr>
-        <p:spPr>
-          <a:xfrm>
-            <a:off x="700414" y="127129"/>
-            <a:ext cx="10836057" cy="799797"/>
-          </a:xfrm>
-        </p:spPr>
-        <p:txBody>
-          <a:bodyPr>
-            <a:normAutofit fontScale="90000"/>
-          </a:bodyPr>
-          <a:lstStyle/>
-          <a:p>
-            <a:r>
-              <a:rPr kumimoji="1" lang="en-US" altLang="ja-JP" dirty="0" smtClean="0"/>
-              <a:t>C#</a:t>
-            </a:r>
-            <a:r>
-              <a:rPr kumimoji="1" lang="ja-JP" altLang="en-US" dirty="0" smtClean="0"/>
-              <a:t>の場合　（配列の中から</a:t>
-            </a:r>
-            <a:r>
-              <a:rPr lang="ja-JP" altLang="en-US" dirty="0"/>
-              <a:t>最小値</a:t>
-            </a:r>
-            <a:r>
-              <a:rPr kumimoji="1" lang="ja-JP" altLang="en-US" dirty="0" smtClean="0"/>
-              <a:t>を求める</a:t>
-            </a:r>
-            <a:r>
-              <a:rPr kumimoji="1" lang="en-US" altLang="ja-JP" dirty="0" smtClean="0"/>
-              <a:t>)</a:t>
-            </a:r>
-            <a:endParaRPr kumimoji="1" lang="ja-JP" altLang="en-US" dirty="0"/>
-          </a:p>
-        </p:txBody>
-      </p:sp>
-      <p:sp>
-        <p:nvSpPr>
-          <p:cNvPr id="3" name="テキスト ボックス 2"/>
-          <p:cNvSpPr txBox="1"/>
-          <p:nvPr/>
-        </p:nvSpPr>
-        <p:spPr>
-          <a:xfrm>
-            <a:off x="851769" y="721181"/>
-            <a:ext cx="7841294" cy="6001643"/>
-          </a:xfrm>
-          <a:prstGeom prst="rect">
-            <a:avLst/>
-          </a:prstGeom>
-          <a:noFill/>
-        </p:spPr>
-        <p:txBody>
-          <a:bodyPr wrap="square" rtlCol="0">
-            <a:spAutoFit/>
-          </a:bodyPr>
-          <a:lstStyle/>
-          <a:p>
-            <a:r>
-              <a:rPr lang="en-US" altLang="ja-JP" sz="1600" dirty="0"/>
-              <a:t>namespace ConsoleApp1</a:t>
-            </a:r>
-          </a:p>
-          <a:p>
-            <a:r>
-              <a:rPr lang="en-US" altLang="ja-JP" sz="1600" dirty="0"/>
-              <a:t>{</a:t>
-            </a:r>
-          </a:p>
-          <a:p>
-            <a:r>
-              <a:rPr lang="en-US" altLang="ja-JP" sz="1600" dirty="0"/>
-              <a:t>    class Min</a:t>
-            </a:r>
-          </a:p>
-          <a:p>
-            <a:r>
-              <a:rPr lang="ja-JP" altLang="en-US" sz="1600" dirty="0"/>
-              <a:t>    </a:t>
-            </a:r>
-            <a:r>
-              <a:rPr lang="en-US" altLang="ja-JP" sz="1600" dirty="0"/>
-              <a:t>{</a:t>
-            </a:r>
-          </a:p>
-          <a:p>
-            <a:r>
-              <a:rPr lang="en-US" altLang="ja-JP" sz="1600" dirty="0"/>
-              <a:t>        static void Main(string[] </a:t>
-            </a:r>
-            <a:r>
-              <a:rPr lang="en-US" altLang="ja-JP" sz="1600" dirty="0" err="1"/>
-              <a:t>args</a:t>
-            </a:r>
-            <a:r>
-              <a:rPr lang="en-US" altLang="ja-JP" sz="1600" dirty="0"/>
-              <a:t>)</a:t>
-            </a:r>
-          </a:p>
-          <a:p>
-            <a:r>
-              <a:rPr lang="ja-JP" altLang="en-US" sz="1600" dirty="0"/>
-              <a:t>        </a:t>
-            </a:r>
-            <a:r>
-              <a:rPr lang="en-US" altLang="ja-JP" sz="1600" dirty="0"/>
-              <a:t>{</a:t>
-            </a:r>
-          </a:p>
-          <a:p>
-            <a:r>
-              <a:rPr lang="ja-JP" altLang="en-US" sz="1600" dirty="0" smtClean="0"/>
-              <a:t>　　　 </a:t>
-            </a:r>
-            <a:r>
-              <a:rPr lang="en-US" altLang="ja-JP" sz="1600" dirty="0" err="1" smtClean="0"/>
-              <a:t>var</a:t>
-            </a:r>
-            <a:r>
-              <a:rPr lang="en-US" altLang="ja-JP" sz="1600" dirty="0" smtClean="0"/>
-              <a:t> </a:t>
-            </a:r>
-            <a:r>
-              <a:rPr lang="en-US" altLang="ja-JP" sz="1600" dirty="0"/>
-              <a:t>T = new </a:t>
-            </a:r>
-            <a:r>
-              <a:rPr lang="en-US" altLang="ja-JP" sz="1600" dirty="0" err="1"/>
-              <a:t>int</a:t>
-            </a:r>
-            <a:r>
-              <a:rPr lang="en-US" altLang="ja-JP" sz="1600" dirty="0"/>
-              <a:t>[] { 8, 4, 2, 1, 6 };</a:t>
-            </a:r>
-          </a:p>
-          <a:p>
-            <a:r>
-              <a:rPr lang="en-US" altLang="ja-JP" sz="1600" dirty="0"/>
-              <a:t>            </a:t>
-            </a:r>
-            <a:r>
-              <a:rPr lang="en-US" altLang="ja-JP" sz="1600" dirty="0" err="1"/>
-              <a:t>int</a:t>
-            </a:r>
-            <a:r>
-              <a:rPr lang="en-US" altLang="ja-JP" sz="1600" dirty="0"/>
-              <a:t> </a:t>
-            </a:r>
-            <a:r>
-              <a:rPr lang="en-US" altLang="ja-JP" sz="1600" dirty="0" err="1"/>
-              <a:t>Idx</a:t>
-            </a:r>
-            <a:r>
-              <a:rPr lang="en-US" altLang="ja-JP" sz="1600" dirty="0"/>
-              <a:t> = 0;</a:t>
-            </a:r>
-          </a:p>
-          <a:p>
-            <a:r>
-              <a:rPr lang="en-US" altLang="ja-JP" sz="1600" dirty="0"/>
-              <a:t>            </a:t>
-            </a:r>
-            <a:r>
-              <a:rPr lang="en-US" altLang="ja-JP" sz="1600" dirty="0" err="1"/>
-              <a:t>int</a:t>
-            </a:r>
-            <a:r>
-              <a:rPr lang="en-US" altLang="ja-JP" sz="1600" dirty="0"/>
-              <a:t> Min = 0;</a:t>
-            </a:r>
-          </a:p>
-          <a:p>
-            <a:endParaRPr lang="ja-JP" altLang="en-US" sz="1600" dirty="0"/>
-          </a:p>
-          <a:p>
-            <a:r>
-              <a:rPr lang="en-US" altLang="ja-JP" sz="1600" dirty="0"/>
-              <a:t>            Min = T[0];</a:t>
-            </a:r>
-          </a:p>
-          <a:p>
-            <a:endParaRPr lang="ja-JP" altLang="en-US" sz="1600" dirty="0"/>
-          </a:p>
-          <a:p>
-            <a:r>
-              <a:rPr lang="en-US" altLang="ja-JP" sz="1600" dirty="0"/>
-              <a:t>            for (</a:t>
-            </a:r>
-            <a:r>
-              <a:rPr lang="en-US" altLang="ja-JP" sz="1600" dirty="0" err="1"/>
-              <a:t>Idx</a:t>
-            </a:r>
-            <a:r>
-              <a:rPr lang="en-US" altLang="ja-JP" sz="1600" dirty="0"/>
-              <a:t> = 0; </a:t>
-            </a:r>
-            <a:r>
-              <a:rPr lang="en-US" altLang="ja-JP" sz="1600" dirty="0" err="1"/>
-              <a:t>Idx</a:t>
-            </a:r>
-            <a:r>
-              <a:rPr lang="en-US" altLang="ja-JP" sz="1600" dirty="0"/>
-              <a:t> &lt; 5; </a:t>
-            </a:r>
-            <a:r>
-              <a:rPr lang="en-US" altLang="ja-JP" sz="1600" dirty="0" err="1"/>
-              <a:t>Idx</a:t>
-            </a:r>
-            <a:r>
-              <a:rPr lang="en-US" altLang="ja-JP" sz="1600" dirty="0"/>
-              <a:t>++)</a:t>
-            </a:r>
-          </a:p>
-          <a:p>
-            <a:r>
-              <a:rPr lang="ja-JP" altLang="en-US" sz="1600" dirty="0"/>
-              <a:t>            </a:t>
-            </a:r>
-            <a:r>
-              <a:rPr lang="en-US" altLang="ja-JP" sz="1600" dirty="0"/>
-              <a:t>{</a:t>
-            </a:r>
-          </a:p>
-          <a:p>
-            <a:r>
-              <a:rPr lang="en-US" altLang="ja-JP" sz="1600" dirty="0"/>
-              <a:t>                while (Min &gt; T[</a:t>
-            </a:r>
-            <a:r>
-              <a:rPr lang="en-US" altLang="ja-JP" sz="1600" dirty="0" err="1"/>
-              <a:t>Idx</a:t>
-            </a:r>
-            <a:r>
-              <a:rPr lang="en-US" altLang="ja-JP" sz="1600" dirty="0"/>
-              <a:t>])</a:t>
-            </a:r>
-          </a:p>
-          <a:p>
-            <a:r>
-              <a:rPr lang="ja-JP" altLang="en-US" sz="1600" dirty="0"/>
-              <a:t>                </a:t>
-            </a:r>
-            <a:r>
-              <a:rPr lang="en-US" altLang="ja-JP" sz="1600" dirty="0"/>
-              <a:t>{</a:t>
-            </a:r>
-          </a:p>
-          <a:p>
-            <a:r>
-              <a:rPr lang="en-US" altLang="ja-JP" sz="1600" dirty="0"/>
-              <a:t>                    Min = T[</a:t>
-            </a:r>
-            <a:r>
-              <a:rPr lang="en-US" altLang="ja-JP" sz="1600" dirty="0" err="1"/>
-              <a:t>Idx</a:t>
-            </a:r>
-            <a:r>
-              <a:rPr lang="en-US" altLang="ja-JP" sz="1600" dirty="0"/>
-              <a:t>];</a:t>
-            </a:r>
-          </a:p>
-          <a:p>
-            <a:r>
-              <a:rPr lang="ja-JP" altLang="en-US" sz="1600" dirty="0"/>
-              <a:t>                </a:t>
-            </a:r>
-            <a:r>
-              <a:rPr lang="en-US" altLang="ja-JP" sz="1600" dirty="0"/>
-              <a:t>}</a:t>
-            </a:r>
-          </a:p>
-          <a:p>
-            <a:r>
-              <a:rPr lang="ja-JP" altLang="en-US" sz="1600" dirty="0"/>
-              <a:t>            </a:t>
-            </a:r>
-            <a:r>
-              <a:rPr lang="en-US" altLang="ja-JP" sz="1600" dirty="0"/>
-              <a:t>}</a:t>
-            </a:r>
-          </a:p>
-          <a:p>
-            <a:r>
-              <a:rPr lang="en-US" altLang="ja-JP" sz="1600" dirty="0" smtClean="0"/>
-              <a:t>            </a:t>
-            </a:r>
-            <a:r>
-              <a:rPr lang="en-US" altLang="ja-JP" sz="1600" dirty="0" err="1" smtClean="0"/>
-              <a:t>Console.WriteLine</a:t>
-            </a:r>
-            <a:r>
-              <a:rPr lang="en-US" altLang="ja-JP" sz="1600" dirty="0" smtClean="0"/>
-              <a:t>(Min</a:t>
-            </a:r>
-            <a:r>
-              <a:rPr lang="en-US" altLang="ja-JP" sz="1600" dirty="0"/>
-              <a:t>);</a:t>
-            </a:r>
-          </a:p>
-          <a:p>
-            <a:r>
-              <a:rPr lang="en-US" altLang="ja-JP" sz="1600" dirty="0"/>
-              <a:t>            </a:t>
-            </a:r>
-            <a:r>
-              <a:rPr lang="en-US" altLang="ja-JP" sz="1600" dirty="0" err="1"/>
-              <a:t>Console.ReadKey</a:t>
-            </a:r>
-            <a:r>
-              <a:rPr lang="en-US" altLang="ja-JP" sz="1600" dirty="0"/>
-              <a:t>();</a:t>
-            </a:r>
-          </a:p>
-          <a:p>
-            <a:r>
-              <a:rPr lang="ja-JP" altLang="en-US" sz="1600" dirty="0"/>
-              <a:t>        </a:t>
-            </a:r>
-            <a:r>
-              <a:rPr lang="en-US" altLang="ja-JP" sz="1600" dirty="0"/>
-              <a:t>}</a:t>
-            </a:r>
-          </a:p>
-          <a:p>
-            <a:r>
-              <a:rPr lang="ja-JP" altLang="en-US" sz="1600" dirty="0"/>
-              <a:t>    </a:t>
-            </a:r>
-            <a:r>
-              <a:rPr lang="en-US" altLang="ja-JP" sz="1600" dirty="0"/>
-              <a:t>}</a:t>
-            </a:r>
-          </a:p>
-          <a:p>
-            <a:r>
-              <a:rPr lang="en-US" altLang="ja-JP" sz="1600" dirty="0" smtClean="0"/>
-              <a:t>}</a:t>
-            </a:r>
-            <a:endParaRPr lang="en-US" altLang="ja-JP" sz="1600" dirty="0"/>
-          </a:p>
-        </p:txBody>
-      </p:sp>
-      <p:sp>
-        <p:nvSpPr>
-          <p:cNvPr id="4" name="テキスト ボックス 3"/>
-          <p:cNvSpPr txBox="1"/>
-          <p:nvPr/>
-        </p:nvSpPr>
-        <p:spPr>
-          <a:xfrm>
-            <a:off x="7077205" y="2242159"/>
-            <a:ext cx="2646878" cy="1077218"/>
-          </a:xfrm>
-          <a:prstGeom prst="rect">
-            <a:avLst/>
-          </a:prstGeom>
-          <a:noFill/>
-        </p:spPr>
-        <p:txBody>
-          <a:bodyPr wrap="none" rtlCol="0">
-            <a:spAutoFit/>
-          </a:bodyPr>
-          <a:lstStyle/>
-          <a:p>
-            <a:r>
-              <a:rPr kumimoji="1" lang="ja-JP" altLang="en-US" sz="3200" dirty="0" smtClean="0">
-                <a:solidFill>
-                  <a:srgbClr val="FF0000"/>
-                </a:solidFill>
-              </a:rPr>
-              <a:t>実行結果　　</a:t>
-            </a:r>
-            <a:endParaRPr kumimoji="1" lang="en-US" altLang="ja-JP" sz="3200" dirty="0" smtClean="0">
-              <a:solidFill>
-                <a:srgbClr val="FF0000"/>
-              </a:solidFill>
-            </a:endParaRPr>
-          </a:p>
-          <a:p>
-            <a:r>
-              <a:rPr lang="en-US" altLang="ja-JP" sz="3200" dirty="0" smtClean="0">
-                <a:solidFill>
-                  <a:srgbClr val="FF0000"/>
-                </a:solidFill>
-              </a:rPr>
-              <a:t>1</a:t>
-            </a:r>
-            <a:endParaRPr kumimoji="1" lang="ja-JP" altLang="en-US" sz="3200" dirty="0">
-              <a:solidFill>
-                <a:srgbClr val="FF0000"/>
-              </a:solidFill>
-            </a:endParaRPr>
-          </a:p>
-        </p:txBody>
-      </p:sp>
-    </p:spTree>
-    <p:extLst>
-      <p:ext uri="{BB962C8B-B14F-4D97-AF65-F5344CB8AC3E}">
-        <p14:creationId xmlns:p14="http://schemas.microsoft.com/office/powerpoint/2010/main" val="2994760958"/>
-      </p:ext>
-    </p:extLst>
-  </p:cSld>
-  <p:clrMapOvr>
-    <a:masterClrMapping/>
-  </p:clrMapOvr>
-</p:sld>
-</file>
-
-<file path=ppt/slides/slide7.xml><?xml version="1.0" encoding="utf-8"?>
-<p:sld xmlns:a="http://schemas.openxmlformats.org/drawingml/2006/main" xmlns:r="http://schemas.openxmlformats.org/officeDocument/2006/relationships" xmlns:p="http://schemas.openxmlformats.org/presentationml/2006/main">
-  <p:cSld>
-    <p:spTree>
-      <p:nvGrpSpPr>
-        <p:cNvPr id="1" name=""/>
-        <p:cNvGrpSpPr/>
-        <p:nvPr/>
-      </p:nvGrpSpPr>
-      <p:grpSpPr>
-        <a:xfrm>
-          <a:off x="0" y="0"/>
-          <a:ext cx="0" cy="0"/>
-          <a:chOff x="0" y="0"/>
-          <a:chExt cx="0" cy="0"/>
-        </a:xfrm>
-      </p:grpSpPr>
-      <p:sp>
-        <p:nvSpPr>
-          <p:cNvPr id="4" name="テキスト ボックス 3"/>
-          <p:cNvSpPr txBox="1"/>
-          <p:nvPr/>
-        </p:nvSpPr>
-        <p:spPr>
-          <a:xfrm>
-            <a:off x="4175267" y="646229"/>
-            <a:ext cx="2778325" cy="646331"/>
-          </a:xfrm>
-          <a:prstGeom prst="rect">
-            <a:avLst/>
-          </a:prstGeom>
-          <a:noFill/>
-        </p:spPr>
-        <p:txBody>
-          <a:bodyPr wrap="none" rtlCol="0">
-            <a:spAutoFit/>
-          </a:bodyPr>
-          <a:lstStyle/>
-          <a:p>
-            <a:r>
-              <a:rPr kumimoji="1" lang="en-US" altLang="ja-JP" sz="3600" dirty="0" smtClean="0"/>
-              <a:t>Training 2-1</a:t>
-            </a:r>
-            <a:endParaRPr kumimoji="1" lang="ja-JP" altLang="en-US" sz="3600" dirty="0"/>
-          </a:p>
-        </p:txBody>
-      </p:sp>
-      <p:sp>
-        <p:nvSpPr>
-          <p:cNvPr id="3" name="テキスト ボックス 2"/>
-          <p:cNvSpPr txBox="1"/>
-          <p:nvPr/>
-        </p:nvSpPr>
-        <p:spPr>
-          <a:xfrm>
-            <a:off x="2703344" y="2410577"/>
-            <a:ext cx="6511719" cy="1200329"/>
-          </a:xfrm>
-          <a:prstGeom prst="rect">
-            <a:avLst/>
-          </a:prstGeom>
-          <a:noFill/>
-        </p:spPr>
-        <p:txBody>
-          <a:bodyPr wrap="none" rtlCol="0">
-            <a:spAutoFit/>
-          </a:bodyPr>
-          <a:lstStyle/>
-          <a:p>
-            <a:r>
-              <a:rPr lang="ja-JP" altLang="en-US" sz="2400" dirty="0" smtClean="0"/>
-              <a:t>・</a:t>
-            </a:r>
-            <a:r>
-              <a:rPr lang="en-US" altLang="ja-JP" sz="2400" dirty="0" smtClean="0"/>
-              <a:t>Total</a:t>
-            </a:r>
-            <a:r>
-              <a:rPr lang="ja-JP" altLang="en-US" sz="2400" dirty="0" smtClean="0"/>
-              <a:t>には、初期値を入れる</a:t>
-            </a:r>
-            <a:endParaRPr lang="en-US" altLang="ja-JP" sz="2400" dirty="0" smtClean="0"/>
-          </a:p>
-          <a:p>
-            <a:r>
-              <a:rPr kumimoji="1" lang="ja-JP" altLang="en-US" sz="2400" dirty="0" smtClean="0"/>
-              <a:t>・ループは、</a:t>
-            </a:r>
-            <a:r>
-              <a:rPr kumimoji="1" lang="en-US" altLang="ja-JP" sz="2400" dirty="0" smtClean="0"/>
-              <a:t>1</a:t>
-            </a:r>
-            <a:r>
-              <a:rPr kumimoji="1" lang="ja-JP" altLang="en-US" sz="2400" dirty="0" smtClean="0"/>
-              <a:t>から始まっている事に注意する</a:t>
-            </a:r>
-            <a:endParaRPr kumimoji="1" lang="en-US" altLang="ja-JP" sz="2400" dirty="0" smtClean="0"/>
-          </a:p>
-          <a:p>
-            <a:r>
-              <a:rPr lang="ja-JP" altLang="en-US" sz="2400" dirty="0" smtClean="0"/>
-              <a:t>・各値をトレースしていくこと</a:t>
-            </a:r>
-            <a:endParaRPr kumimoji="1" lang="ja-JP" altLang="en-US" sz="2400" dirty="0"/>
-          </a:p>
-        </p:txBody>
-      </p:sp>
-    </p:spTree>
-    <p:extLst>
-      <p:ext uri="{BB962C8B-B14F-4D97-AF65-F5344CB8AC3E}">
-        <p14:creationId xmlns:p14="http://schemas.microsoft.com/office/powerpoint/2010/main" val="2843200714"/>
       </p:ext>
     </p:extLst>
   </p:cSld>

--- a/docs/第8回最大値最小値を求めるアルゴリズム.pptx
+++ b/docs/第8回最大値最小値を求めるアルゴリズム.pptx
@@ -15,6 +15,7 @@
     <p:sldId id="277" r:id="rId9"/>
     <p:sldId id="271" r:id="rId10"/>
     <p:sldId id="272" r:id="rId11"/>
+    <p:sldId id="278" r:id="rId12"/>
   </p:sldIdLst>
   <p:sldSz cx="12192000" cy="6858000"/>
   <p:notesSz cx="6735763" cy="9866313"/>
@@ -252,7 +253,7 @@
           <a:p>
             <a:fld id="{BC217E9B-DFCD-4DFE-B7ED-A5F6001EB7CB}" type="datetimeFigureOut">
               <a:rPr kumimoji="1" lang="ja-JP" altLang="en-US" smtClean="0"/>
-              <a:t>2019/6/9</a:t>
+              <a:t>2019/6/11</a:t>
             </a:fld>
             <a:endParaRPr kumimoji="1" lang="ja-JP" altLang="en-US"/>
           </a:p>
@@ -454,7 +455,7 @@
           <a:p>
             <a:fld id="{BC217E9B-DFCD-4DFE-B7ED-A5F6001EB7CB}" type="datetimeFigureOut">
               <a:rPr kumimoji="1" lang="ja-JP" altLang="en-US" smtClean="0"/>
-              <a:t>2019/6/9</a:t>
+              <a:t>2019/6/11</a:t>
             </a:fld>
             <a:endParaRPr kumimoji="1" lang="ja-JP" altLang="en-US"/>
           </a:p>
@@ -666,7 +667,7 @@
           <a:p>
             <a:fld id="{BC217E9B-DFCD-4DFE-B7ED-A5F6001EB7CB}" type="datetimeFigureOut">
               <a:rPr kumimoji="1" lang="ja-JP" altLang="en-US" smtClean="0"/>
-              <a:t>2019/6/9</a:t>
+              <a:t>2019/6/11</a:t>
             </a:fld>
             <a:endParaRPr kumimoji="1" lang="ja-JP" altLang="en-US"/>
           </a:p>
@@ -868,7 +869,7 @@
           <a:p>
             <a:fld id="{BC217E9B-DFCD-4DFE-B7ED-A5F6001EB7CB}" type="datetimeFigureOut">
               <a:rPr kumimoji="1" lang="ja-JP" altLang="en-US" smtClean="0"/>
-              <a:t>2019/6/9</a:t>
+              <a:t>2019/6/11</a:t>
             </a:fld>
             <a:endParaRPr kumimoji="1" lang="ja-JP" altLang="en-US"/>
           </a:p>
@@ -1114,7 +1115,7 @@
           <a:p>
             <a:fld id="{BC217E9B-DFCD-4DFE-B7ED-A5F6001EB7CB}" type="datetimeFigureOut">
               <a:rPr kumimoji="1" lang="ja-JP" altLang="en-US" smtClean="0"/>
-              <a:t>2019/6/9</a:t>
+              <a:t>2019/6/11</a:t>
             </a:fld>
             <a:endParaRPr kumimoji="1" lang="ja-JP" altLang="en-US"/>
           </a:p>
@@ -1410,7 +1411,7 @@
           <a:p>
             <a:fld id="{BC217E9B-DFCD-4DFE-B7ED-A5F6001EB7CB}" type="datetimeFigureOut">
               <a:rPr kumimoji="1" lang="ja-JP" altLang="en-US" smtClean="0"/>
-              <a:t>2019/6/9</a:t>
+              <a:t>2019/6/11</a:t>
             </a:fld>
             <a:endParaRPr kumimoji="1" lang="ja-JP" altLang="en-US"/>
           </a:p>
@@ -1841,7 +1842,7 @@
           <a:p>
             <a:fld id="{BC217E9B-DFCD-4DFE-B7ED-A5F6001EB7CB}" type="datetimeFigureOut">
               <a:rPr kumimoji="1" lang="ja-JP" altLang="en-US" smtClean="0"/>
-              <a:t>2019/6/9</a:t>
+              <a:t>2019/6/11</a:t>
             </a:fld>
             <a:endParaRPr kumimoji="1" lang="ja-JP" altLang="en-US"/>
           </a:p>
@@ -1959,7 +1960,7 @@
           <a:p>
             <a:fld id="{BC217E9B-DFCD-4DFE-B7ED-A5F6001EB7CB}" type="datetimeFigureOut">
               <a:rPr kumimoji="1" lang="ja-JP" altLang="en-US" smtClean="0"/>
-              <a:t>2019/6/9</a:t>
+              <a:t>2019/6/11</a:t>
             </a:fld>
             <a:endParaRPr kumimoji="1" lang="ja-JP" altLang="en-US"/>
           </a:p>
@@ -2054,7 +2055,7 @@
           <a:p>
             <a:fld id="{BC217E9B-DFCD-4DFE-B7ED-A5F6001EB7CB}" type="datetimeFigureOut">
               <a:rPr kumimoji="1" lang="ja-JP" altLang="en-US" smtClean="0"/>
-              <a:t>2019/6/9</a:t>
+              <a:t>2019/6/11</a:t>
             </a:fld>
             <a:endParaRPr kumimoji="1" lang="ja-JP" altLang="en-US"/>
           </a:p>
@@ -2363,7 +2364,7 @@
           <a:p>
             <a:fld id="{BC217E9B-DFCD-4DFE-B7ED-A5F6001EB7CB}" type="datetimeFigureOut">
               <a:rPr kumimoji="1" lang="ja-JP" altLang="en-US" smtClean="0"/>
-              <a:t>2019/6/9</a:t>
+              <a:t>2019/6/11</a:t>
             </a:fld>
             <a:endParaRPr kumimoji="1" lang="ja-JP" altLang="en-US"/>
           </a:p>
@@ -2616,7 +2617,7 @@
           <a:p>
             <a:fld id="{BC217E9B-DFCD-4DFE-B7ED-A5F6001EB7CB}" type="datetimeFigureOut">
               <a:rPr kumimoji="1" lang="ja-JP" altLang="en-US" smtClean="0"/>
-              <a:t>2019/6/9</a:t>
+              <a:t>2019/6/11</a:t>
             </a:fld>
             <a:endParaRPr kumimoji="1" lang="ja-JP" altLang="en-US"/>
           </a:p>
@@ -2861,7 +2862,7 @@
           <a:p>
             <a:fld id="{BC217E9B-DFCD-4DFE-B7ED-A5F6001EB7CB}" type="datetimeFigureOut">
               <a:rPr kumimoji="1" lang="ja-JP" altLang="en-US" smtClean="0"/>
-              <a:t>2019/6/9</a:t>
+              <a:t>2019/6/11</a:t>
             </a:fld>
             <a:endParaRPr kumimoji="1" lang="ja-JP" altLang="en-US"/>
           </a:p>
@@ -3467,7 +3468,7 @@
         <p:spPr>
           <a:xfrm>
             <a:off x="1254595" y="2435629"/>
-            <a:ext cx="8619667" cy="1569660"/>
+            <a:ext cx="9030036" cy="2062103"/>
           </a:xfrm>
           <a:prstGeom prst="rect">
             <a:avLst/>
@@ -3490,7 +3491,34 @@
             </a:r>
             <a:r>
               <a:rPr lang="ja-JP" altLang="en-US" sz="3200" dirty="0" smtClean="0"/>
-              <a:t>には、初期値を入れる</a:t>
+              <a:t>には、初期値を</a:t>
+            </a:r>
+            <a:r>
+              <a:rPr lang="ja-JP" altLang="en-US" sz="3200" dirty="0" smtClean="0"/>
+              <a:t>入れる</a:t>
+            </a:r>
+            <a:endParaRPr lang="en-US" altLang="ja-JP" sz="3200" dirty="0" smtClean="0"/>
+          </a:p>
+          <a:p>
+            <a:r>
+              <a:rPr lang="ja-JP" altLang="en-US" sz="3200" dirty="0" smtClean="0"/>
+              <a:t>・設問</a:t>
+            </a:r>
+            <a:r>
+              <a:rPr lang="en-US" altLang="ja-JP" sz="3200" dirty="0" smtClean="0"/>
+              <a:t>(a)</a:t>
+            </a:r>
+            <a:r>
+              <a:rPr lang="ja-JP" altLang="en-US" sz="3200" dirty="0" smtClean="0"/>
+              <a:t>は、</a:t>
+            </a:r>
+            <a:r>
+              <a:rPr lang="en-US" altLang="ja-JP" sz="3200" dirty="0" smtClean="0"/>
+              <a:t>Total</a:t>
+            </a:r>
+            <a:r>
+              <a:rPr lang="ja-JP" altLang="en-US" sz="3200" dirty="0" smtClean="0"/>
+              <a:t>に何を入れるか注意する事</a:t>
             </a:r>
             <a:endParaRPr lang="en-US" altLang="ja-JP" sz="3200" dirty="0" smtClean="0"/>
           </a:p>
@@ -3505,7 +3533,11 @@
             </a:r>
             <a:r>
               <a:rPr kumimoji="1" lang="ja-JP" altLang="en-US" sz="3200" dirty="0" smtClean="0"/>
-              <a:t>から始まっている事に注意する</a:t>
+              <a:t>から始まっている事に注意</a:t>
+            </a:r>
+            <a:r>
+              <a:rPr kumimoji="1" lang="ja-JP" altLang="en-US" sz="3200" dirty="0" smtClean="0"/>
+              <a:t>する事</a:t>
             </a:r>
             <a:endParaRPr kumimoji="1" lang="en-US" altLang="ja-JP" sz="3200" dirty="0" smtClean="0"/>
           </a:p>
@@ -3522,6 +3554,60 @@
     <p:extLst>
       <p:ext uri="{BB962C8B-B14F-4D97-AF65-F5344CB8AC3E}">
         <p14:creationId xmlns:p14="http://schemas.microsoft.com/office/powerpoint/2010/main" val="2843200714"/>
+      </p:ext>
+    </p:extLst>
+  </p:cSld>
+  <p:clrMapOvr>
+    <a:masterClrMapping/>
+  </p:clrMapOvr>
+</p:sld>
+</file>
+
+<file path=ppt/slides/slide11.xml><?xml version="1.0" encoding="utf-8"?>
+<p:sld xmlns:a="http://schemas.openxmlformats.org/drawingml/2006/main" xmlns:r="http://schemas.openxmlformats.org/officeDocument/2006/relationships" xmlns:p="http://schemas.openxmlformats.org/presentationml/2006/main">
+  <p:cSld>
+    <p:spTree>
+      <p:nvGrpSpPr>
+        <p:cNvPr id="1" name=""/>
+        <p:cNvGrpSpPr/>
+        <p:nvPr/>
+      </p:nvGrpSpPr>
+      <p:grpSpPr>
+        <a:xfrm>
+          <a:off x="0" y="0"/>
+          <a:ext cx="0" cy="0"/>
+          <a:chOff x="0" y="0"/>
+          <a:chExt cx="0" cy="0"/>
+        </a:xfrm>
+      </p:grpSpPr>
+      <p:pic>
+        <p:nvPicPr>
+          <p:cNvPr id="2" name="図 1"/>
+          <p:cNvPicPr>
+            <a:picLocks noChangeAspect="1"/>
+          </p:cNvPicPr>
+          <p:nvPr/>
+        </p:nvPicPr>
+        <p:blipFill>
+          <a:blip r:embed="rId2"/>
+          <a:stretch>
+            <a:fillRect/>
+          </a:stretch>
+        </p:blipFill>
+        <p:spPr>
+          <a:xfrm>
+            <a:off x="3472987" y="104082"/>
+            <a:ext cx="4656859" cy="6661333"/>
+          </a:xfrm>
+          <a:prstGeom prst="rect">
+            <a:avLst/>
+          </a:prstGeom>
+        </p:spPr>
+      </p:pic>
+    </p:spTree>
+    <p:extLst>
+      <p:ext uri="{BB962C8B-B14F-4D97-AF65-F5344CB8AC3E}">
+        <p14:creationId xmlns:p14="http://schemas.microsoft.com/office/powerpoint/2010/main" val="1388210992"/>
       </p:ext>
     </p:extLst>
   </p:cSld>
@@ -5840,11 +5926,15 @@
           </a:p>
           <a:p>
             <a:r>
+              <a:rPr lang="ja-JP" altLang="en-US" dirty="0" smtClean="0"/>
+              <a:t>｜</a:t>
+            </a:r>
+            <a:r>
               <a:rPr lang="ja-JP" altLang="en-US" dirty="0"/>
-              <a:t>｜■</a:t>
-            </a:r>
-            <a:r>
-              <a:rPr lang="en-US" altLang="ja-JP" dirty="0"/>
+              <a:t>▲</a:t>
+            </a:r>
+            <a:r>
+              <a:rPr lang="en-US" altLang="ja-JP" dirty="0" smtClean="0"/>
               <a:t>Max </a:t>
             </a:r>
             <a:r>
@@ -5884,9 +5974,14 @@
           </a:p>
           <a:p>
             <a:r>
+              <a:rPr lang="ja-JP" altLang="en-US" dirty="0" smtClean="0"/>
+              <a:t>｜</a:t>
+            </a:r>
+            <a:r>
               <a:rPr lang="ja-JP" altLang="en-US" dirty="0"/>
-              <a:t>｜□</a:t>
-            </a:r>
+              <a:t>▼</a:t>
+            </a:r>
+            <a:endParaRPr lang="ja-JP" altLang="en-US" dirty="0"/>
           </a:p>
           <a:p>
             <a:r>
@@ -6428,7 +6523,7 @@
         </p:nvSpPr>
         <p:spPr>
           <a:xfrm>
-            <a:off x="2036617" y="199506"/>
+            <a:off x="2094807" y="241069"/>
             <a:ext cx="7764087" cy="6555641"/>
           </a:xfrm>
           <a:prstGeom prst="rect">
@@ -6688,7 +6783,15 @@
           <a:p>
             <a:r>
               <a:rPr lang="en-US" altLang="ja-JP" sz="1400" dirty="0"/>
-              <a:t>                while (Max &lt; T[</a:t>
+              <a:t>                </a:t>
+            </a:r>
+            <a:r>
+              <a:rPr lang="en-US" altLang="ja-JP" sz="1400" dirty="0" smtClean="0"/>
+              <a:t>if </a:t>
+            </a:r>
+            <a:r>
+              <a:rPr lang="en-US" altLang="ja-JP" sz="1400" dirty="0"/>
+              <a:t>(Max &lt; T[</a:t>
             </a:r>
             <a:r>
               <a:rPr lang="en-US" altLang="ja-JP" sz="1400" dirty="0" err="1"/>
@@ -7146,12 +7249,12 @@
           </a:p>
           <a:p>
             <a:r>
+              <a:rPr lang="ja-JP" altLang="en-US" dirty="0" smtClean="0"/>
+              <a:t>｜</a:t>
+            </a:r>
+            <a:r>
               <a:rPr lang="ja-JP" altLang="en-US" dirty="0"/>
-              <a:t>｜</a:t>
-            </a:r>
-            <a:r>
-              <a:rPr lang="ja-JP" altLang="en-US" dirty="0" smtClean="0"/>
-              <a:t>■</a:t>
+              <a:t>▲</a:t>
             </a:r>
             <a:r>
               <a:rPr lang="en-US" altLang="ja-JP" dirty="0" smtClean="0"/>
@@ -7206,9 +7309,10 @@
           </a:p>
           <a:p>
             <a:r>
-              <a:rPr lang="ja-JP" altLang="en-US" dirty="0"/>
-              <a:t>｜□</a:t>
-            </a:r>
+              <a:rPr lang="ja-JP" altLang="en-US" dirty="0" smtClean="0"/>
+              <a:t>｜▼</a:t>
+            </a:r>
+            <a:endParaRPr lang="ja-JP" altLang="en-US" dirty="0"/>
           </a:p>
           <a:p>
             <a:r>
